--- a/html-css-js.pptx
+++ b/html-css-js.pptx
@@ -5,15 +5,16 @@
     <p:sldMasterId id="2147483648" r:id="rId1"/>
   </p:sldMasterIdLst>
   <p:notesMasterIdLst>
-    <p:notesMasterId r:id="rId8"/>
+    <p:notesMasterId r:id="rId9"/>
   </p:notesMasterIdLst>
   <p:sldIdLst>
     <p:sldId id="257" r:id="rId2"/>
     <p:sldId id="266" r:id="rId3"/>
     <p:sldId id="261" r:id="rId4"/>
-    <p:sldId id="262" r:id="rId5"/>
-    <p:sldId id="263" r:id="rId6"/>
-    <p:sldId id="264" r:id="rId7"/>
+    <p:sldId id="267" r:id="rId5"/>
+    <p:sldId id="262" r:id="rId6"/>
+    <p:sldId id="263" r:id="rId7"/>
+    <p:sldId id="264" r:id="rId8"/>
   </p:sldIdLst>
   <p:sldSz cx="9144000" cy="6858000" type="screen4x3"/>
   <p:notesSz cx="6858000" cy="9144000"/>
@@ -114,7 +115,7 @@
   </p:defaultTextStyle>
   <p:extLst>
     <p:ext uri="{EFAFB233-063F-42B5-8137-9DF3F51BA10A}">
-      <p15:sldGuideLst xmlns:p15="http://schemas.microsoft.com/office/powerpoint/2012/main" xmlns="">
+      <p15:sldGuideLst xmlns="" xmlns:p15="http://schemas.microsoft.com/office/powerpoint/2012/main">
         <p15:guide id="1" orient="horz" pos="2160">
           <p15:clr>
             <a:srgbClr val="A4A3A4"/>
@@ -213,7 +214,7 @@
           <a:p>
             <a:fld id="{B24A7054-7FFB-49F4-A126-5DF6E687FF53}" type="datetimeFigureOut">
               <a:rPr lang="ru-RU" smtClean="0"/>
-              <a:t>12.02.2019</a:t>
+              <a:t>13.02.2019</a:t>
             </a:fld>
             <a:endParaRPr lang="ru-RU"/>
           </a:p>
@@ -1480,7 +1481,7 @@
           <a:p>
             <a:fld id="{8E6E6A2A-E9D3-4A0D-B04A-ABDD367A1E08}" type="datetimeFigureOut">
               <a:rPr lang="ru-RU" smtClean="0"/>
-              <a:t>12.02.2019</a:t>
+              <a:t>13.02.2019</a:t>
             </a:fld>
             <a:endParaRPr lang="ru-RU"/>
           </a:p>
@@ -2910,7 +2911,7 @@
           <a:p>
             <a:fld id="{AC3D3127-B7C4-45E3-9797-C527EC9FDD78}" type="datetimeFigureOut">
               <a:rPr lang="ru-RU" smtClean="0"/>
-              <a:t>12.02.2019</a:t>
+              <a:t>13.02.2019</a:t>
             </a:fld>
             <a:endParaRPr lang="ru-RU"/>
           </a:p>
@@ -3398,7 +3399,7 @@
           <p:cNvPr id="8" name="TextBox 7">
             <a:extLst>
               <a:ext uri="{FF2B5EF4-FFF2-40B4-BE49-F238E27FC236}">
-                <a16:creationId xmlns:a16="http://schemas.microsoft.com/office/drawing/2014/main" xmlns="" id="{BC23FA65-1963-9C48-AEBB-8E324B2BBC79}"/>
+                <a16:creationId xmlns="" xmlns:a16="http://schemas.microsoft.com/office/drawing/2014/main" id="{BC23FA65-1963-9C48-AEBB-8E324B2BBC79}"/>
               </a:ext>
             </a:extLst>
           </p:cNvPr>
@@ -3695,7 +3696,7 @@
         <p:spPr/>
         <p:txBody>
           <a:bodyPr>
-            <a:normAutofit fontScale="92500" lnSpcReduction="10000"/>
+            <a:normAutofit/>
           </a:bodyPr>
           <a:lstStyle/>
           <a:p>
@@ -3773,45 +3774,13 @@
             </a:r>
             <a:r>
               <a:rPr lang="ru-RU" sz="2800" dirty="0" smtClean="0"/>
-              <a:t>строковый элемент</a:t>
-            </a:r>
-          </a:p>
-          <a:p>
-            <a:pPr marL="0" indent="0">
-              <a:buNone/>
-            </a:pPr>
-            <a:r>
-              <a:rPr lang="en-US" sz="2800" dirty="0" smtClean="0"/>
-              <a:t>table</a:t>
-            </a:r>
-            <a:r>
-              <a:rPr lang="en-US" sz="2800" dirty="0" smtClean="0"/>
-              <a:t>, </a:t>
-            </a:r>
-            <a:r>
-              <a:rPr lang="en-US" sz="2800" dirty="0" err="1" smtClean="0"/>
-              <a:t>tr</a:t>
-            </a:r>
-            <a:r>
-              <a:rPr lang="en-US" sz="2800" dirty="0" smtClean="0"/>
-              <a:t>, </a:t>
-            </a:r>
-            <a:r>
-              <a:rPr lang="en-US" sz="2800" dirty="0" err="1"/>
-              <a:t>th</a:t>
-            </a:r>
-            <a:r>
-              <a:rPr lang="en-US" sz="2800" dirty="0"/>
-              <a:t>, </a:t>
-            </a:r>
-            <a:r>
-              <a:rPr lang="en-US" sz="2800" dirty="0" smtClean="0"/>
-              <a:t>td – </a:t>
+              <a:t>строковый </a:t>
             </a:r>
             <a:r>
               <a:rPr lang="ru-RU" sz="2800" dirty="0" smtClean="0"/>
-              <a:t>таблица, строка, ячейка заголовка, обычная ячейка</a:t>
-            </a:r>
+              <a:t>элемент</a:t>
+            </a:r>
+            <a:endParaRPr lang="ru-RU" sz="2800" dirty="0" smtClean="0"/>
           </a:p>
           <a:p>
             <a:pPr marL="0" indent="0">
@@ -3901,15 +3870,11 @@
           <a:p>
             <a:r>
               <a:rPr lang="ru-RU" dirty="0" smtClean="0"/>
-              <a:t>Некоторые </a:t>
+              <a:t>Таблицы в </a:t>
             </a:r>
             <a:r>
               <a:rPr lang="en-US" dirty="0" smtClean="0"/>
-              <a:t>CSS-</a:t>
-            </a:r>
-            <a:r>
-              <a:rPr lang="ru-RU" dirty="0" smtClean="0"/>
-              <a:t>правила</a:t>
+              <a:t>html</a:t>
             </a:r>
             <a:endParaRPr lang="ru-RU" dirty="0"/>
           </a:p>
@@ -3917,7 +3882,7 @@
       </p:sp>
       <p:sp>
         <p:nvSpPr>
-          <p:cNvPr id="4" name="Content Placeholder 3"/>
+          <p:cNvPr id="3" name="Content Placeholder 2"/>
           <p:cNvSpPr>
             <a:spLocks noGrp="1"/>
           </p:cNvSpPr>
@@ -3931,21 +3896,60 @@
           <a:lstStyle/>
           <a:p>
             <a:r>
+              <a:rPr lang="en-US" dirty="0" smtClean="0"/>
+              <a:t>table – </a:t>
+            </a:r>
+            <a:r>
               <a:rPr lang="ru-RU" dirty="0" smtClean="0"/>
-              <a:t>цвет - </a:t>
+              <a:t>таблица</a:t>
+            </a:r>
+          </a:p>
+          <a:p>
+            <a:r>
+              <a:rPr lang="en-US" dirty="0" err="1" smtClean="0"/>
+              <a:t>tr</a:t>
             </a:r>
             <a:r>
               <a:rPr lang="en-US" dirty="0" smtClean="0"/>
-              <a:t>color</a:t>
-            </a:r>
-            <a:r>
-              <a:rPr lang="en-US" dirty="0"/>
-              <a:t>: </a:t>
+              <a:t> – </a:t>
+            </a:r>
+            <a:r>
+              <a:rPr lang="ru-RU" dirty="0" smtClean="0"/>
+              <a:t>строка</a:t>
+            </a:r>
+          </a:p>
+          <a:p>
+            <a:r>
+              <a:rPr lang="en-US" dirty="0" err="1" smtClean="0"/>
+              <a:t>th</a:t>
             </a:r>
             <a:r>
               <a:rPr lang="en-US" dirty="0" smtClean="0"/>
-              <a:t>red</a:t>
-            </a:r>
+              <a:t> – </a:t>
+            </a:r>
+            <a:r>
+              <a:rPr lang="ru-RU" dirty="0" smtClean="0"/>
+              <a:t>ячейка заголовка</a:t>
+            </a:r>
+          </a:p>
+          <a:p>
+            <a:r>
+              <a:rPr lang="en-US" dirty="0" smtClean="0"/>
+              <a:t>td – </a:t>
+            </a:r>
+            <a:r>
+              <a:rPr lang="ru-RU" dirty="0" smtClean="0"/>
+              <a:t>ячейка </a:t>
+            </a:r>
+            <a:r>
+              <a:rPr lang="ru-RU" smtClean="0"/>
+              <a:t>с данными</a:t>
+            </a:r>
+          </a:p>
+          <a:p>
+            <a:pPr marL="0" indent="0">
+              <a:buNone/>
+            </a:pPr>
             <a:endParaRPr lang="ru-RU" dirty="0" smtClean="0"/>
           </a:p>
           <a:p>
@@ -3956,7 +3960,7 @@
     </p:spTree>
     <p:extLst>
       <p:ext uri="{BB962C8B-B14F-4D97-AF65-F5344CB8AC3E}">
-        <p14:creationId xmlns:p14="http://schemas.microsoft.com/office/powerpoint/2010/main" val="3116283129"/>
+        <p14:creationId xmlns:p14="http://schemas.microsoft.com/office/powerpoint/2010/main" val="2393520750"/>
       </p:ext>
     </p:extLst>
   </p:cSld>
@@ -3999,6 +4003,105 @@
           <a:lstStyle/>
           <a:p>
             <a:r>
+              <a:rPr lang="ru-RU" dirty="0" smtClean="0"/>
+              <a:t>Некоторые </a:t>
+            </a:r>
+            <a:r>
+              <a:rPr lang="en-US" dirty="0" smtClean="0"/>
+              <a:t>CSS-</a:t>
+            </a:r>
+            <a:r>
+              <a:rPr lang="ru-RU" dirty="0" smtClean="0"/>
+              <a:t>правила</a:t>
+            </a:r>
+            <a:endParaRPr lang="ru-RU" dirty="0"/>
+          </a:p>
+        </p:txBody>
+      </p:sp>
+      <p:sp>
+        <p:nvSpPr>
+          <p:cNvPr id="4" name="Content Placeholder 3"/>
+          <p:cNvSpPr>
+            <a:spLocks noGrp="1"/>
+          </p:cNvSpPr>
+          <p:nvPr>
+            <p:ph idx="1"/>
+          </p:nvPr>
+        </p:nvSpPr>
+        <p:spPr/>
+        <p:txBody>
+          <a:bodyPr/>
+          <a:lstStyle/>
+          <a:p>
+            <a:r>
+              <a:rPr lang="ru-RU" dirty="0" smtClean="0"/>
+              <a:t>цвет - </a:t>
+            </a:r>
+            <a:r>
+              <a:rPr lang="en-US" dirty="0" smtClean="0"/>
+              <a:t>color</a:t>
+            </a:r>
+            <a:r>
+              <a:rPr lang="en-US" dirty="0"/>
+              <a:t>: </a:t>
+            </a:r>
+            <a:r>
+              <a:rPr lang="en-US" dirty="0" smtClean="0"/>
+              <a:t>red</a:t>
+            </a:r>
+            <a:endParaRPr lang="ru-RU" dirty="0" smtClean="0"/>
+          </a:p>
+          <a:p>
+            <a:endParaRPr lang="ru-RU" dirty="0"/>
+          </a:p>
+        </p:txBody>
+      </p:sp>
+    </p:spTree>
+    <p:extLst>
+      <p:ext uri="{BB962C8B-B14F-4D97-AF65-F5344CB8AC3E}">
+        <p14:creationId xmlns:p14="http://schemas.microsoft.com/office/powerpoint/2010/main" val="3116283129"/>
+      </p:ext>
+    </p:extLst>
+  </p:cSld>
+  <p:clrMapOvr>
+    <a:masterClrMapping/>
+  </p:clrMapOvr>
+</p:sld>
+</file>
+
+<file path=ppt/slides/slide6.xml><?xml version="1.0" encoding="utf-8"?>
+<p:sld xmlns:a="http://schemas.openxmlformats.org/drawingml/2006/main" xmlns:r="http://schemas.openxmlformats.org/officeDocument/2006/relationships" xmlns:p="http://schemas.openxmlformats.org/presentationml/2006/main">
+  <p:cSld>
+    <p:spTree>
+      <p:nvGrpSpPr>
+        <p:cNvPr id="1" name=""/>
+        <p:cNvGrpSpPr/>
+        <p:nvPr/>
+      </p:nvGrpSpPr>
+      <p:grpSpPr>
+        <a:xfrm>
+          <a:off x="0" y="0"/>
+          <a:ext cx="0" cy="0"/>
+          <a:chOff x="0" y="0"/>
+          <a:chExt cx="0" cy="0"/>
+        </a:xfrm>
+      </p:grpSpPr>
+      <p:sp>
+        <p:nvSpPr>
+          <p:cNvPr id="2" name="Title 1"/>
+          <p:cNvSpPr>
+            <a:spLocks noGrp="1"/>
+          </p:cNvSpPr>
+          <p:nvPr>
+            <p:ph type="title"/>
+          </p:nvPr>
+        </p:nvSpPr>
+        <p:spPr/>
+        <p:txBody>
+          <a:bodyPr/>
+          <a:lstStyle/>
+          <a:p>
+            <a:r>
               <a:rPr lang="en-US" dirty="0" smtClean="0"/>
               <a:t>CSS </a:t>
             </a:r>
@@ -4078,7 +4181,7 @@
 </p:sld>
 </file>
 
-<file path=ppt/slides/slide6.xml><?xml version="1.0" encoding="utf-8"?>
+<file path=ppt/slides/slide7.xml><?xml version="1.0" encoding="utf-8"?>
 <p:sld xmlns:a="http://schemas.openxmlformats.org/drawingml/2006/main" xmlns:r="http://schemas.openxmlformats.org/officeDocument/2006/relationships" xmlns:p="http://schemas.openxmlformats.org/presentationml/2006/main">
   <p:cSld>
     <p:spTree>

--- a/html-css-js.pptx
+++ b/html-css-js.pptx
@@ -5,16 +5,19 @@
     <p:sldMasterId id="2147483648" r:id="rId1"/>
   </p:sldMasterIdLst>
   <p:notesMasterIdLst>
-    <p:notesMasterId r:id="rId9"/>
+    <p:notesMasterId r:id="rId12"/>
   </p:notesMasterIdLst>
   <p:sldIdLst>
     <p:sldId id="257" r:id="rId2"/>
     <p:sldId id="266" r:id="rId3"/>
     <p:sldId id="261" r:id="rId4"/>
     <p:sldId id="267" r:id="rId5"/>
-    <p:sldId id="262" r:id="rId6"/>
-    <p:sldId id="263" r:id="rId7"/>
-    <p:sldId id="264" r:id="rId8"/>
+    <p:sldId id="268" r:id="rId6"/>
+    <p:sldId id="269" r:id="rId7"/>
+    <p:sldId id="270" r:id="rId8"/>
+    <p:sldId id="262" r:id="rId9"/>
+    <p:sldId id="263" r:id="rId10"/>
+    <p:sldId id="264" r:id="rId11"/>
   </p:sldIdLst>
   <p:sldSz cx="9144000" cy="6858000" type="screen4x3"/>
   <p:notesSz cx="6858000" cy="9144000"/>
@@ -114,8 +117,30 @@
     </a:lvl9pPr>
   </p:defaultTextStyle>
   <p:extLst>
+    <p:ext uri="{521415D9-36F7-43E2-AB2F-B90AF26B5E84}">
+      <p14:sectionLst xmlns:p14="http://schemas.microsoft.com/office/powerpoint/2010/main">
+        <p14:section name="Default Section" id="{FD2DA4A8-D281-4B3D-9A08-CEE50BB34CEE}">
+          <p14:sldIdLst>
+            <p14:sldId id="257"/>
+            <p14:sldId id="266"/>
+            <p14:sldId id="261"/>
+            <p14:sldId id="267"/>
+            <p14:sldId id="268"/>
+            <p14:sldId id="269"/>
+            <p14:sldId id="270"/>
+          </p14:sldIdLst>
+        </p14:section>
+        <p14:section name="CSS" id="{F53FA781-7D7A-4B1A-9D76-0DBAA163F54C}">
+          <p14:sldIdLst>
+            <p14:sldId id="262"/>
+            <p14:sldId id="263"/>
+            <p14:sldId id="264"/>
+          </p14:sldIdLst>
+        </p14:section>
+      </p14:sectionLst>
+    </p:ext>
     <p:ext uri="{EFAFB233-063F-42B5-8137-9DF3F51BA10A}">
-      <p15:sldGuideLst xmlns="" xmlns:p15="http://schemas.microsoft.com/office/powerpoint/2012/main">
+      <p15:sldGuideLst xmlns:p15="http://schemas.microsoft.com/office/powerpoint/2012/main" xmlns="">
         <p15:guide id="1" orient="horz" pos="2160">
           <p15:clr>
             <a:srgbClr val="A4A3A4"/>
@@ -214,7 +239,7 @@
           <a:p>
             <a:fld id="{B24A7054-7FFB-49F4-A126-5DF6E687FF53}" type="datetimeFigureOut">
               <a:rPr lang="ru-RU" smtClean="0"/>
-              <a:t>13.02.2019</a:t>
+              <a:t>21.02.2019</a:t>
             </a:fld>
             <a:endParaRPr lang="ru-RU"/>
           </a:p>
@@ -1481,7 +1506,7 @@
           <a:p>
             <a:fld id="{8E6E6A2A-E9D3-4A0D-B04A-ABDD367A1E08}" type="datetimeFigureOut">
               <a:rPr lang="ru-RU" smtClean="0"/>
-              <a:t>13.02.2019</a:t>
+              <a:t>21.02.2019</a:t>
             </a:fld>
             <a:endParaRPr lang="ru-RU"/>
           </a:p>
@@ -2911,7 +2936,7 @@
           <a:p>
             <a:fld id="{AC3D3127-B7C4-45E3-9797-C527EC9FDD78}" type="datetimeFigureOut">
               <a:rPr lang="ru-RU" smtClean="0"/>
-              <a:t>13.02.2019</a:t>
+              <a:t>21.02.2019</a:t>
             </a:fld>
             <a:endParaRPr lang="ru-RU"/>
           </a:p>
@@ -3399,7 +3424,7 @@
           <p:cNvPr id="8" name="TextBox 7">
             <a:extLst>
               <a:ext uri="{FF2B5EF4-FFF2-40B4-BE49-F238E27FC236}">
-                <a16:creationId xmlns="" xmlns:a16="http://schemas.microsoft.com/office/drawing/2014/main" id="{BC23FA65-1963-9C48-AEBB-8E324B2BBC79}"/>
+                <a16:creationId xmlns:a16="http://schemas.microsoft.com/office/drawing/2014/main" xmlns="" id="{BC23FA65-1963-9C48-AEBB-8E324B2BBC79}"/>
               </a:ext>
             </a:extLst>
           </p:cNvPr>
@@ -3512,6 +3537,197 @@
     <p:extLst>
       <p:ext uri="{BB962C8B-B14F-4D97-AF65-F5344CB8AC3E}">
         <p14:creationId xmlns:p14="http://schemas.microsoft.com/office/powerpoint/2010/main" val="2920947202"/>
+      </p:ext>
+    </p:extLst>
+  </p:cSld>
+  <p:clrMapOvr>
+    <a:masterClrMapping/>
+  </p:clrMapOvr>
+</p:sld>
+</file>
+
+<file path=ppt/slides/slide10.xml><?xml version="1.0" encoding="utf-8"?>
+<p:sld xmlns:a="http://schemas.openxmlformats.org/drawingml/2006/main" xmlns:r="http://schemas.openxmlformats.org/officeDocument/2006/relationships" xmlns:p="http://schemas.openxmlformats.org/presentationml/2006/main">
+  <p:cSld>
+    <p:spTree>
+      <p:nvGrpSpPr>
+        <p:cNvPr id="1" name=""/>
+        <p:cNvGrpSpPr/>
+        <p:nvPr/>
+      </p:nvGrpSpPr>
+      <p:grpSpPr>
+        <a:xfrm>
+          <a:off x="0" y="0"/>
+          <a:ext cx="0" cy="0"/>
+          <a:chOff x="0" y="0"/>
+          <a:chExt cx="0" cy="0"/>
+        </a:xfrm>
+      </p:grpSpPr>
+      <p:sp>
+        <p:nvSpPr>
+          <p:cNvPr id="2" name="Title 1"/>
+          <p:cNvSpPr>
+            <a:spLocks noGrp="1"/>
+          </p:cNvSpPr>
+          <p:nvPr>
+            <p:ph type="title"/>
+          </p:nvPr>
+        </p:nvSpPr>
+        <p:spPr/>
+        <p:txBody>
+          <a:bodyPr>
+            <a:normAutofit fontScale="90000"/>
+          </a:bodyPr>
+          <a:lstStyle/>
+          <a:p>
+            <a:r>
+              <a:rPr lang="ru-RU" dirty="0" smtClean="0"/>
+              <a:t>Способы подключения </a:t>
+            </a:r>
+            <a:r>
+              <a:rPr lang="en-US" dirty="0" smtClean="0"/>
+              <a:t>CSS </a:t>
+            </a:r>
+            <a:r>
+              <a:rPr lang="ru-RU" dirty="0" smtClean="0"/>
+              <a:t>к странице</a:t>
+            </a:r>
+            <a:endParaRPr lang="ru-RU" dirty="0"/>
+          </a:p>
+        </p:txBody>
+      </p:sp>
+      <p:sp>
+        <p:nvSpPr>
+          <p:cNvPr id="3" name="Content Placeholder 2"/>
+          <p:cNvSpPr>
+            <a:spLocks noGrp="1"/>
+          </p:cNvSpPr>
+          <p:nvPr>
+            <p:ph idx="1"/>
+          </p:nvPr>
+        </p:nvSpPr>
+        <p:spPr/>
+        <p:txBody>
+          <a:bodyPr>
+            <a:normAutofit/>
+          </a:bodyPr>
+          <a:lstStyle/>
+          <a:p>
+            <a:r>
+              <a:rPr lang="ru-RU" dirty="0" smtClean="0"/>
+              <a:t>Внешние стили</a:t>
+            </a:r>
+          </a:p>
+          <a:p>
+            <a:pPr lvl="1"/>
+            <a:r>
+              <a:rPr lang="en-US" dirty="0"/>
+              <a:t>&lt;head</a:t>
+            </a:r>
+            <a:r>
+              <a:rPr lang="en-US" dirty="0" smtClean="0"/>
+              <a:t>&gt;&lt;</a:t>
+            </a:r>
+            <a:r>
+              <a:rPr lang="en-US" dirty="0"/>
+              <a:t>link </a:t>
+            </a:r>
+            <a:r>
+              <a:rPr lang="en-US" dirty="0" err="1"/>
+              <a:t>rel</a:t>
+            </a:r>
+            <a:r>
+              <a:rPr lang="en-US" dirty="0"/>
+              <a:t>="stylesheet" type="text/</a:t>
+            </a:r>
+            <a:r>
+              <a:rPr lang="en-US" dirty="0" err="1"/>
+              <a:t>css</a:t>
+            </a:r>
+            <a:r>
+              <a:rPr lang="en-US" dirty="0"/>
+              <a:t>" </a:t>
+            </a:r>
+            <a:r>
+              <a:rPr lang="en-US" dirty="0" err="1"/>
+              <a:t>href</a:t>
+            </a:r>
+            <a:r>
+              <a:rPr lang="en-US" dirty="0"/>
+              <a:t>="mystyle.css</a:t>
+            </a:r>
+            <a:r>
+              <a:rPr lang="en-US" dirty="0" smtClean="0"/>
+              <a:t>"&gt;&lt;/</a:t>
+            </a:r>
+            <a:r>
+              <a:rPr lang="en-US" dirty="0"/>
+              <a:t>head&gt;</a:t>
+            </a:r>
+            <a:endParaRPr lang="ru-RU" dirty="0" smtClean="0"/>
+          </a:p>
+          <a:p>
+            <a:r>
+              <a:rPr lang="ru-RU" dirty="0" smtClean="0"/>
+              <a:t>Стили встроенные в страницу</a:t>
+            </a:r>
+          </a:p>
+          <a:p>
+            <a:pPr lvl="1"/>
+            <a:r>
+              <a:rPr lang="en-US" dirty="0" smtClean="0"/>
+              <a:t>&lt;head&gt;&lt;style&gt;...&lt;/style&gt;&lt;/head&gt;</a:t>
+            </a:r>
+            <a:endParaRPr lang="ru-RU" dirty="0" smtClean="0"/>
+          </a:p>
+          <a:p>
+            <a:r>
+              <a:rPr lang="ru-RU" dirty="0" smtClean="0"/>
+              <a:t>Стили элемента (</a:t>
+            </a:r>
+            <a:r>
+              <a:rPr lang="en-US" dirty="0" smtClean="0"/>
+              <a:t>inline style</a:t>
+            </a:r>
+            <a:r>
+              <a:rPr lang="ru-RU" dirty="0" smtClean="0"/>
+              <a:t>)</a:t>
+            </a:r>
+            <a:endParaRPr lang="en-US" dirty="0" smtClean="0"/>
+          </a:p>
+          <a:p>
+            <a:pPr lvl="1"/>
+            <a:r>
+              <a:rPr lang="en-US" dirty="0" smtClean="0"/>
+              <a:t>&lt;</a:t>
+            </a:r>
+            <a:r>
+              <a:rPr lang="en-US" dirty="0" err="1" smtClean="0"/>
+              <a:t>tagName</a:t>
+            </a:r>
+            <a:r>
+              <a:rPr lang="en-US" dirty="0" smtClean="0"/>
+              <a:t> style="..."&gt;&lt;/</a:t>
+            </a:r>
+            <a:r>
+              <a:rPr lang="en-US" dirty="0" err="1" smtClean="0"/>
+              <a:t>tagName</a:t>
+            </a:r>
+            <a:r>
+              <a:rPr lang="en-US" dirty="0" smtClean="0"/>
+              <a:t>&gt;</a:t>
+            </a:r>
+            <a:endParaRPr lang="ru-RU" dirty="0" smtClean="0"/>
+          </a:p>
+          <a:p>
+            <a:endParaRPr lang="ru-RU" dirty="0"/>
+          </a:p>
+        </p:txBody>
+      </p:sp>
+    </p:spTree>
+    <p:extLst>
+      <p:ext uri="{BB962C8B-B14F-4D97-AF65-F5344CB8AC3E}">
+        <p14:creationId xmlns:p14="http://schemas.microsoft.com/office/powerpoint/2010/main" val="1915553829"/>
       </p:ext>
     </p:extLst>
   </p:cSld>
@@ -3774,13 +3990,8 @@
             </a:r>
             <a:r>
               <a:rPr lang="ru-RU" sz="2800" dirty="0" smtClean="0"/>
-              <a:t>строковый </a:t>
-            </a:r>
-            <a:r>
-              <a:rPr lang="ru-RU" sz="2800" dirty="0" smtClean="0"/>
-              <a:t>элемент</a:t>
-            </a:r>
-            <a:endParaRPr lang="ru-RU" sz="2800" dirty="0" smtClean="0"/>
+              <a:t>строковый элемент</a:t>
+            </a:r>
           </a:p>
           <a:p>
             <a:pPr marL="0" indent="0">
@@ -4004,15 +4215,7 @@
           <a:p>
             <a:r>
               <a:rPr lang="ru-RU" dirty="0" smtClean="0"/>
-              <a:t>Некоторые </a:t>
-            </a:r>
-            <a:r>
-              <a:rPr lang="en-US" dirty="0" smtClean="0"/>
-              <a:t>CSS-</a:t>
-            </a:r>
-            <a:r>
-              <a:rPr lang="ru-RU" dirty="0" smtClean="0"/>
-              <a:t>правила</a:t>
+              <a:t>Формы</a:t>
             </a:r>
             <a:endParaRPr lang="ru-RU" dirty="0"/>
           </a:p>
@@ -4020,7 +4223,7 @@
       </p:sp>
       <p:sp>
         <p:nvSpPr>
-          <p:cNvPr id="4" name="Content Placeholder 3"/>
+          <p:cNvPr id="3" name="Content Placeholder 2"/>
           <p:cNvSpPr>
             <a:spLocks noGrp="1"/>
           </p:cNvSpPr>
@@ -4030,28 +4233,93 @@
         </p:nvSpPr>
         <p:spPr/>
         <p:txBody>
-          <a:bodyPr/>
+          <a:bodyPr>
+            <a:normAutofit lnSpcReduction="10000"/>
+          </a:bodyPr>
           <a:lstStyle/>
           <a:p>
+            <a:pPr marL="0" indent="0">
+              <a:buNone/>
+            </a:pPr>
+            <a:r>
+              <a:rPr lang="en-US" dirty="0" smtClean="0"/>
+              <a:t>&lt;form action="</a:t>
+            </a:r>
             <a:r>
               <a:rPr lang="ru-RU" dirty="0" smtClean="0"/>
-              <a:t>цвет - </a:t>
+              <a:t>ссылка</a:t>
             </a:r>
             <a:r>
               <a:rPr lang="en-US" dirty="0" smtClean="0"/>
-              <a:t>color</a:t>
-            </a:r>
-            <a:r>
-              <a:rPr lang="en-US" dirty="0"/>
-              <a:t>: </a:t>
+              <a:t>" method="</a:t>
+            </a:r>
+            <a:r>
+              <a:rPr lang="en-US" dirty="0" err="1" smtClean="0"/>
+              <a:t>get|post</a:t>
             </a:r>
             <a:r>
               <a:rPr lang="en-US" dirty="0" smtClean="0"/>
-              <a:t>red</a:t>
-            </a:r>
+              <a:t>"&gt;</a:t>
+            </a:r>
+          </a:p>
+          <a:p>
+            <a:pPr marL="0" indent="0">
+              <a:buNone/>
+            </a:pPr>
+            <a:r>
+              <a:rPr lang="en-US" dirty="0" smtClean="0"/>
+              <a:t>...</a:t>
+            </a:r>
+          </a:p>
+          <a:p>
+            <a:pPr marL="0" indent="0">
+              <a:buNone/>
+            </a:pPr>
+            <a:r>
+              <a:rPr lang="en-US" dirty="0" smtClean="0"/>
+              <a:t>&lt;/form&gt;</a:t>
+            </a:r>
+            <a:endParaRPr lang="ru-RU" dirty="0"/>
+          </a:p>
+          <a:p>
+            <a:pPr marL="0" indent="0">
+              <a:buNone/>
+            </a:pPr>
             <a:endParaRPr lang="ru-RU" dirty="0" smtClean="0"/>
           </a:p>
           <a:p>
+            <a:pPr marL="0" indent="0">
+              <a:buNone/>
+            </a:pPr>
+            <a:r>
+              <a:rPr lang="ru-RU" dirty="0" smtClean="0"/>
+              <a:t>На сервер отправляются значения элементов</a:t>
+            </a:r>
+            <a:r>
+              <a:rPr lang="en-US" dirty="0" smtClean="0"/>
+              <a:t> </a:t>
+            </a:r>
+            <a:r>
+              <a:rPr lang="ru-RU" dirty="0" smtClean="0"/>
+              <a:t>управления</a:t>
+            </a:r>
+            <a:endParaRPr lang="en-US" dirty="0" smtClean="0"/>
+          </a:p>
+          <a:p>
+            <a:r>
+              <a:rPr lang="ru-RU" dirty="0" smtClean="0"/>
+              <a:t>с атрибутом </a:t>
+            </a:r>
+            <a:r>
+              <a:rPr lang="en-US" dirty="0" smtClean="0"/>
+              <a:t>name</a:t>
+            </a:r>
+          </a:p>
+          <a:p>
+            <a:r>
+              <a:rPr lang="ru-RU" dirty="0" smtClean="0"/>
+              <a:t>не запрещенные</a:t>
+            </a:r>
             <a:endParaRPr lang="ru-RU" dirty="0"/>
           </a:p>
         </p:txBody>
@@ -4059,7 +4327,7 @@
     </p:spTree>
     <p:extLst>
       <p:ext uri="{BB962C8B-B14F-4D97-AF65-F5344CB8AC3E}">
-        <p14:creationId xmlns:p14="http://schemas.microsoft.com/office/powerpoint/2010/main" val="3116283129"/>
+        <p14:creationId xmlns:p14="http://schemas.microsoft.com/office/powerpoint/2010/main" val="3051548177"/>
       </p:ext>
     </p:extLst>
   </p:cSld>
@@ -4102,12 +4370,8 @@
           <a:lstStyle/>
           <a:p>
             <a:r>
-              <a:rPr lang="en-US" dirty="0" smtClean="0"/>
-              <a:t>CSS </a:t>
-            </a:r>
-            <a:r>
               <a:rPr lang="ru-RU" dirty="0" smtClean="0"/>
-              <a:t>селекторы</a:t>
+              <a:t>Элементы управления</a:t>
             </a:r>
             <a:endParaRPr lang="ru-RU" dirty="0"/>
           </a:p>
@@ -4125,45 +4389,252 @@
         </p:nvSpPr>
         <p:spPr/>
         <p:txBody>
-          <a:bodyPr/>
+          <a:bodyPr>
+            <a:normAutofit fontScale="70000" lnSpcReduction="20000"/>
+          </a:bodyPr>
           <a:lstStyle/>
           <a:p>
-            <a:pPr marL="0" indent="0">
-              <a:buNone/>
-            </a:pPr>
+            <a:r>
+              <a:rPr lang="ru-RU" dirty="0" smtClean="0"/>
+              <a:t>Однострочное поле ввода</a:t>
+            </a:r>
+          </a:p>
+          <a:p>
+            <a:pPr lvl="1"/>
             <a:r>
               <a:rPr lang="en-US" dirty="0" smtClean="0"/>
-              <a:t>#id</a:t>
-            </a:r>
-          </a:p>
-          <a:p>
-            <a:pPr marL="0" indent="0">
-              <a:buNone/>
-            </a:pPr>
+              <a:t>&lt;input type="text" name="&lt;</a:t>
+            </a:r>
+            <a:r>
+              <a:rPr lang="ru-RU" dirty="0" smtClean="0"/>
+              <a:t>имя</a:t>
+            </a:r>
             <a:r>
               <a:rPr lang="en-US" dirty="0" smtClean="0"/>
-              <a:t>.</a:t>
+              <a:t>&gt;"&gt;</a:t>
+            </a:r>
+          </a:p>
+          <a:p>
+            <a:r>
+              <a:rPr lang="ru-RU" dirty="0" smtClean="0"/>
+              <a:t>Многострочное </a:t>
+            </a:r>
+            <a:r>
+              <a:rPr lang="ru-RU" dirty="0"/>
+              <a:t>поле </a:t>
+            </a:r>
+            <a:r>
+              <a:rPr lang="ru-RU" dirty="0" smtClean="0"/>
+              <a:t>ввода</a:t>
+            </a:r>
+          </a:p>
+          <a:p>
+            <a:pPr lvl="1"/>
+            <a:r>
+              <a:rPr lang="en-US" dirty="0" smtClean="0"/>
+              <a:t>&lt;</a:t>
             </a:r>
             <a:r>
               <a:rPr lang="en-US" dirty="0" err="1" smtClean="0"/>
-              <a:t>className</a:t>
-            </a:r>
-            <a:endParaRPr lang="en-US" dirty="0" smtClean="0"/>
-          </a:p>
-          <a:p>
-            <a:pPr marL="0" indent="0">
-              <a:buNone/>
-            </a:pPr>
+              <a:t>textarea</a:t>
+            </a:r>
+            <a:r>
+              <a:rPr lang="en-US" dirty="0" smtClean="0"/>
+              <a:t> </a:t>
+            </a:r>
+            <a:r>
+              <a:rPr lang="en-US" dirty="0"/>
+              <a:t>name="&lt;</a:t>
+            </a:r>
+            <a:r>
+              <a:rPr lang="ru-RU" dirty="0"/>
+              <a:t>имя</a:t>
+            </a:r>
+            <a:r>
+              <a:rPr lang="en-US" dirty="0"/>
+              <a:t>&gt;"</a:t>
+            </a:r>
+            <a:r>
+              <a:rPr lang="en-US" dirty="0" smtClean="0"/>
+              <a:t>&gt;&lt;/</a:t>
+            </a:r>
             <a:r>
               <a:rPr lang="en-US" dirty="0" err="1" smtClean="0"/>
-              <a:t>elementName</a:t>
-            </a:r>
-            <a:endParaRPr lang="en-US" dirty="0" smtClean="0"/>
-          </a:p>
-          <a:p>
-            <a:pPr marL="0" indent="0">
-              <a:buNone/>
-            </a:pPr>
+              <a:t>textarea</a:t>
+            </a:r>
+            <a:r>
+              <a:rPr lang="en-US" dirty="0" smtClean="0"/>
+              <a:t>&gt;</a:t>
+            </a:r>
+          </a:p>
+          <a:p>
+            <a:r>
+              <a:rPr lang="ru-RU" dirty="0" smtClean="0"/>
+              <a:t>Выпадающий список</a:t>
+            </a:r>
+          </a:p>
+          <a:p>
+            <a:pPr lvl="1"/>
+            <a:r>
+              <a:rPr lang="en-US" dirty="0" smtClean="0"/>
+              <a:t>&lt;select </a:t>
+            </a:r>
+            <a:r>
+              <a:rPr lang="en-US" dirty="0"/>
+              <a:t>name="&lt;</a:t>
+            </a:r>
+            <a:r>
+              <a:rPr lang="ru-RU" dirty="0"/>
+              <a:t>имя</a:t>
+            </a:r>
+            <a:r>
+              <a:rPr lang="en-US" dirty="0" smtClean="0"/>
+              <a:t>&gt;"&gt;</a:t>
+            </a:r>
+            <a:br>
+              <a:rPr lang="en-US" dirty="0" smtClean="0"/>
+            </a:br>
+            <a:r>
+              <a:rPr lang="en-US" dirty="0" smtClean="0"/>
+              <a:t>&lt;option value="&lt;</a:t>
+            </a:r>
+            <a:r>
+              <a:rPr lang="ru-RU" dirty="0" smtClean="0"/>
+              <a:t>значение1</a:t>
+            </a:r>
+            <a:r>
+              <a:rPr lang="en-US" dirty="0" smtClean="0"/>
+              <a:t>&gt;"&gt;</a:t>
+            </a:r>
+            <a:r>
+              <a:rPr lang="ru-RU" dirty="0" smtClean="0"/>
+              <a:t>текст1</a:t>
+            </a:r>
+            <a:r>
+              <a:rPr lang="en-US" dirty="0" smtClean="0"/>
+              <a:t>&lt;/option&gt;</a:t>
+            </a:r>
+            <a:r>
+              <a:rPr lang="ru-RU" dirty="0" smtClean="0"/>
+              <a:t/>
+            </a:r>
+            <a:br>
+              <a:rPr lang="ru-RU" dirty="0" smtClean="0"/>
+            </a:br>
+            <a:r>
+              <a:rPr lang="en-US" dirty="0"/>
+              <a:t>&lt;option value="&lt;</a:t>
+            </a:r>
+            <a:r>
+              <a:rPr lang="ru-RU" dirty="0" smtClean="0"/>
+              <a:t>значение2</a:t>
+            </a:r>
+            <a:r>
+              <a:rPr lang="en-US" dirty="0" smtClean="0"/>
+              <a:t>&gt;"&gt;</a:t>
+            </a:r>
+            <a:r>
+              <a:rPr lang="ru-RU" dirty="0" smtClean="0"/>
+              <a:t>текст2</a:t>
+            </a:r>
+            <a:r>
+              <a:rPr lang="en-US" dirty="0" smtClean="0"/>
+              <a:t>&lt;/</a:t>
+            </a:r>
+            <a:r>
+              <a:rPr lang="en-US" dirty="0"/>
+              <a:t>option</a:t>
+            </a:r>
+            <a:r>
+              <a:rPr lang="en-US" dirty="0" smtClean="0"/>
+              <a:t>&gt;</a:t>
+            </a:r>
+            <a:r>
+              <a:rPr lang="ru-RU" dirty="0" smtClean="0"/>
+              <a:t/>
+            </a:r>
+            <a:br>
+              <a:rPr lang="ru-RU" dirty="0" smtClean="0"/>
+            </a:br>
+            <a:r>
+              <a:rPr lang="ru-RU" dirty="0" smtClean="0"/>
+              <a:t>...</a:t>
+            </a:r>
+            <a:br>
+              <a:rPr lang="ru-RU" dirty="0" smtClean="0"/>
+            </a:br>
+            <a:r>
+              <a:rPr lang="en-US" dirty="0"/>
+              <a:t>&lt;option value="&lt;</a:t>
+            </a:r>
+            <a:r>
+              <a:rPr lang="ru-RU" dirty="0" smtClean="0"/>
+              <a:t>значение</a:t>
+            </a:r>
+            <a:r>
+              <a:rPr lang="en-US" dirty="0" smtClean="0"/>
+              <a:t>N&gt;"&gt;</a:t>
+            </a:r>
+            <a:r>
+              <a:rPr lang="ru-RU" dirty="0" smtClean="0"/>
+              <a:t>текст</a:t>
+            </a:r>
+            <a:r>
+              <a:rPr lang="en-US" dirty="0" smtClean="0"/>
+              <a:t>N&lt;/</a:t>
+            </a:r>
+            <a:r>
+              <a:rPr lang="en-US" dirty="0"/>
+              <a:t>option&gt;</a:t>
+            </a:r>
+            <a:r>
+              <a:rPr lang="en-US" dirty="0" smtClean="0"/>
+              <a:t/>
+            </a:r>
+            <a:br>
+              <a:rPr lang="en-US" dirty="0" smtClean="0"/>
+            </a:br>
+            <a:r>
+              <a:rPr lang="en-US" dirty="0" smtClean="0"/>
+              <a:t>&lt;/select&gt;</a:t>
+            </a:r>
+          </a:p>
+          <a:p>
+            <a:r>
+              <a:rPr lang="ru-RU" dirty="0" smtClean="0"/>
+              <a:t>Радио-кнопка</a:t>
+            </a:r>
+          </a:p>
+          <a:p>
+            <a:pPr lvl="1"/>
+            <a:r>
+              <a:rPr lang="en-US" dirty="0" smtClean="0"/>
+              <a:t>&lt;input  type="radio" ...</a:t>
+            </a:r>
+          </a:p>
+          <a:p>
+            <a:r>
+              <a:rPr lang="en-US" dirty="0" smtClean="0"/>
+              <a:t>Checkbox</a:t>
+            </a:r>
+          </a:p>
+          <a:p>
+            <a:pPr lvl="1"/>
+            <a:r>
+              <a:rPr lang="en-US" dirty="0"/>
+              <a:t>&lt;input  type</a:t>
+            </a:r>
+            <a:r>
+              <a:rPr lang="en-US" dirty="0" smtClean="0"/>
+              <a:t>="checkbox" </a:t>
+            </a:r>
+            <a:r>
+              <a:rPr lang="en-US" dirty="0"/>
+              <a:t>...</a:t>
+            </a:r>
+          </a:p>
+          <a:p>
+            <a:pPr lvl="1"/>
             <a:endParaRPr lang="ru-RU" dirty="0"/>
           </a:p>
         </p:txBody>
@@ -4171,7 +4642,7 @@
     </p:spTree>
     <p:extLst>
       <p:ext uri="{BB962C8B-B14F-4D97-AF65-F5344CB8AC3E}">
-        <p14:creationId xmlns:p14="http://schemas.microsoft.com/office/powerpoint/2010/main" val="370374908"/>
+        <p14:creationId xmlns:p14="http://schemas.microsoft.com/office/powerpoint/2010/main" val="1617364200"/>
       </p:ext>
     </p:extLst>
   </p:cSld>
@@ -4210,22 +4681,20 @@
         </p:nvSpPr>
         <p:spPr/>
         <p:txBody>
-          <a:bodyPr>
-            <a:normAutofit fontScale="90000"/>
-          </a:bodyPr>
+          <a:bodyPr/>
           <a:lstStyle/>
           <a:p>
             <a:r>
               <a:rPr lang="ru-RU" dirty="0" smtClean="0"/>
-              <a:t>Способы подключения </a:t>
+              <a:t>Возможные </a:t>
             </a:r>
             <a:r>
               <a:rPr lang="en-US" dirty="0" smtClean="0"/>
-              <a:t>CSS </a:t>
+              <a:t>input-</a:t>
             </a:r>
             <a:r>
               <a:rPr lang="ru-RU" dirty="0" smtClean="0"/>
-              <a:t>к странице</a:t>
+              <a:t>ы</a:t>
             </a:r>
             <a:endParaRPr lang="ru-RU" dirty="0"/>
           </a:p>
@@ -4243,126 +4712,442 @@
         </p:nvSpPr>
         <p:spPr/>
         <p:txBody>
-          <a:bodyPr>
+          <a:bodyPr numCol="2">
             <a:normAutofit/>
           </a:bodyPr>
           <a:lstStyle/>
           <a:p>
-            <a:r>
-              <a:rPr lang="ru-RU" dirty="0" smtClean="0"/>
-              <a:t>Внешние стили</a:t>
-            </a:r>
-          </a:p>
-          <a:p>
-            <a:pPr lvl="1"/>
-            <a:r>
-              <a:rPr lang="en-US" dirty="0"/>
-              <a:t>&lt;head</a:t>
-            </a:r>
-            <a:r>
-              <a:rPr lang="en-US" dirty="0" smtClean="0"/>
-              <a:t>&gt;&lt;</a:t>
-            </a:r>
-            <a:r>
-              <a:rPr lang="en-US" dirty="0"/>
-              <a:t>link </a:t>
-            </a:r>
-            <a:r>
-              <a:rPr lang="en-US" dirty="0" err="1"/>
-              <a:t>rel</a:t>
-            </a:r>
-            <a:r>
-              <a:rPr lang="en-US" dirty="0"/>
-              <a:t>="stylesheet" type="text/</a:t>
-            </a:r>
-            <a:r>
-              <a:rPr lang="en-US" dirty="0" err="1"/>
-              <a:t>css</a:t>
-            </a:r>
-            <a:r>
-              <a:rPr lang="en-US" dirty="0"/>
-              <a:t>" </a:t>
-            </a:r>
-            <a:r>
-              <a:rPr lang="en-US" dirty="0" err="1"/>
-              <a:t>href</a:t>
-            </a:r>
-            <a:r>
-              <a:rPr lang="en-US" dirty="0"/>
-              <a:t>="mystyle.css</a:t>
-            </a:r>
-            <a:r>
-              <a:rPr lang="en-US" dirty="0" smtClean="0"/>
-              <a:t>"&gt;&lt;/</a:t>
-            </a:r>
-            <a:r>
-              <a:rPr lang="en-US" dirty="0"/>
-              <a:t>head&gt;</a:t>
-            </a:r>
-            <a:endParaRPr lang="ru-RU" dirty="0" smtClean="0"/>
-          </a:p>
-          <a:p>
-            <a:r>
-              <a:rPr lang="ru-RU" dirty="0" smtClean="0"/>
-              <a:t>Стили встроенные в страницу</a:t>
-            </a:r>
-          </a:p>
-          <a:p>
-            <a:pPr lvl="1"/>
-            <a:r>
-              <a:rPr lang="en-US" dirty="0" smtClean="0"/>
-              <a:t>&lt;head&gt;&lt;style&gt;...&lt;/style&gt;&lt;/head&gt;</a:t>
-            </a:r>
-            <a:endParaRPr lang="ru-RU" dirty="0" smtClean="0"/>
-          </a:p>
-          <a:p>
-            <a:r>
-              <a:rPr lang="ru-RU" dirty="0" smtClean="0"/>
-              <a:t>Стили элемента (</a:t>
-            </a:r>
-            <a:r>
-              <a:rPr lang="en-US" dirty="0" smtClean="0"/>
-              <a:t>inline style</a:t>
-            </a:r>
-            <a:r>
-              <a:rPr lang="ru-RU" dirty="0" smtClean="0"/>
-              <a:t>)</a:t>
-            </a:r>
-            <a:endParaRPr lang="en-US" dirty="0" smtClean="0"/>
-          </a:p>
-          <a:p>
-            <a:pPr lvl="1"/>
-            <a:r>
-              <a:rPr lang="en-US" dirty="0" smtClean="0"/>
-              <a:t>&lt;</a:t>
-            </a:r>
-            <a:r>
-              <a:rPr lang="en-US" dirty="0" err="1" smtClean="0"/>
-              <a:t>tagName</a:t>
-            </a:r>
-            <a:r>
-              <a:rPr lang="en-US" dirty="0" smtClean="0"/>
-              <a:t> style="..."&gt;&lt;/</a:t>
-            </a:r>
-            <a:r>
-              <a:rPr lang="en-US" dirty="0" err="1" smtClean="0"/>
-              <a:t>tagName</a:t>
-            </a:r>
-            <a:r>
-              <a:rPr lang="en-US" dirty="0" smtClean="0"/>
-              <a:t>&gt;</a:t>
-            </a:r>
-            <a:endParaRPr lang="ru-RU" dirty="0" smtClean="0"/>
-          </a:p>
-          <a:p>
-            <a:endParaRPr lang="ru-RU" dirty="0"/>
+            <a:pPr marL="0" indent="0" algn="ctr">
+              <a:buNone/>
+            </a:pPr>
+            <a:r>
+              <a:rPr lang="en-US" sz="2000" dirty="0"/>
+              <a:t>button</a:t>
+            </a:r>
+          </a:p>
+          <a:p>
+            <a:pPr marL="0" indent="0" algn="ctr">
+              <a:buNone/>
+            </a:pPr>
+            <a:r>
+              <a:rPr lang="en-US" sz="2000" dirty="0"/>
+              <a:t>checkbox</a:t>
+            </a:r>
+          </a:p>
+          <a:p>
+            <a:pPr marL="0" indent="0" algn="ctr">
+              <a:buNone/>
+            </a:pPr>
+            <a:r>
+              <a:rPr lang="en-US" sz="2000" dirty="0"/>
+              <a:t>color</a:t>
+            </a:r>
+          </a:p>
+          <a:p>
+            <a:pPr marL="0" indent="0" algn="ctr">
+              <a:buNone/>
+            </a:pPr>
+            <a:r>
+              <a:rPr lang="en-US" sz="2000" dirty="0"/>
+              <a:t>date</a:t>
+            </a:r>
+          </a:p>
+          <a:p>
+            <a:pPr marL="0" indent="0" algn="ctr">
+              <a:buNone/>
+            </a:pPr>
+            <a:r>
+              <a:rPr lang="en-US" sz="2000" dirty="0" err="1"/>
+              <a:t>datetime</a:t>
+            </a:r>
+            <a:endParaRPr lang="en-US" sz="2000" dirty="0"/>
+          </a:p>
+          <a:p>
+            <a:pPr marL="0" indent="0" algn="ctr">
+              <a:buNone/>
+            </a:pPr>
+            <a:r>
+              <a:rPr lang="en-US" sz="2000" dirty="0" err="1"/>
+              <a:t>datetime</a:t>
+            </a:r>
+            <a:r>
+              <a:rPr lang="en-US" sz="2000" dirty="0"/>
+              <a:t>-local</a:t>
+            </a:r>
+          </a:p>
+          <a:p>
+            <a:pPr marL="0" indent="0" algn="ctr">
+              <a:buNone/>
+            </a:pPr>
+            <a:r>
+              <a:rPr lang="en-US" sz="2000" dirty="0"/>
+              <a:t>email</a:t>
+            </a:r>
+          </a:p>
+          <a:p>
+            <a:pPr marL="0" indent="0" algn="ctr">
+              <a:buNone/>
+            </a:pPr>
+            <a:r>
+              <a:rPr lang="en-US" sz="2000" dirty="0"/>
+              <a:t>file</a:t>
+            </a:r>
+          </a:p>
+          <a:p>
+            <a:pPr marL="0" indent="0" algn="ctr">
+              <a:buNone/>
+            </a:pPr>
+            <a:r>
+              <a:rPr lang="en-US" sz="2000" dirty="0"/>
+              <a:t>hidden</a:t>
+            </a:r>
+          </a:p>
+          <a:p>
+            <a:pPr marL="0" indent="0" algn="ctr">
+              <a:buNone/>
+            </a:pPr>
+            <a:r>
+              <a:rPr lang="en-US" sz="2000" dirty="0"/>
+              <a:t>image</a:t>
+            </a:r>
+          </a:p>
+          <a:p>
+            <a:pPr marL="0" indent="0" algn="ctr">
+              <a:buNone/>
+            </a:pPr>
+            <a:r>
+              <a:rPr lang="en-US" sz="2000" dirty="0"/>
+              <a:t>month</a:t>
+            </a:r>
+          </a:p>
+          <a:p>
+            <a:pPr marL="0" indent="0" algn="ctr">
+              <a:buNone/>
+            </a:pPr>
+            <a:r>
+              <a:rPr lang="en-US" sz="2000" dirty="0"/>
+              <a:t>number</a:t>
+            </a:r>
+          </a:p>
+          <a:p>
+            <a:pPr marL="0" indent="0" algn="ctr">
+              <a:buNone/>
+            </a:pPr>
+            <a:r>
+              <a:rPr lang="en-US" sz="2000" dirty="0"/>
+              <a:t>password</a:t>
+            </a:r>
+          </a:p>
+          <a:p>
+            <a:pPr marL="0" indent="0" algn="ctr">
+              <a:buNone/>
+            </a:pPr>
+            <a:r>
+              <a:rPr lang="en-US" sz="2000" dirty="0"/>
+              <a:t>radio</a:t>
+            </a:r>
+          </a:p>
+          <a:p>
+            <a:pPr marL="0" indent="0" algn="ctr">
+              <a:buNone/>
+            </a:pPr>
+            <a:r>
+              <a:rPr lang="en-US" sz="2000" dirty="0"/>
+              <a:t>range</a:t>
+            </a:r>
+          </a:p>
+          <a:p>
+            <a:pPr marL="0" indent="0" algn="ctr">
+              <a:buNone/>
+            </a:pPr>
+            <a:r>
+              <a:rPr lang="en-US" sz="2000" dirty="0"/>
+              <a:t>reset</a:t>
+            </a:r>
+          </a:p>
+          <a:p>
+            <a:pPr marL="0" indent="0" algn="ctr">
+              <a:buNone/>
+            </a:pPr>
+            <a:r>
+              <a:rPr lang="en-US" sz="2000" dirty="0"/>
+              <a:t>search</a:t>
+            </a:r>
+          </a:p>
+          <a:p>
+            <a:pPr marL="0" indent="0" algn="ctr">
+              <a:buNone/>
+            </a:pPr>
+            <a:r>
+              <a:rPr lang="en-US" sz="2000" dirty="0"/>
+              <a:t>submit</a:t>
+            </a:r>
+          </a:p>
+          <a:p>
+            <a:pPr marL="0" indent="0" algn="ctr">
+              <a:buNone/>
+            </a:pPr>
+            <a:r>
+              <a:rPr lang="en-US" sz="2000" dirty="0" err="1"/>
+              <a:t>tel</a:t>
+            </a:r>
+            <a:endParaRPr lang="en-US" sz="2000" dirty="0"/>
+          </a:p>
+          <a:p>
+            <a:pPr marL="0" indent="0" algn="ctr">
+              <a:buNone/>
+            </a:pPr>
+            <a:r>
+              <a:rPr lang="en-US" sz="2000" dirty="0"/>
+              <a:t>text</a:t>
+            </a:r>
+          </a:p>
+          <a:p>
+            <a:pPr marL="0" indent="0" algn="ctr">
+              <a:buNone/>
+            </a:pPr>
+            <a:r>
+              <a:rPr lang="en-US" sz="2000" dirty="0"/>
+              <a:t>time</a:t>
+            </a:r>
+          </a:p>
+          <a:p>
+            <a:pPr marL="0" indent="0" algn="ctr">
+              <a:buNone/>
+            </a:pPr>
+            <a:r>
+              <a:rPr lang="en-US" sz="2000" dirty="0" err="1"/>
+              <a:t>url</a:t>
+            </a:r>
+            <a:endParaRPr lang="en-US" sz="2000" dirty="0"/>
+          </a:p>
+          <a:p>
+            <a:pPr marL="0" indent="0" algn="ctr">
+              <a:buNone/>
+            </a:pPr>
+            <a:r>
+              <a:rPr lang="en-US" sz="2000" dirty="0"/>
+              <a:t>week</a:t>
+            </a:r>
+            <a:endParaRPr lang="ru-RU" sz="2000" dirty="0"/>
           </a:p>
         </p:txBody>
       </p:sp>
     </p:spTree>
     <p:extLst>
       <p:ext uri="{BB962C8B-B14F-4D97-AF65-F5344CB8AC3E}">
-        <p14:creationId xmlns:p14="http://schemas.microsoft.com/office/powerpoint/2010/main" val="1915553829"/>
+        <p14:creationId xmlns:p14="http://schemas.microsoft.com/office/powerpoint/2010/main" val="919047690"/>
+      </p:ext>
+    </p:extLst>
+  </p:cSld>
+  <p:clrMapOvr>
+    <a:masterClrMapping/>
+  </p:clrMapOvr>
+</p:sld>
+</file>
+
+<file path=ppt/slides/slide8.xml><?xml version="1.0" encoding="utf-8"?>
+<p:sld xmlns:a="http://schemas.openxmlformats.org/drawingml/2006/main" xmlns:r="http://schemas.openxmlformats.org/officeDocument/2006/relationships" xmlns:p="http://schemas.openxmlformats.org/presentationml/2006/main">
+  <p:cSld>
+    <p:spTree>
+      <p:nvGrpSpPr>
+        <p:cNvPr id="1" name=""/>
+        <p:cNvGrpSpPr/>
+        <p:nvPr/>
+      </p:nvGrpSpPr>
+      <p:grpSpPr>
+        <a:xfrm>
+          <a:off x="0" y="0"/>
+          <a:ext cx="0" cy="0"/>
+          <a:chOff x="0" y="0"/>
+          <a:chExt cx="0" cy="0"/>
+        </a:xfrm>
+      </p:grpSpPr>
+      <p:sp>
+        <p:nvSpPr>
+          <p:cNvPr id="2" name="Title 1"/>
+          <p:cNvSpPr>
+            <a:spLocks noGrp="1"/>
+          </p:cNvSpPr>
+          <p:nvPr>
+            <p:ph type="title"/>
+          </p:nvPr>
+        </p:nvSpPr>
+        <p:spPr/>
+        <p:txBody>
+          <a:bodyPr/>
+          <a:lstStyle/>
+          <a:p>
+            <a:r>
+              <a:rPr lang="ru-RU" dirty="0" smtClean="0"/>
+              <a:t>Некоторые </a:t>
+            </a:r>
+            <a:r>
+              <a:rPr lang="en-US" dirty="0" smtClean="0"/>
+              <a:t>CSS-</a:t>
+            </a:r>
+            <a:r>
+              <a:rPr lang="ru-RU" dirty="0" smtClean="0"/>
+              <a:t>правила</a:t>
+            </a:r>
+            <a:endParaRPr lang="ru-RU" dirty="0"/>
+          </a:p>
+        </p:txBody>
+      </p:sp>
+      <p:sp>
+        <p:nvSpPr>
+          <p:cNvPr id="4" name="Content Placeholder 3"/>
+          <p:cNvSpPr>
+            <a:spLocks noGrp="1"/>
+          </p:cNvSpPr>
+          <p:nvPr>
+            <p:ph idx="1"/>
+          </p:nvPr>
+        </p:nvSpPr>
+        <p:spPr/>
+        <p:txBody>
+          <a:bodyPr/>
+          <a:lstStyle/>
+          <a:p>
+            <a:r>
+              <a:rPr lang="ru-RU" dirty="0" smtClean="0"/>
+              <a:t>цвет - </a:t>
+            </a:r>
+            <a:r>
+              <a:rPr lang="en-US" dirty="0" smtClean="0"/>
+              <a:t>color</a:t>
+            </a:r>
+            <a:r>
+              <a:rPr lang="en-US" dirty="0"/>
+              <a:t>: </a:t>
+            </a:r>
+            <a:r>
+              <a:rPr lang="en-US" dirty="0" smtClean="0"/>
+              <a:t>red</a:t>
+            </a:r>
+            <a:endParaRPr lang="ru-RU" dirty="0" smtClean="0"/>
+          </a:p>
+          <a:p>
+            <a:endParaRPr lang="ru-RU" dirty="0"/>
+          </a:p>
+        </p:txBody>
+      </p:sp>
+    </p:spTree>
+    <p:extLst>
+      <p:ext uri="{BB962C8B-B14F-4D97-AF65-F5344CB8AC3E}">
+        <p14:creationId xmlns:p14="http://schemas.microsoft.com/office/powerpoint/2010/main" val="3116283129"/>
+      </p:ext>
+    </p:extLst>
+  </p:cSld>
+  <p:clrMapOvr>
+    <a:masterClrMapping/>
+  </p:clrMapOvr>
+</p:sld>
+</file>
+
+<file path=ppt/slides/slide9.xml><?xml version="1.0" encoding="utf-8"?>
+<p:sld xmlns:a="http://schemas.openxmlformats.org/drawingml/2006/main" xmlns:r="http://schemas.openxmlformats.org/officeDocument/2006/relationships" xmlns:p="http://schemas.openxmlformats.org/presentationml/2006/main">
+  <p:cSld>
+    <p:spTree>
+      <p:nvGrpSpPr>
+        <p:cNvPr id="1" name=""/>
+        <p:cNvGrpSpPr/>
+        <p:nvPr/>
+      </p:nvGrpSpPr>
+      <p:grpSpPr>
+        <a:xfrm>
+          <a:off x="0" y="0"/>
+          <a:ext cx="0" cy="0"/>
+          <a:chOff x="0" y="0"/>
+          <a:chExt cx="0" cy="0"/>
+        </a:xfrm>
+      </p:grpSpPr>
+      <p:sp>
+        <p:nvSpPr>
+          <p:cNvPr id="2" name="Title 1"/>
+          <p:cNvSpPr>
+            <a:spLocks noGrp="1"/>
+          </p:cNvSpPr>
+          <p:nvPr>
+            <p:ph type="title"/>
+          </p:nvPr>
+        </p:nvSpPr>
+        <p:spPr/>
+        <p:txBody>
+          <a:bodyPr/>
+          <a:lstStyle/>
+          <a:p>
+            <a:r>
+              <a:rPr lang="en-US" dirty="0" smtClean="0"/>
+              <a:t>CSS </a:t>
+            </a:r>
+            <a:r>
+              <a:rPr lang="ru-RU" dirty="0" smtClean="0"/>
+              <a:t>селекторы</a:t>
+            </a:r>
+            <a:endParaRPr lang="ru-RU" dirty="0"/>
+          </a:p>
+        </p:txBody>
+      </p:sp>
+      <p:sp>
+        <p:nvSpPr>
+          <p:cNvPr id="3" name="Content Placeholder 2"/>
+          <p:cNvSpPr>
+            <a:spLocks noGrp="1"/>
+          </p:cNvSpPr>
+          <p:nvPr>
+            <p:ph idx="1"/>
+          </p:nvPr>
+        </p:nvSpPr>
+        <p:spPr/>
+        <p:txBody>
+          <a:bodyPr/>
+          <a:lstStyle/>
+          <a:p>
+            <a:pPr marL="0" indent="0">
+              <a:buNone/>
+            </a:pPr>
+            <a:r>
+              <a:rPr lang="en-US" dirty="0" smtClean="0"/>
+              <a:t>#id</a:t>
+            </a:r>
+          </a:p>
+          <a:p>
+            <a:pPr marL="0" indent="0">
+              <a:buNone/>
+            </a:pPr>
+            <a:r>
+              <a:rPr lang="en-US" dirty="0" smtClean="0"/>
+              <a:t>.</a:t>
+            </a:r>
+            <a:r>
+              <a:rPr lang="en-US" dirty="0" err="1" smtClean="0"/>
+              <a:t>className</a:t>
+            </a:r>
+            <a:endParaRPr lang="en-US" dirty="0" smtClean="0"/>
+          </a:p>
+          <a:p>
+            <a:pPr marL="0" indent="0">
+              <a:buNone/>
+            </a:pPr>
+            <a:r>
+              <a:rPr lang="en-US" dirty="0" err="1" smtClean="0"/>
+              <a:t>elementName</a:t>
+            </a:r>
+            <a:endParaRPr lang="en-US" dirty="0" smtClean="0"/>
+          </a:p>
+          <a:p>
+            <a:pPr marL="0" indent="0">
+              <a:buNone/>
+            </a:pPr>
+            <a:endParaRPr lang="ru-RU" dirty="0"/>
+          </a:p>
+        </p:txBody>
+      </p:sp>
+    </p:spTree>
+    <p:extLst>
+      <p:ext uri="{BB962C8B-B14F-4D97-AF65-F5344CB8AC3E}">
+        <p14:creationId xmlns:p14="http://schemas.microsoft.com/office/powerpoint/2010/main" val="370374908"/>
       </p:ext>
     </p:extLst>
   </p:cSld>

--- a/html-css-js.pptx
+++ b/html-css-js.pptx
@@ -5,7 +5,7 @@
     <p:sldMasterId id="2147483648" r:id="rId1"/>
   </p:sldMasterIdLst>
   <p:notesMasterIdLst>
-    <p:notesMasterId r:id="rId12"/>
+    <p:notesMasterId r:id="rId13"/>
   </p:notesMasterIdLst>
   <p:sldIdLst>
     <p:sldId id="257" r:id="rId2"/>
@@ -15,9 +15,10 @@
     <p:sldId id="268" r:id="rId6"/>
     <p:sldId id="269" r:id="rId7"/>
     <p:sldId id="270" r:id="rId8"/>
-    <p:sldId id="262" r:id="rId9"/>
-    <p:sldId id="263" r:id="rId10"/>
-    <p:sldId id="264" r:id="rId11"/>
+    <p:sldId id="264" r:id="rId9"/>
+    <p:sldId id="262" r:id="rId10"/>
+    <p:sldId id="263" r:id="rId11"/>
+    <p:sldId id="271" r:id="rId12"/>
   </p:sldIdLst>
   <p:sldSz cx="9144000" cy="6858000" type="screen4x3"/>
   <p:notesSz cx="6858000" cy="9144000"/>
@@ -132,15 +133,16 @@
         </p14:section>
         <p14:section name="CSS" id="{F53FA781-7D7A-4B1A-9D76-0DBAA163F54C}">
           <p14:sldIdLst>
+            <p14:sldId id="264"/>
             <p14:sldId id="262"/>
             <p14:sldId id="263"/>
-            <p14:sldId id="264"/>
+            <p14:sldId id="271"/>
           </p14:sldIdLst>
         </p14:section>
       </p14:sectionLst>
     </p:ext>
     <p:ext uri="{EFAFB233-063F-42B5-8137-9DF3F51BA10A}">
-      <p15:sldGuideLst xmlns:p15="http://schemas.microsoft.com/office/powerpoint/2012/main" xmlns="">
+      <p15:sldGuideLst xmlns="" xmlns:p15="http://schemas.microsoft.com/office/powerpoint/2012/main">
         <p15:guide id="1" orient="horz" pos="2160">
           <p15:clr>
             <a:srgbClr val="A4A3A4"/>
@@ -239,7 +241,7 @@
           <a:p>
             <a:fld id="{B24A7054-7FFB-49F4-A126-5DF6E687FF53}" type="datetimeFigureOut">
               <a:rPr lang="ru-RU" smtClean="0"/>
-              <a:t>21.02.2019</a:t>
+              <a:t>22.02.2019</a:t>
             </a:fld>
             <a:endParaRPr lang="ru-RU"/>
           </a:p>
@@ -508,8 +510,8 @@
 </file>
 
 <file path=ppt/slideLayouts/slideLayout1.xml><?xml version="1.0" encoding="utf-8"?>
-<p:sldLayout xmlns:a="http://schemas.openxmlformats.org/drawingml/2006/main" xmlns:r="http://schemas.openxmlformats.org/officeDocument/2006/relationships" xmlns:p="http://schemas.openxmlformats.org/presentationml/2006/main" preserve="1" userDrawn="1">
-  <p:cSld name="Title Slide">
+<p:sldLayout xmlns:a="http://schemas.openxmlformats.org/drawingml/2006/main" xmlns:r="http://schemas.openxmlformats.org/officeDocument/2006/relationships" xmlns:p="http://schemas.openxmlformats.org/presentationml/2006/main" type="obj" preserve="1">
+  <p:cSld name="Title and Content">
     <p:spTree>
       <p:nvGrpSpPr>
         <p:cNvPr id="1" name=""/>
@@ -526,172 +528,83 @@
       </p:grpSpPr>
       <p:sp>
         <p:nvSpPr>
-          <p:cNvPr id="7" name="Rectangle 6"/>
-          <p:cNvSpPr/>
-          <p:nvPr userDrawn="1"/>
-        </p:nvSpPr>
-        <p:spPr>
-          <a:xfrm>
-            <a:off x="143508" y="1304764"/>
-            <a:ext cx="8856984" cy="646331"/>
-          </a:xfrm>
-          <a:prstGeom prst="rect">
-            <a:avLst/>
-          </a:prstGeom>
-        </p:spPr>
-        <p:txBody>
-          <a:bodyPr wrap="square">
-            <a:spAutoFit/>
-          </a:bodyPr>
+          <p:cNvPr id="2" name="Title 1"/>
+          <p:cNvSpPr>
+            <a:spLocks noGrp="1"/>
+          </p:cNvSpPr>
+          <p:nvPr>
+            <p:ph type="title"/>
+          </p:nvPr>
+        </p:nvSpPr>
+        <p:spPr/>
+        <p:txBody>
+          <a:bodyPr/>
           <a:lstStyle/>
           <a:p>
-            <a:pPr algn="ctr"/>
-            <a:r>
-              <a:rPr lang="ru-RU" sz="3600" b="1" i="1" dirty="0">
-                <a:solidFill>
-                  <a:schemeClr val="bg1"/>
-                </a:solidFill>
-              </a:rPr>
-              <a:t>Основы программирования на </a:t>
-            </a:r>
-            <a:r>
-              <a:rPr lang="en-US" sz="3600" b="1" i="1" dirty="0">
-                <a:solidFill>
-                  <a:schemeClr val="bg1"/>
-                </a:solidFill>
-              </a:rPr>
-              <a:t>C#</a:t>
-            </a:r>
-            <a:endParaRPr lang="ru-RU" sz="3600" b="1" i="1" dirty="0">
-              <a:solidFill>
-                <a:schemeClr val="bg1"/>
-              </a:solidFill>
-            </a:endParaRPr>
-          </a:p>
-        </p:txBody>
-      </p:sp>
-      <p:pic>
-        <p:nvPicPr>
-          <p:cNvPr id="8" name="Picture 5"/>
-          <p:cNvPicPr>
-            <a:picLocks noChangeAspect="1" noChangeArrowheads="1"/>
-          </p:cNvPicPr>
-          <p:nvPr userDrawn="1"/>
-        </p:nvPicPr>
-        <p:blipFill>
-          <a:blip r:embed="rId2">
-            <a:extLst>
-              <a:ext uri="{28A0092B-C50C-407E-A947-70E740481C1C}">
-                <a14:useLocalDpi xmlns:a14="http://schemas.microsoft.com/office/drawing/2010/main" val="0"/>
-              </a:ext>
-            </a:extLst>
-          </a:blip>
-          <a:srcRect/>
-          <a:stretch>
-            <a:fillRect/>
-          </a:stretch>
-        </p:blipFill>
-        <p:spPr bwMode="auto">
-          <a:xfrm>
-            <a:off x="1638300" y="3829211"/>
-            <a:ext cx="5867400" cy="1724025"/>
-          </a:xfrm>
-          <a:prstGeom prst="rect">
-            <a:avLst/>
-          </a:prstGeom>
-          <a:noFill/>
-          <a:ln>
-            <a:noFill/>
-          </a:ln>
-          <a:effectLst/>
-          <a:extLst>
-            <a:ext uri="{909E8E84-426E-40DD-AFC4-6F175D3DCCD1}">
-              <a14:hiddenFill xmlns:a14="http://schemas.microsoft.com/office/drawing/2010/main">
-                <a:solidFill>
-                  <a:schemeClr val="accent1"/>
-                </a:solidFill>
-              </a14:hiddenFill>
-            </a:ext>
-            <a:ext uri="{91240B29-F687-4F45-9708-019B960494DF}">
-              <a14:hiddenLine xmlns:a14="http://schemas.microsoft.com/office/drawing/2010/main" w="9525">
-                <a:solidFill>
-                  <a:schemeClr val="tx1"/>
-                </a:solidFill>
-                <a:miter lim="800000"/>
-                <a:headEnd/>
-                <a:tailEnd/>
-              </a14:hiddenLine>
-            </a:ext>
-            <a:ext uri="{AF507438-7753-43E0-B8FC-AC1667EBCBE1}">
-              <a14:hiddenEffects xmlns:a14="http://schemas.microsoft.com/office/drawing/2010/main">
-                <a:effectLst>
-                  <a:outerShdw dist="35921" dir="2700000" algn="ctr" rotWithShape="0">
-                    <a:schemeClr val="bg2"/>
-                  </a:outerShdw>
-                </a:effectLst>
-              </a14:hiddenEffects>
-            </a:ext>
-          </a:extLst>
-        </p:spPr>
-      </p:pic>
-      <p:sp>
-        <p:nvSpPr>
-          <p:cNvPr id="9" name="TextBox 8"/>
-          <p:cNvSpPr txBox="1"/>
-          <p:nvPr userDrawn="1"/>
-        </p:nvSpPr>
-        <p:spPr>
-          <a:xfrm>
-            <a:off x="2774873" y="2528900"/>
-            <a:ext cx="4240263" cy="461665"/>
-          </a:xfrm>
-          <a:prstGeom prst="rect">
-            <a:avLst/>
-          </a:prstGeom>
-          <a:noFill/>
-        </p:spPr>
-        <p:txBody>
-          <a:bodyPr wrap="none" rtlCol="0">
-            <a:spAutoFit/>
-          </a:bodyPr>
+            <a:r>
+              <a:rPr lang="en-US"/>
+              <a:t>Click to edit Master title style</a:t>
+            </a:r>
+            <a:endParaRPr lang="ru-RU" dirty="0"/>
+          </a:p>
+        </p:txBody>
+      </p:sp>
+      <p:sp>
+        <p:nvSpPr>
+          <p:cNvPr id="3" name="Content Placeholder 2"/>
+          <p:cNvSpPr>
+            <a:spLocks noGrp="1"/>
+          </p:cNvSpPr>
+          <p:nvPr>
+            <p:ph idx="1"/>
+          </p:nvPr>
+        </p:nvSpPr>
+        <p:spPr/>
+        <p:txBody>
+          <a:bodyPr/>
           <a:lstStyle/>
           <a:p>
-            <a:r>
-              <a:rPr lang="ru-RU" sz="2400" dirty="0">
-                <a:solidFill>
-                  <a:schemeClr val="bg1"/>
-                </a:solidFill>
-              </a:rPr>
-              <a:t>Занятие №</a:t>
-            </a:r>
-            <a:r>
-              <a:rPr lang="en-US" sz="2400" dirty="0">
-                <a:solidFill>
-                  <a:schemeClr val="bg1"/>
-                </a:solidFill>
-              </a:rPr>
-              <a:t>1</a:t>
-            </a:r>
-            <a:r>
-              <a:rPr lang="ru-RU" sz="2400" dirty="0">
-                <a:solidFill>
-                  <a:schemeClr val="bg1"/>
-                </a:solidFill>
-              </a:rPr>
-              <a:t>. Название занятия</a:t>
-            </a:r>
-            <a:endParaRPr lang="en-US" sz="2400" dirty="0">
-              <a:solidFill>
-                <a:schemeClr val="bg1"/>
-              </a:solidFill>
-            </a:endParaRPr>
+            <a:pPr lvl="0"/>
+            <a:r>
+              <a:rPr lang="en-US"/>
+              <a:t>Click to edit Master text styles</a:t>
+            </a:r>
+          </a:p>
+          <a:p>
+            <a:pPr lvl="1"/>
+            <a:r>
+              <a:rPr lang="en-US"/>
+              <a:t>Second level</a:t>
+            </a:r>
+          </a:p>
+          <a:p>
+            <a:pPr lvl="2"/>
+            <a:r>
+              <a:rPr lang="en-US"/>
+              <a:t>Third level</a:t>
+            </a:r>
+          </a:p>
+          <a:p>
+            <a:pPr lvl="3"/>
+            <a:r>
+              <a:rPr lang="en-US"/>
+              <a:t>Fourth level</a:t>
+            </a:r>
+          </a:p>
+          <a:p>
+            <a:pPr lvl="4"/>
+            <a:r>
+              <a:rPr lang="en-US"/>
+              <a:t>Fifth level</a:t>
+            </a:r>
+            <a:endParaRPr lang="ru-RU" dirty="0"/>
           </a:p>
         </p:txBody>
       </p:sp>
     </p:spTree>
     <p:extLst>
       <p:ext uri="{BB962C8B-B14F-4D97-AF65-F5344CB8AC3E}">
-        <p14:creationId xmlns:p14="http://schemas.microsoft.com/office/powerpoint/2010/main" val="2062725571"/>
+        <p14:creationId xmlns:p14="http://schemas.microsoft.com/office/powerpoint/2010/main" val="3363467697"/>
       </p:ext>
     </p:extLst>
   </p:cSld>
@@ -702,6 +615,1207 @@
 </file>
 
 <file path=ppt/slideLayouts/slideLayout10.xml><?xml version="1.0" encoding="utf-8"?>
+<p:sldLayout xmlns:a="http://schemas.openxmlformats.org/drawingml/2006/main" xmlns:r="http://schemas.openxmlformats.org/officeDocument/2006/relationships" xmlns:p="http://schemas.openxmlformats.org/presentationml/2006/main" type="vertTitleAndTx" preserve="1">
+  <p:cSld name="Vertical Title and Text">
+    <p:spTree>
+      <p:nvGrpSpPr>
+        <p:cNvPr id="1" name=""/>
+        <p:cNvGrpSpPr/>
+        <p:nvPr/>
+      </p:nvGrpSpPr>
+      <p:grpSpPr>
+        <a:xfrm>
+          <a:off x="0" y="0"/>
+          <a:ext cx="0" cy="0"/>
+          <a:chOff x="0" y="0"/>
+          <a:chExt cx="0" cy="0"/>
+        </a:xfrm>
+      </p:grpSpPr>
+      <p:sp>
+        <p:nvSpPr>
+          <p:cNvPr id="2" name="Vertical Title 1"/>
+          <p:cNvSpPr>
+            <a:spLocks noGrp="1"/>
+          </p:cNvSpPr>
+          <p:nvPr>
+            <p:ph type="title" orient="vert"/>
+          </p:nvPr>
+        </p:nvSpPr>
+        <p:spPr>
+          <a:xfrm>
+            <a:off x="6629400" y="274638"/>
+            <a:ext cx="2057400" cy="5851525"/>
+          </a:xfrm>
+        </p:spPr>
+        <p:txBody>
+          <a:bodyPr vert="eaVert"/>
+          <a:lstStyle/>
+          <a:p>
+            <a:r>
+              <a:rPr lang="en-US"/>
+              <a:t>Click to edit Master title style</a:t>
+            </a:r>
+            <a:endParaRPr lang="ru-RU" dirty="0"/>
+          </a:p>
+        </p:txBody>
+      </p:sp>
+      <p:sp>
+        <p:nvSpPr>
+          <p:cNvPr id="3" name="Vertical Text Placeholder 2"/>
+          <p:cNvSpPr>
+            <a:spLocks noGrp="1"/>
+          </p:cNvSpPr>
+          <p:nvPr>
+            <p:ph type="body" orient="vert" idx="1"/>
+          </p:nvPr>
+        </p:nvSpPr>
+        <p:spPr>
+          <a:xfrm>
+            <a:off x="457200" y="274638"/>
+            <a:ext cx="6019800" cy="5851525"/>
+          </a:xfrm>
+        </p:spPr>
+        <p:txBody>
+          <a:bodyPr vert="eaVert"/>
+          <a:lstStyle/>
+          <a:p>
+            <a:pPr lvl="0"/>
+            <a:r>
+              <a:rPr lang="en-US"/>
+              <a:t>Click to edit Master text styles</a:t>
+            </a:r>
+          </a:p>
+          <a:p>
+            <a:pPr lvl="1"/>
+            <a:r>
+              <a:rPr lang="en-US"/>
+              <a:t>Second level</a:t>
+            </a:r>
+          </a:p>
+          <a:p>
+            <a:pPr lvl="2"/>
+            <a:r>
+              <a:rPr lang="en-US"/>
+              <a:t>Third level</a:t>
+            </a:r>
+          </a:p>
+          <a:p>
+            <a:pPr lvl="3"/>
+            <a:r>
+              <a:rPr lang="en-US"/>
+              <a:t>Fourth level</a:t>
+            </a:r>
+          </a:p>
+          <a:p>
+            <a:pPr lvl="4"/>
+            <a:r>
+              <a:rPr lang="en-US"/>
+              <a:t>Fifth level</a:t>
+            </a:r>
+            <a:endParaRPr lang="ru-RU" dirty="0"/>
+          </a:p>
+        </p:txBody>
+      </p:sp>
+    </p:spTree>
+    <p:extLst>
+      <p:ext uri="{BB962C8B-B14F-4D97-AF65-F5344CB8AC3E}">
+        <p14:creationId xmlns:p14="http://schemas.microsoft.com/office/powerpoint/2010/main" val="370514854"/>
+      </p:ext>
+    </p:extLst>
+  </p:cSld>
+  <p:clrMapOvr>
+    <a:masterClrMapping/>
+  </p:clrMapOvr>
+</p:sldLayout>
+</file>
+
+<file path=ppt/slideLayouts/slideLayout11.xml><?xml version="1.0" encoding="utf-8"?>
+<p:sldLayout xmlns:a="http://schemas.openxmlformats.org/drawingml/2006/main" xmlns:r="http://schemas.openxmlformats.org/officeDocument/2006/relationships" xmlns:p="http://schemas.openxmlformats.org/presentationml/2006/main" type="title">
+  <p:cSld name="2_Title Slide">
+    <p:spTree>
+      <p:nvGrpSpPr>
+        <p:cNvPr id="1" name=""/>
+        <p:cNvGrpSpPr/>
+        <p:nvPr/>
+      </p:nvGrpSpPr>
+      <p:grpSpPr>
+        <a:xfrm>
+          <a:off x="0" y="0"/>
+          <a:ext cx="0" cy="0"/>
+          <a:chOff x="0" y="0"/>
+          <a:chExt cx="0" cy="0"/>
+        </a:xfrm>
+      </p:grpSpPr>
+      <p:sp>
+        <p:nvSpPr>
+          <p:cNvPr id="2" name="Title 1"/>
+          <p:cNvSpPr>
+            <a:spLocks noGrp="1"/>
+          </p:cNvSpPr>
+          <p:nvPr>
+            <p:ph type="ctrTitle"/>
+          </p:nvPr>
+        </p:nvSpPr>
+        <p:spPr>
+          <a:xfrm>
+            <a:off x="685800" y="2130425"/>
+            <a:ext cx="7772400" cy="1470025"/>
+          </a:xfrm>
+        </p:spPr>
+        <p:txBody>
+          <a:bodyPr/>
+          <a:lstStyle/>
+          <a:p>
+            <a:r>
+              <a:rPr lang="en-US"/>
+              <a:t>Click to edit Master title style</a:t>
+            </a:r>
+            <a:endParaRPr lang="ru-RU"/>
+          </a:p>
+        </p:txBody>
+      </p:sp>
+      <p:sp>
+        <p:nvSpPr>
+          <p:cNvPr id="3" name="Subtitle 2"/>
+          <p:cNvSpPr>
+            <a:spLocks noGrp="1"/>
+          </p:cNvSpPr>
+          <p:nvPr>
+            <p:ph type="subTitle" idx="1"/>
+          </p:nvPr>
+        </p:nvSpPr>
+        <p:spPr>
+          <a:xfrm>
+            <a:off x="1371600" y="3886200"/>
+            <a:ext cx="6400800" cy="1752600"/>
+          </a:xfrm>
+        </p:spPr>
+        <p:txBody>
+          <a:bodyPr/>
+          <a:lstStyle>
+            <a:lvl1pPr marL="0" indent="0" algn="ctr">
+              <a:buNone/>
+              <a:defRPr>
+                <a:solidFill>
+                  <a:schemeClr val="tx1">
+                    <a:tint val="75000"/>
+                  </a:schemeClr>
+                </a:solidFill>
+              </a:defRPr>
+            </a:lvl1pPr>
+            <a:lvl2pPr marL="457200" indent="0" algn="ctr">
+              <a:buNone/>
+              <a:defRPr>
+                <a:solidFill>
+                  <a:schemeClr val="tx1">
+                    <a:tint val="75000"/>
+                  </a:schemeClr>
+                </a:solidFill>
+              </a:defRPr>
+            </a:lvl2pPr>
+            <a:lvl3pPr marL="914400" indent="0" algn="ctr">
+              <a:buNone/>
+              <a:defRPr>
+                <a:solidFill>
+                  <a:schemeClr val="tx1">
+                    <a:tint val="75000"/>
+                  </a:schemeClr>
+                </a:solidFill>
+              </a:defRPr>
+            </a:lvl3pPr>
+            <a:lvl4pPr marL="1371600" indent="0" algn="ctr">
+              <a:buNone/>
+              <a:defRPr>
+                <a:solidFill>
+                  <a:schemeClr val="tx1">
+                    <a:tint val="75000"/>
+                  </a:schemeClr>
+                </a:solidFill>
+              </a:defRPr>
+            </a:lvl4pPr>
+            <a:lvl5pPr marL="1828800" indent="0" algn="ctr">
+              <a:buNone/>
+              <a:defRPr>
+                <a:solidFill>
+                  <a:schemeClr val="tx1">
+                    <a:tint val="75000"/>
+                  </a:schemeClr>
+                </a:solidFill>
+              </a:defRPr>
+            </a:lvl5pPr>
+            <a:lvl6pPr marL="2286000" indent="0" algn="ctr">
+              <a:buNone/>
+              <a:defRPr>
+                <a:solidFill>
+                  <a:schemeClr val="tx1">
+                    <a:tint val="75000"/>
+                  </a:schemeClr>
+                </a:solidFill>
+              </a:defRPr>
+            </a:lvl6pPr>
+            <a:lvl7pPr marL="2743200" indent="0" algn="ctr">
+              <a:buNone/>
+              <a:defRPr>
+                <a:solidFill>
+                  <a:schemeClr val="tx1">
+                    <a:tint val="75000"/>
+                  </a:schemeClr>
+                </a:solidFill>
+              </a:defRPr>
+            </a:lvl7pPr>
+            <a:lvl8pPr marL="3200400" indent="0" algn="ctr">
+              <a:buNone/>
+              <a:defRPr>
+                <a:solidFill>
+                  <a:schemeClr val="tx1">
+                    <a:tint val="75000"/>
+                  </a:schemeClr>
+                </a:solidFill>
+              </a:defRPr>
+            </a:lvl8pPr>
+            <a:lvl9pPr marL="3657600" indent="0" algn="ctr">
+              <a:buNone/>
+              <a:defRPr>
+                <a:solidFill>
+                  <a:schemeClr val="tx1">
+                    <a:tint val="75000"/>
+                  </a:schemeClr>
+                </a:solidFill>
+              </a:defRPr>
+            </a:lvl9pPr>
+          </a:lstStyle>
+          <a:p>
+            <a:r>
+              <a:rPr lang="en-US"/>
+              <a:t>Click to edit Master subtitle style</a:t>
+            </a:r>
+            <a:endParaRPr lang="ru-RU"/>
+          </a:p>
+        </p:txBody>
+      </p:sp>
+      <p:sp>
+        <p:nvSpPr>
+          <p:cNvPr id="4" name="Date Placeholder 3"/>
+          <p:cNvSpPr>
+            <a:spLocks noGrp="1"/>
+          </p:cNvSpPr>
+          <p:nvPr>
+            <p:ph type="dt" sz="half" idx="10"/>
+          </p:nvPr>
+        </p:nvSpPr>
+        <p:spPr/>
+        <p:txBody>
+          <a:bodyPr/>
+          <a:lstStyle/>
+          <a:p>
+            <a:fld id="{8E6E6A2A-E9D3-4A0D-B04A-ABDD367A1E08}" type="datetimeFigureOut">
+              <a:rPr lang="ru-RU" smtClean="0"/>
+              <a:t>22.02.2019</a:t>
+            </a:fld>
+            <a:endParaRPr lang="ru-RU"/>
+          </a:p>
+        </p:txBody>
+      </p:sp>
+      <p:sp>
+        <p:nvSpPr>
+          <p:cNvPr id="5" name="Footer Placeholder 4"/>
+          <p:cNvSpPr>
+            <a:spLocks noGrp="1"/>
+          </p:cNvSpPr>
+          <p:nvPr>
+            <p:ph type="ftr" sz="quarter" idx="11"/>
+          </p:nvPr>
+        </p:nvSpPr>
+        <p:spPr/>
+        <p:txBody>
+          <a:bodyPr/>
+          <a:lstStyle/>
+          <a:p>
+            <a:endParaRPr lang="ru-RU"/>
+          </a:p>
+        </p:txBody>
+      </p:sp>
+      <p:sp>
+        <p:nvSpPr>
+          <p:cNvPr id="6" name="Slide Number Placeholder 5"/>
+          <p:cNvSpPr>
+            <a:spLocks noGrp="1"/>
+          </p:cNvSpPr>
+          <p:nvPr>
+            <p:ph type="sldNum" sz="quarter" idx="12"/>
+          </p:nvPr>
+        </p:nvSpPr>
+        <p:spPr/>
+        <p:txBody>
+          <a:bodyPr/>
+          <a:lstStyle/>
+          <a:p>
+            <a:fld id="{BC0D3D34-2E8A-4A38-B864-C677BA056495}" type="slidenum">
+              <a:rPr lang="ru-RU" smtClean="0"/>
+              <a:t>‹#›</a:t>
+            </a:fld>
+            <a:endParaRPr lang="ru-RU"/>
+          </a:p>
+        </p:txBody>
+      </p:sp>
+    </p:spTree>
+    <p:extLst>
+      <p:ext uri="{BB962C8B-B14F-4D97-AF65-F5344CB8AC3E}">
+        <p14:creationId xmlns:p14="http://schemas.microsoft.com/office/powerpoint/2010/main" val="4222294974"/>
+      </p:ext>
+    </p:extLst>
+  </p:cSld>
+  <p:clrMapOvr>
+    <a:masterClrMapping/>
+  </p:clrMapOvr>
+</p:sldLayout>
+</file>
+
+<file path=ppt/slideLayouts/slideLayout2.xml><?xml version="1.0" encoding="utf-8"?>
+<p:sldLayout xmlns:a="http://schemas.openxmlformats.org/drawingml/2006/main" xmlns:r="http://schemas.openxmlformats.org/officeDocument/2006/relationships" xmlns:p="http://schemas.openxmlformats.org/presentationml/2006/main" type="secHead" preserve="1">
+  <p:cSld name="Section Header">
+    <p:spTree>
+      <p:nvGrpSpPr>
+        <p:cNvPr id="1" name=""/>
+        <p:cNvGrpSpPr/>
+        <p:nvPr/>
+      </p:nvGrpSpPr>
+      <p:grpSpPr>
+        <a:xfrm>
+          <a:off x="0" y="0"/>
+          <a:ext cx="0" cy="0"/>
+          <a:chOff x="0" y="0"/>
+          <a:chExt cx="0" cy="0"/>
+        </a:xfrm>
+      </p:grpSpPr>
+      <p:sp>
+        <p:nvSpPr>
+          <p:cNvPr id="2" name="Title 1"/>
+          <p:cNvSpPr>
+            <a:spLocks noGrp="1"/>
+          </p:cNvSpPr>
+          <p:nvPr>
+            <p:ph type="title"/>
+          </p:nvPr>
+        </p:nvSpPr>
+        <p:spPr>
+          <a:xfrm>
+            <a:off x="722313" y="4406900"/>
+            <a:ext cx="7772400" cy="1362075"/>
+          </a:xfrm>
+        </p:spPr>
+        <p:txBody>
+          <a:bodyPr anchor="t"/>
+          <a:lstStyle>
+            <a:lvl1pPr algn="l">
+              <a:defRPr sz="4000" b="1" cap="all"/>
+            </a:lvl1pPr>
+          </a:lstStyle>
+          <a:p>
+            <a:r>
+              <a:rPr lang="en-US"/>
+              <a:t>Click to edit Master title style</a:t>
+            </a:r>
+            <a:endParaRPr lang="ru-RU" dirty="0"/>
+          </a:p>
+        </p:txBody>
+      </p:sp>
+      <p:sp>
+        <p:nvSpPr>
+          <p:cNvPr id="3" name="Text Placeholder 2"/>
+          <p:cNvSpPr>
+            <a:spLocks noGrp="1"/>
+          </p:cNvSpPr>
+          <p:nvPr>
+            <p:ph type="body" idx="1"/>
+          </p:nvPr>
+        </p:nvSpPr>
+        <p:spPr>
+          <a:xfrm>
+            <a:off x="722313" y="2906713"/>
+            <a:ext cx="7772400" cy="1500187"/>
+          </a:xfrm>
+        </p:spPr>
+        <p:txBody>
+          <a:bodyPr anchor="b"/>
+          <a:lstStyle>
+            <a:lvl1pPr marL="0" indent="0">
+              <a:buNone/>
+              <a:defRPr sz="2000">
+                <a:solidFill>
+                  <a:schemeClr val="tx1">
+                    <a:tint val="75000"/>
+                  </a:schemeClr>
+                </a:solidFill>
+              </a:defRPr>
+            </a:lvl1pPr>
+            <a:lvl2pPr marL="457200" indent="0">
+              <a:buNone/>
+              <a:defRPr sz="1800">
+                <a:solidFill>
+                  <a:schemeClr val="tx1">
+                    <a:tint val="75000"/>
+                  </a:schemeClr>
+                </a:solidFill>
+              </a:defRPr>
+            </a:lvl2pPr>
+            <a:lvl3pPr marL="914400" indent="0">
+              <a:buNone/>
+              <a:defRPr sz="1600">
+                <a:solidFill>
+                  <a:schemeClr val="tx1">
+                    <a:tint val="75000"/>
+                  </a:schemeClr>
+                </a:solidFill>
+              </a:defRPr>
+            </a:lvl3pPr>
+            <a:lvl4pPr marL="1371600" indent="0">
+              <a:buNone/>
+              <a:defRPr sz="1400">
+                <a:solidFill>
+                  <a:schemeClr val="tx1">
+                    <a:tint val="75000"/>
+                  </a:schemeClr>
+                </a:solidFill>
+              </a:defRPr>
+            </a:lvl4pPr>
+            <a:lvl5pPr marL="1828800" indent="0">
+              <a:buNone/>
+              <a:defRPr sz="1400">
+                <a:solidFill>
+                  <a:schemeClr val="tx1">
+                    <a:tint val="75000"/>
+                  </a:schemeClr>
+                </a:solidFill>
+              </a:defRPr>
+            </a:lvl5pPr>
+            <a:lvl6pPr marL="2286000" indent="0">
+              <a:buNone/>
+              <a:defRPr sz="1400">
+                <a:solidFill>
+                  <a:schemeClr val="tx1">
+                    <a:tint val="75000"/>
+                  </a:schemeClr>
+                </a:solidFill>
+              </a:defRPr>
+            </a:lvl6pPr>
+            <a:lvl7pPr marL="2743200" indent="0">
+              <a:buNone/>
+              <a:defRPr sz="1400">
+                <a:solidFill>
+                  <a:schemeClr val="tx1">
+                    <a:tint val="75000"/>
+                  </a:schemeClr>
+                </a:solidFill>
+              </a:defRPr>
+            </a:lvl7pPr>
+            <a:lvl8pPr marL="3200400" indent="0">
+              <a:buNone/>
+              <a:defRPr sz="1400">
+                <a:solidFill>
+                  <a:schemeClr val="tx1">
+                    <a:tint val="75000"/>
+                  </a:schemeClr>
+                </a:solidFill>
+              </a:defRPr>
+            </a:lvl8pPr>
+            <a:lvl9pPr marL="3657600" indent="0">
+              <a:buNone/>
+              <a:defRPr sz="1400">
+                <a:solidFill>
+                  <a:schemeClr val="tx1">
+                    <a:tint val="75000"/>
+                  </a:schemeClr>
+                </a:solidFill>
+              </a:defRPr>
+            </a:lvl9pPr>
+          </a:lstStyle>
+          <a:p>
+            <a:pPr lvl="0"/>
+            <a:r>
+              <a:rPr lang="en-US"/>
+              <a:t>Click to edit Master text styles</a:t>
+            </a:r>
+          </a:p>
+        </p:txBody>
+      </p:sp>
+    </p:spTree>
+    <p:extLst>
+      <p:ext uri="{BB962C8B-B14F-4D97-AF65-F5344CB8AC3E}">
+        <p14:creationId xmlns:p14="http://schemas.microsoft.com/office/powerpoint/2010/main" val="1627150216"/>
+      </p:ext>
+    </p:extLst>
+  </p:cSld>
+  <p:clrMapOvr>
+    <a:masterClrMapping/>
+  </p:clrMapOvr>
+</p:sldLayout>
+</file>
+
+<file path=ppt/slideLayouts/slideLayout3.xml><?xml version="1.0" encoding="utf-8"?>
+<p:sldLayout xmlns:a="http://schemas.openxmlformats.org/drawingml/2006/main" xmlns:r="http://schemas.openxmlformats.org/officeDocument/2006/relationships" xmlns:p="http://schemas.openxmlformats.org/presentationml/2006/main" type="twoObj" preserve="1">
+  <p:cSld name="Two Content">
+    <p:spTree>
+      <p:nvGrpSpPr>
+        <p:cNvPr id="1" name=""/>
+        <p:cNvGrpSpPr/>
+        <p:nvPr/>
+      </p:nvGrpSpPr>
+      <p:grpSpPr>
+        <a:xfrm>
+          <a:off x="0" y="0"/>
+          <a:ext cx="0" cy="0"/>
+          <a:chOff x="0" y="0"/>
+          <a:chExt cx="0" cy="0"/>
+        </a:xfrm>
+      </p:grpSpPr>
+      <p:sp>
+        <p:nvSpPr>
+          <p:cNvPr id="2" name="Title 1"/>
+          <p:cNvSpPr>
+            <a:spLocks noGrp="1"/>
+          </p:cNvSpPr>
+          <p:nvPr>
+            <p:ph type="title"/>
+          </p:nvPr>
+        </p:nvSpPr>
+        <p:spPr/>
+        <p:txBody>
+          <a:bodyPr/>
+          <a:lstStyle/>
+          <a:p>
+            <a:r>
+              <a:rPr lang="en-US"/>
+              <a:t>Click to edit Master title style</a:t>
+            </a:r>
+            <a:endParaRPr lang="ru-RU" dirty="0"/>
+          </a:p>
+        </p:txBody>
+      </p:sp>
+      <p:sp>
+        <p:nvSpPr>
+          <p:cNvPr id="3" name="Content Placeholder 2"/>
+          <p:cNvSpPr>
+            <a:spLocks noGrp="1"/>
+          </p:cNvSpPr>
+          <p:nvPr>
+            <p:ph sz="half" idx="1"/>
+          </p:nvPr>
+        </p:nvSpPr>
+        <p:spPr>
+          <a:xfrm>
+            <a:off x="457200" y="1600200"/>
+            <a:ext cx="4038600" cy="4525963"/>
+          </a:xfrm>
+        </p:spPr>
+        <p:txBody>
+          <a:bodyPr/>
+          <a:lstStyle>
+            <a:lvl1pPr>
+              <a:defRPr sz="2800"/>
+            </a:lvl1pPr>
+            <a:lvl2pPr>
+              <a:defRPr sz="2400"/>
+            </a:lvl2pPr>
+            <a:lvl3pPr>
+              <a:defRPr sz="2000"/>
+            </a:lvl3pPr>
+            <a:lvl4pPr>
+              <a:defRPr sz="1800"/>
+            </a:lvl4pPr>
+            <a:lvl5pPr>
+              <a:defRPr sz="1800"/>
+            </a:lvl5pPr>
+            <a:lvl6pPr>
+              <a:defRPr sz="1800"/>
+            </a:lvl6pPr>
+            <a:lvl7pPr>
+              <a:defRPr sz="1800"/>
+            </a:lvl7pPr>
+            <a:lvl8pPr>
+              <a:defRPr sz="1800"/>
+            </a:lvl8pPr>
+            <a:lvl9pPr>
+              <a:defRPr sz="1800"/>
+            </a:lvl9pPr>
+          </a:lstStyle>
+          <a:p>
+            <a:pPr lvl="0"/>
+            <a:r>
+              <a:rPr lang="en-US"/>
+              <a:t>Click to edit Master text styles</a:t>
+            </a:r>
+          </a:p>
+          <a:p>
+            <a:pPr lvl="1"/>
+            <a:r>
+              <a:rPr lang="en-US"/>
+              <a:t>Second level</a:t>
+            </a:r>
+          </a:p>
+          <a:p>
+            <a:pPr lvl="2"/>
+            <a:r>
+              <a:rPr lang="en-US"/>
+              <a:t>Third level</a:t>
+            </a:r>
+          </a:p>
+          <a:p>
+            <a:pPr lvl="3"/>
+            <a:r>
+              <a:rPr lang="en-US"/>
+              <a:t>Fourth level</a:t>
+            </a:r>
+          </a:p>
+          <a:p>
+            <a:pPr lvl="4"/>
+            <a:r>
+              <a:rPr lang="en-US"/>
+              <a:t>Fifth level</a:t>
+            </a:r>
+            <a:endParaRPr lang="ru-RU" dirty="0"/>
+          </a:p>
+        </p:txBody>
+      </p:sp>
+      <p:sp>
+        <p:nvSpPr>
+          <p:cNvPr id="4" name="Content Placeholder 3"/>
+          <p:cNvSpPr>
+            <a:spLocks noGrp="1"/>
+          </p:cNvSpPr>
+          <p:nvPr>
+            <p:ph sz="half" idx="2"/>
+          </p:nvPr>
+        </p:nvSpPr>
+        <p:spPr>
+          <a:xfrm>
+            <a:off x="4648200" y="1600200"/>
+            <a:ext cx="4038600" cy="4525963"/>
+          </a:xfrm>
+        </p:spPr>
+        <p:txBody>
+          <a:bodyPr/>
+          <a:lstStyle>
+            <a:lvl1pPr>
+              <a:defRPr sz="2800"/>
+            </a:lvl1pPr>
+            <a:lvl2pPr>
+              <a:defRPr sz="2400"/>
+            </a:lvl2pPr>
+            <a:lvl3pPr>
+              <a:defRPr sz="2000"/>
+            </a:lvl3pPr>
+            <a:lvl4pPr>
+              <a:defRPr sz="1800"/>
+            </a:lvl4pPr>
+            <a:lvl5pPr>
+              <a:defRPr sz="1800"/>
+            </a:lvl5pPr>
+            <a:lvl6pPr>
+              <a:defRPr sz="1800"/>
+            </a:lvl6pPr>
+            <a:lvl7pPr>
+              <a:defRPr sz="1800"/>
+            </a:lvl7pPr>
+            <a:lvl8pPr>
+              <a:defRPr sz="1800"/>
+            </a:lvl8pPr>
+            <a:lvl9pPr>
+              <a:defRPr sz="1800"/>
+            </a:lvl9pPr>
+          </a:lstStyle>
+          <a:p>
+            <a:pPr lvl="0"/>
+            <a:r>
+              <a:rPr lang="en-US"/>
+              <a:t>Click to edit Master text styles</a:t>
+            </a:r>
+          </a:p>
+          <a:p>
+            <a:pPr lvl="1"/>
+            <a:r>
+              <a:rPr lang="en-US"/>
+              <a:t>Second level</a:t>
+            </a:r>
+          </a:p>
+          <a:p>
+            <a:pPr lvl="2"/>
+            <a:r>
+              <a:rPr lang="en-US"/>
+              <a:t>Third level</a:t>
+            </a:r>
+          </a:p>
+          <a:p>
+            <a:pPr lvl="3"/>
+            <a:r>
+              <a:rPr lang="en-US"/>
+              <a:t>Fourth level</a:t>
+            </a:r>
+          </a:p>
+          <a:p>
+            <a:pPr lvl="4"/>
+            <a:r>
+              <a:rPr lang="en-US"/>
+              <a:t>Fifth level</a:t>
+            </a:r>
+            <a:endParaRPr lang="ru-RU" dirty="0"/>
+          </a:p>
+        </p:txBody>
+      </p:sp>
+    </p:spTree>
+    <p:extLst>
+      <p:ext uri="{BB962C8B-B14F-4D97-AF65-F5344CB8AC3E}">
+        <p14:creationId xmlns:p14="http://schemas.microsoft.com/office/powerpoint/2010/main" val="1026234569"/>
+      </p:ext>
+    </p:extLst>
+  </p:cSld>
+  <p:clrMapOvr>
+    <a:masterClrMapping/>
+  </p:clrMapOvr>
+</p:sldLayout>
+</file>
+
+<file path=ppt/slideLayouts/slideLayout4.xml><?xml version="1.0" encoding="utf-8"?>
+<p:sldLayout xmlns:a="http://schemas.openxmlformats.org/drawingml/2006/main" xmlns:r="http://schemas.openxmlformats.org/officeDocument/2006/relationships" xmlns:p="http://schemas.openxmlformats.org/presentationml/2006/main" type="twoTxTwoObj" preserve="1">
+  <p:cSld name="Comparison">
+    <p:spTree>
+      <p:nvGrpSpPr>
+        <p:cNvPr id="1" name=""/>
+        <p:cNvGrpSpPr/>
+        <p:nvPr/>
+      </p:nvGrpSpPr>
+      <p:grpSpPr>
+        <a:xfrm>
+          <a:off x="0" y="0"/>
+          <a:ext cx="0" cy="0"/>
+          <a:chOff x="0" y="0"/>
+          <a:chExt cx="0" cy="0"/>
+        </a:xfrm>
+      </p:grpSpPr>
+      <p:sp>
+        <p:nvSpPr>
+          <p:cNvPr id="2" name="Title 1"/>
+          <p:cNvSpPr>
+            <a:spLocks noGrp="1"/>
+          </p:cNvSpPr>
+          <p:nvPr>
+            <p:ph type="title"/>
+          </p:nvPr>
+        </p:nvSpPr>
+        <p:spPr/>
+        <p:txBody>
+          <a:bodyPr/>
+          <a:lstStyle>
+            <a:lvl1pPr>
+              <a:defRPr/>
+            </a:lvl1pPr>
+          </a:lstStyle>
+          <a:p>
+            <a:r>
+              <a:rPr lang="en-US"/>
+              <a:t>Click to edit Master title style</a:t>
+            </a:r>
+            <a:endParaRPr lang="ru-RU" dirty="0"/>
+          </a:p>
+        </p:txBody>
+      </p:sp>
+      <p:sp>
+        <p:nvSpPr>
+          <p:cNvPr id="3" name="Text Placeholder 2"/>
+          <p:cNvSpPr>
+            <a:spLocks noGrp="1"/>
+          </p:cNvSpPr>
+          <p:nvPr>
+            <p:ph type="body" idx="1"/>
+          </p:nvPr>
+        </p:nvSpPr>
+        <p:spPr>
+          <a:xfrm>
+            <a:off x="457200" y="1535113"/>
+            <a:ext cx="4040188" cy="639762"/>
+          </a:xfrm>
+        </p:spPr>
+        <p:txBody>
+          <a:bodyPr anchor="b"/>
+          <a:lstStyle>
+            <a:lvl1pPr marL="0" indent="0">
+              <a:buNone/>
+              <a:defRPr sz="2400" b="1"/>
+            </a:lvl1pPr>
+            <a:lvl2pPr marL="457200" indent="0">
+              <a:buNone/>
+              <a:defRPr sz="2000" b="1"/>
+            </a:lvl2pPr>
+            <a:lvl3pPr marL="914400" indent="0">
+              <a:buNone/>
+              <a:defRPr sz="1800" b="1"/>
+            </a:lvl3pPr>
+            <a:lvl4pPr marL="1371600" indent="0">
+              <a:buNone/>
+              <a:defRPr sz="1600" b="1"/>
+            </a:lvl4pPr>
+            <a:lvl5pPr marL="1828800" indent="0">
+              <a:buNone/>
+              <a:defRPr sz="1600" b="1"/>
+            </a:lvl5pPr>
+            <a:lvl6pPr marL="2286000" indent="0">
+              <a:buNone/>
+              <a:defRPr sz="1600" b="1"/>
+            </a:lvl6pPr>
+            <a:lvl7pPr marL="2743200" indent="0">
+              <a:buNone/>
+              <a:defRPr sz="1600" b="1"/>
+            </a:lvl7pPr>
+            <a:lvl8pPr marL="3200400" indent="0">
+              <a:buNone/>
+              <a:defRPr sz="1600" b="1"/>
+            </a:lvl8pPr>
+            <a:lvl9pPr marL="3657600" indent="0">
+              <a:buNone/>
+              <a:defRPr sz="1600" b="1"/>
+            </a:lvl9pPr>
+          </a:lstStyle>
+          <a:p>
+            <a:pPr lvl="0"/>
+            <a:r>
+              <a:rPr lang="en-US"/>
+              <a:t>Click to edit Master text styles</a:t>
+            </a:r>
+          </a:p>
+        </p:txBody>
+      </p:sp>
+      <p:sp>
+        <p:nvSpPr>
+          <p:cNvPr id="4" name="Content Placeholder 3"/>
+          <p:cNvSpPr>
+            <a:spLocks noGrp="1"/>
+          </p:cNvSpPr>
+          <p:nvPr>
+            <p:ph sz="half" idx="2"/>
+          </p:nvPr>
+        </p:nvSpPr>
+        <p:spPr>
+          <a:xfrm>
+            <a:off x="457200" y="2174875"/>
+            <a:ext cx="4040188" cy="3951288"/>
+          </a:xfrm>
+        </p:spPr>
+        <p:txBody>
+          <a:bodyPr/>
+          <a:lstStyle>
+            <a:lvl1pPr>
+              <a:defRPr sz="2400"/>
+            </a:lvl1pPr>
+            <a:lvl2pPr>
+              <a:defRPr sz="2000"/>
+            </a:lvl2pPr>
+            <a:lvl3pPr>
+              <a:defRPr sz="1800"/>
+            </a:lvl3pPr>
+            <a:lvl4pPr>
+              <a:defRPr sz="1600"/>
+            </a:lvl4pPr>
+            <a:lvl5pPr>
+              <a:defRPr sz="1600"/>
+            </a:lvl5pPr>
+            <a:lvl6pPr>
+              <a:defRPr sz="1600"/>
+            </a:lvl6pPr>
+            <a:lvl7pPr>
+              <a:defRPr sz="1600"/>
+            </a:lvl7pPr>
+            <a:lvl8pPr>
+              <a:defRPr sz="1600"/>
+            </a:lvl8pPr>
+            <a:lvl9pPr>
+              <a:defRPr sz="1600"/>
+            </a:lvl9pPr>
+          </a:lstStyle>
+          <a:p>
+            <a:pPr lvl="0"/>
+            <a:r>
+              <a:rPr lang="en-US"/>
+              <a:t>Click to edit Master text styles</a:t>
+            </a:r>
+          </a:p>
+          <a:p>
+            <a:pPr lvl="1"/>
+            <a:r>
+              <a:rPr lang="en-US"/>
+              <a:t>Second level</a:t>
+            </a:r>
+          </a:p>
+          <a:p>
+            <a:pPr lvl="2"/>
+            <a:r>
+              <a:rPr lang="en-US"/>
+              <a:t>Third level</a:t>
+            </a:r>
+          </a:p>
+          <a:p>
+            <a:pPr lvl="3"/>
+            <a:r>
+              <a:rPr lang="en-US"/>
+              <a:t>Fourth level</a:t>
+            </a:r>
+          </a:p>
+          <a:p>
+            <a:pPr lvl="4"/>
+            <a:r>
+              <a:rPr lang="en-US"/>
+              <a:t>Fifth level</a:t>
+            </a:r>
+            <a:endParaRPr lang="ru-RU" dirty="0"/>
+          </a:p>
+        </p:txBody>
+      </p:sp>
+      <p:sp>
+        <p:nvSpPr>
+          <p:cNvPr id="5" name="Text Placeholder 4"/>
+          <p:cNvSpPr>
+            <a:spLocks noGrp="1"/>
+          </p:cNvSpPr>
+          <p:nvPr>
+            <p:ph type="body" sz="quarter" idx="3"/>
+          </p:nvPr>
+        </p:nvSpPr>
+        <p:spPr>
+          <a:xfrm>
+            <a:off x="4645025" y="1535113"/>
+            <a:ext cx="4041775" cy="639762"/>
+          </a:xfrm>
+        </p:spPr>
+        <p:txBody>
+          <a:bodyPr anchor="b"/>
+          <a:lstStyle>
+            <a:lvl1pPr marL="0" indent="0">
+              <a:buNone/>
+              <a:defRPr sz="2400" b="1"/>
+            </a:lvl1pPr>
+            <a:lvl2pPr marL="457200" indent="0">
+              <a:buNone/>
+              <a:defRPr sz="2000" b="1"/>
+            </a:lvl2pPr>
+            <a:lvl3pPr marL="914400" indent="0">
+              <a:buNone/>
+              <a:defRPr sz="1800" b="1"/>
+            </a:lvl3pPr>
+            <a:lvl4pPr marL="1371600" indent="0">
+              <a:buNone/>
+              <a:defRPr sz="1600" b="1"/>
+            </a:lvl4pPr>
+            <a:lvl5pPr marL="1828800" indent="0">
+              <a:buNone/>
+              <a:defRPr sz="1600" b="1"/>
+            </a:lvl5pPr>
+            <a:lvl6pPr marL="2286000" indent="0">
+              <a:buNone/>
+              <a:defRPr sz="1600" b="1"/>
+            </a:lvl6pPr>
+            <a:lvl7pPr marL="2743200" indent="0">
+              <a:buNone/>
+              <a:defRPr sz="1600" b="1"/>
+            </a:lvl7pPr>
+            <a:lvl8pPr marL="3200400" indent="0">
+              <a:buNone/>
+              <a:defRPr sz="1600" b="1"/>
+            </a:lvl8pPr>
+            <a:lvl9pPr marL="3657600" indent="0">
+              <a:buNone/>
+              <a:defRPr sz="1600" b="1"/>
+            </a:lvl9pPr>
+          </a:lstStyle>
+          <a:p>
+            <a:pPr lvl="0"/>
+            <a:r>
+              <a:rPr lang="en-US"/>
+              <a:t>Click to edit Master text styles</a:t>
+            </a:r>
+          </a:p>
+        </p:txBody>
+      </p:sp>
+      <p:sp>
+        <p:nvSpPr>
+          <p:cNvPr id="6" name="Content Placeholder 5"/>
+          <p:cNvSpPr>
+            <a:spLocks noGrp="1"/>
+          </p:cNvSpPr>
+          <p:nvPr>
+            <p:ph sz="quarter" idx="4"/>
+          </p:nvPr>
+        </p:nvSpPr>
+        <p:spPr>
+          <a:xfrm>
+            <a:off x="4645025" y="2174875"/>
+            <a:ext cx="4041775" cy="3951288"/>
+          </a:xfrm>
+        </p:spPr>
+        <p:txBody>
+          <a:bodyPr/>
+          <a:lstStyle>
+            <a:lvl1pPr>
+              <a:defRPr sz="2400"/>
+            </a:lvl1pPr>
+            <a:lvl2pPr>
+              <a:defRPr sz="2000"/>
+            </a:lvl2pPr>
+            <a:lvl3pPr>
+              <a:defRPr sz="1800"/>
+            </a:lvl3pPr>
+            <a:lvl4pPr>
+              <a:defRPr sz="1600"/>
+            </a:lvl4pPr>
+            <a:lvl5pPr>
+              <a:defRPr sz="1600"/>
+            </a:lvl5pPr>
+            <a:lvl6pPr>
+              <a:defRPr sz="1600"/>
+            </a:lvl6pPr>
+            <a:lvl7pPr>
+              <a:defRPr sz="1600"/>
+            </a:lvl7pPr>
+            <a:lvl8pPr>
+              <a:defRPr sz="1600"/>
+            </a:lvl8pPr>
+            <a:lvl9pPr>
+              <a:defRPr sz="1600"/>
+            </a:lvl9pPr>
+          </a:lstStyle>
+          <a:p>
+            <a:pPr lvl="0"/>
+            <a:r>
+              <a:rPr lang="en-US"/>
+              <a:t>Click to edit Master text styles</a:t>
+            </a:r>
+          </a:p>
+          <a:p>
+            <a:pPr lvl="1"/>
+            <a:r>
+              <a:rPr lang="en-US"/>
+              <a:t>Second level</a:t>
+            </a:r>
+          </a:p>
+          <a:p>
+            <a:pPr lvl="2"/>
+            <a:r>
+              <a:rPr lang="en-US"/>
+              <a:t>Third level</a:t>
+            </a:r>
+          </a:p>
+          <a:p>
+            <a:pPr lvl="3"/>
+            <a:r>
+              <a:rPr lang="en-US"/>
+              <a:t>Fourth level</a:t>
+            </a:r>
+          </a:p>
+          <a:p>
+            <a:pPr lvl="4"/>
+            <a:r>
+              <a:rPr lang="en-US"/>
+              <a:t>Fifth level</a:t>
+            </a:r>
+            <a:endParaRPr lang="ru-RU" dirty="0"/>
+          </a:p>
+        </p:txBody>
+      </p:sp>
+    </p:spTree>
+    <p:extLst>
+      <p:ext uri="{BB962C8B-B14F-4D97-AF65-F5344CB8AC3E}">
+        <p14:creationId xmlns:p14="http://schemas.microsoft.com/office/powerpoint/2010/main" val="4044979405"/>
+      </p:ext>
+    </p:extLst>
+  </p:cSld>
+  <p:clrMapOvr>
+    <a:masterClrMapping/>
+  </p:clrMapOvr>
+</p:sldLayout>
+</file>
+
+<file path=ppt/slideLayouts/slideLayout5.xml><?xml version="1.0" encoding="utf-8"?>
+<p:sldLayout xmlns:a="http://schemas.openxmlformats.org/drawingml/2006/main" xmlns:r="http://schemas.openxmlformats.org/officeDocument/2006/relationships" xmlns:p="http://schemas.openxmlformats.org/presentationml/2006/main" type="titleOnly" preserve="1">
+  <p:cSld name="Title Only">
+    <p:spTree>
+      <p:nvGrpSpPr>
+        <p:cNvPr id="1" name=""/>
+        <p:cNvGrpSpPr/>
+        <p:nvPr/>
+      </p:nvGrpSpPr>
+      <p:grpSpPr>
+        <a:xfrm>
+          <a:off x="0" y="0"/>
+          <a:ext cx="0" cy="0"/>
+          <a:chOff x="0" y="0"/>
+          <a:chExt cx="0" cy="0"/>
+        </a:xfrm>
+      </p:grpSpPr>
+      <p:sp>
+        <p:nvSpPr>
+          <p:cNvPr id="2" name="Title 1"/>
+          <p:cNvSpPr>
+            <a:spLocks noGrp="1"/>
+          </p:cNvSpPr>
+          <p:nvPr>
+            <p:ph type="title"/>
+          </p:nvPr>
+        </p:nvSpPr>
+        <p:spPr/>
+        <p:txBody>
+          <a:bodyPr/>
+          <a:lstStyle/>
+          <a:p>
+            <a:r>
+              <a:rPr lang="en-US"/>
+              <a:t>Click to edit Master title style</a:t>
+            </a:r>
+            <a:endParaRPr lang="ru-RU" dirty="0"/>
+          </a:p>
+        </p:txBody>
+      </p:sp>
+    </p:spTree>
+    <p:extLst>
+      <p:ext uri="{BB962C8B-B14F-4D97-AF65-F5344CB8AC3E}">
+        <p14:creationId xmlns:p14="http://schemas.microsoft.com/office/powerpoint/2010/main" val="125202666"/>
+      </p:ext>
+    </p:extLst>
+  </p:cSld>
+  <p:clrMapOvr>
+    <a:masterClrMapping/>
+  </p:clrMapOvr>
+</p:sldLayout>
+</file>
+
+<file path=ppt/slideLayouts/slideLayout6.xml><?xml version="1.0" encoding="utf-8"?>
+<p:sldLayout xmlns:a="http://schemas.openxmlformats.org/drawingml/2006/main" xmlns:r="http://schemas.openxmlformats.org/officeDocument/2006/relationships" xmlns:p="http://schemas.openxmlformats.org/presentationml/2006/main" type="blank" preserve="1">
+  <p:cSld name="1_Blank">
+    <p:spTree>
+      <p:nvGrpSpPr>
+        <p:cNvPr id="1" name=""/>
+        <p:cNvGrpSpPr/>
+        <p:nvPr/>
+      </p:nvGrpSpPr>
+      <p:grpSpPr>
+        <a:xfrm>
+          <a:off x="0" y="0"/>
+          <a:ext cx="0" cy="0"/>
+          <a:chOff x="0" y="0"/>
+          <a:chExt cx="0" cy="0"/>
+        </a:xfrm>
+      </p:grpSpPr>
+    </p:spTree>
+    <p:extLst>
+      <p:ext uri="{BB962C8B-B14F-4D97-AF65-F5344CB8AC3E}">
+        <p14:creationId xmlns:p14="http://schemas.microsoft.com/office/powerpoint/2010/main" val="2618453949"/>
+      </p:ext>
+    </p:extLst>
+  </p:cSld>
+  <p:clrMapOvr>
+    <a:masterClrMapping/>
+  </p:clrMapOvr>
+</p:sldLayout>
+</file>
+
+<file path=ppt/slideLayouts/slideLayout7.xml><?xml version="1.0" encoding="utf-8"?>
 <p:sldLayout xmlns:a="http://schemas.openxmlformats.org/drawingml/2006/main" xmlns:r="http://schemas.openxmlformats.org/officeDocument/2006/relationships" xmlns:p="http://schemas.openxmlformats.org/presentationml/2006/main" type="objTx" preserve="1">
   <p:cSld name="Content with Caption">
     <p:spTree>
@@ -913,7 +2027,7 @@
 </p:sldLayout>
 </file>
 
-<file path=ppt/slideLayouts/slideLayout11.xml><?xml version="1.0" encoding="utf-8"?>
+<file path=ppt/slideLayouts/slideLayout8.xml><?xml version="1.0" encoding="utf-8"?>
 <p:sldLayout xmlns:a="http://schemas.openxmlformats.org/drawingml/2006/main" xmlns:r="http://schemas.openxmlformats.org/officeDocument/2006/relationships" xmlns:p="http://schemas.openxmlformats.org/presentationml/2006/main" type="picTx" preserve="1">
   <p:cSld name="Picture with Caption">
     <p:spTree>
@@ -1105,7 +2219,7 @@
 </p:sldLayout>
 </file>
 
-<file path=ppt/slideLayouts/slideLayout12.xml><?xml version="1.0" encoding="utf-8"?>
+<file path=ppt/slideLayouts/slideLayout9.xml><?xml version="1.0" encoding="utf-8"?>
 <p:sldLayout xmlns:a="http://schemas.openxmlformats.org/drawingml/2006/main" xmlns:r="http://schemas.openxmlformats.org/officeDocument/2006/relationships" xmlns:p="http://schemas.openxmlformats.org/presentationml/2006/main" type="vertTx" preserve="1">
   <p:cSld name="Title and Vertical Text">
     <p:spTree>
@@ -1210,1578 +2324,13 @@
 </p:sldLayout>
 </file>
 
-<file path=ppt/slideLayouts/slideLayout13.xml><?xml version="1.0" encoding="utf-8"?>
-<p:sldLayout xmlns:a="http://schemas.openxmlformats.org/drawingml/2006/main" xmlns:r="http://schemas.openxmlformats.org/officeDocument/2006/relationships" xmlns:p="http://schemas.openxmlformats.org/presentationml/2006/main" type="vertTitleAndTx" preserve="1">
-  <p:cSld name="Vertical Title and Text">
-    <p:spTree>
-      <p:nvGrpSpPr>
-        <p:cNvPr id="1" name=""/>
-        <p:cNvGrpSpPr/>
-        <p:nvPr/>
-      </p:nvGrpSpPr>
-      <p:grpSpPr>
-        <a:xfrm>
-          <a:off x="0" y="0"/>
-          <a:ext cx="0" cy="0"/>
-          <a:chOff x="0" y="0"/>
-          <a:chExt cx="0" cy="0"/>
-        </a:xfrm>
-      </p:grpSpPr>
-      <p:sp>
-        <p:nvSpPr>
-          <p:cNvPr id="2" name="Vertical Title 1"/>
-          <p:cNvSpPr>
-            <a:spLocks noGrp="1"/>
-          </p:cNvSpPr>
-          <p:nvPr>
-            <p:ph type="title" orient="vert"/>
-          </p:nvPr>
-        </p:nvSpPr>
-        <p:spPr>
-          <a:xfrm>
-            <a:off x="6629400" y="274638"/>
-            <a:ext cx="2057400" cy="5851525"/>
-          </a:xfrm>
-        </p:spPr>
-        <p:txBody>
-          <a:bodyPr vert="eaVert"/>
-          <a:lstStyle/>
-          <a:p>
-            <a:r>
-              <a:rPr lang="en-US"/>
-              <a:t>Click to edit Master title style</a:t>
-            </a:r>
-            <a:endParaRPr lang="ru-RU" dirty="0"/>
-          </a:p>
-        </p:txBody>
-      </p:sp>
-      <p:sp>
-        <p:nvSpPr>
-          <p:cNvPr id="3" name="Vertical Text Placeholder 2"/>
-          <p:cNvSpPr>
-            <a:spLocks noGrp="1"/>
-          </p:cNvSpPr>
-          <p:nvPr>
-            <p:ph type="body" orient="vert" idx="1"/>
-          </p:nvPr>
-        </p:nvSpPr>
-        <p:spPr>
-          <a:xfrm>
-            <a:off x="457200" y="274638"/>
-            <a:ext cx="6019800" cy="5851525"/>
-          </a:xfrm>
-        </p:spPr>
-        <p:txBody>
-          <a:bodyPr vert="eaVert"/>
-          <a:lstStyle/>
-          <a:p>
-            <a:pPr lvl="0"/>
-            <a:r>
-              <a:rPr lang="en-US"/>
-              <a:t>Click to edit Master text styles</a:t>
-            </a:r>
-          </a:p>
-          <a:p>
-            <a:pPr lvl="1"/>
-            <a:r>
-              <a:rPr lang="en-US"/>
-              <a:t>Second level</a:t>
-            </a:r>
-          </a:p>
-          <a:p>
-            <a:pPr lvl="2"/>
-            <a:r>
-              <a:rPr lang="en-US"/>
-              <a:t>Third level</a:t>
-            </a:r>
-          </a:p>
-          <a:p>
-            <a:pPr lvl="3"/>
-            <a:r>
-              <a:rPr lang="en-US"/>
-              <a:t>Fourth level</a:t>
-            </a:r>
-          </a:p>
-          <a:p>
-            <a:pPr lvl="4"/>
-            <a:r>
-              <a:rPr lang="en-US"/>
-              <a:t>Fifth level</a:t>
-            </a:r>
-            <a:endParaRPr lang="ru-RU" dirty="0"/>
-          </a:p>
-        </p:txBody>
-      </p:sp>
-    </p:spTree>
-    <p:extLst>
-      <p:ext uri="{BB962C8B-B14F-4D97-AF65-F5344CB8AC3E}">
-        <p14:creationId xmlns:p14="http://schemas.microsoft.com/office/powerpoint/2010/main" val="370514854"/>
-      </p:ext>
-    </p:extLst>
-  </p:cSld>
-  <p:clrMapOvr>
-    <a:masterClrMapping/>
-  </p:clrMapOvr>
-</p:sldLayout>
-</file>
-
-<file path=ppt/slideLayouts/slideLayout14.xml><?xml version="1.0" encoding="utf-8"?>
-<p:sldLayout xmlns:a="http://schemas.openxmlformats.org/drawingml/2006/main" xmlns:r="http://schemas.openxmlformats.org/officeDocument/2006/relationships" xmlns:p="http://schemas.openxmlformats.org/presentationml/2006/main" type="title">
-  <p:cSld name="2_Title Slide">
-    <p:spTree>
-      <p:nvGrpSpPr>
-        <p:cNvPr id="1" name=""/>
-        <p:cNvGrpSpPr/>
-        <p:nvPr/>
-      </p:nvGrpSpPr>
-      <p:grpSpPr>
-        <a:xfrm>
-          <a:off x="0" y="0"/>
-          <a:ext cx="0" cy="0"/>
-          <a:chOff x="0" y="0"/>
-          <a:chExt cx="0" cy="0"/>
-        </a:xfrm>
-      </p:grpSpPr>
-      <p:sp>
-        <p:nvSpPr>
-          <p:cNvPr id="2" name="Title 1"/>
-          <p:cNvSpPr>
-            <a:spLocks noGrp="1"/>
-          </p:cNvSpPr>
-          <p:nvPr>
-            <p:ph type="ctrTitle"/>
-          </p:nvPr>
-        </p:nvSpPr>
-        <p:spPr>
-          <a:xfrm>
-            <a:off x="685800" y="2130425"/>
-            <a:ext cx="7772400" cy="1470025"/>
-          </a:xfrm>
-        </p:spPr>
-        <p:txBody>
-          <a:bodyPr/>
-          <a:lstStyle/>
-          <a:p>
-            <a:r>
-              <a:rPr lang="en-US"/>
-              <a:t>Click to edit Master title style</a:t>
-            </a:r>
-            <a:endParaRPr lang="ru-RU"/>
-          </a:p>
-        </p:txBody>
-      </p:sp>
-      <p:sp>
-        <p:nvSpPr>
-          <p:cNvPr id="3" name="Subtitle 2"/>
-          <p:cNvSpPr>
-            <a:spLocks noGrp="1"/>
-          </p:cNvSpPr>
-          <p:nvPr>
-            <p:ph type="subTitle" idx="1"/>
-          </p:nvPr>
-        </p:nvSpPr>
-        <p:spPr>
-          <a:xfrm>
-            <a:off x="1371600" y="3886200"/>
-            <a:ext cx="6400800" cy="1752600"/>
-          </a:xfrm>
-        </p:spPr>
-        <p:txBody>
-          <a:bodyPr/>
-          <a:lstStyle>
-            <a:lvl1pPr marL="0" indent="0" algn="ctr">
-              <a:buNone/>
-              <a:defRPr>
-                <a:solidFill>
-                  <a:schemeClr val="tx1">
-                    <a:tint val="75000"/>
-                  </a:schemeClr>
-                </a:solidFill>
-              </a:defRPr>
-            </a:lvl1pPr>
-            <a:lvl2pPr marL="457200" indent="0" algn="ctr">
-              <a:buNone/>
-              <a:defRPr>
-                <a:solidFill>
-                  <a:schemeClr val="tx1">
-                    <a:tint val="75000"/>
-                  </a:schemeClr>
-                </a:solidFill>
-              </a:defRPr>
-            </a:lvl2pPr>
-            <a:lvl3pPr marL="914400" indent="0" algn="ctr">
-              <a:buNone/>
-              <a:defRPr>
-                <a:solidFill>
-                  <a:schemeClr val="tx1">
-                    <a:tint val="75000"/>
-                  </a:schemeClr>
-                </a:solidFill>
-              </a:defRPr>
-            </a:lvl3pPr>
-            <a:lvl4pPr marL="1371600" indent="0" algn="ctr">
-              <a:buNone/>
-              <a:defRPr>
-                <a:solidFill>
-                  <a:schemeClr val="tx1">
-                    <a:tint val="75000"/>
-                  </a:schemeClr>
-                </a:solidFill>
-              </a:defRPr>
-            </a:lvl4pPr>
-            <a:lvl5pPr marL="1828800" indent="0" algn="ctr">
-              <a:buNone/>
-              <a:defRPr>
-                <a:solidFill>
-                  <a:schemeClr val="tx1">
-                    <a:tint val="75000"/>
-                  </a:schemeClr>
-                </a:solidFill>
-              </a:defRPr>
-            </a:lvl5pPr>
-            <a:lvl6pPr marL="2286000" indent="0" algn="ctr">
-              <a:buNone/>
-              <a:defRPr>
-                <a:solidFill>
-                  <a:schemeClr val="tx1">
-                    <a:tint val="75000"/>
-                  </a:schemeClr>
-                </a:solidFill>
-              </a:defRPr>
-            </a:lvl6pPr>
-            <a:lvl7pPr marL="2743200" indent="0" algn="ctr">
-              <a:buNone/>
-              <a:defRPr>
-                <a:solidFill>
-                  <a:schemeClr val="tx1">
-                    <a:tint val="75000"/>
-                  </a:schemeClr>
-                </a:solidFill>
-              </a:defRPr>
-            </a:lvl7pPr>
-            <a:lvl8pPr marL="3200400" indent="0" algn="ctr">
-              <a:buNone/>
-              <a:defRPr>
-                <a:solidFill>
-                  <a:schemeClr val="tx1">
-                    <a:tint val="75000"/>
-                  </a:schemeClr>
-                </a:solidFill>
-              </a:defRPr>
-            </a:lvl8pPr>
-            <a:lvl9pPr marL="3657600" indent="0" algn="ctr">
-              <a:buNone/>
-              <a:defRPr>
-                <a:solidFill>
-                  <a:schemeClr val="tx1">
-                    <a:tint val="75000"/>
-                  </a:schemeClr>
-                </a:solidFill>
-              </a:defRPr>
-            </a:lvl9pPr>
-          </a:lstStyle>
-          <a:p>
-            <a:r>
-              <a:rPr lang="en-US"/>
-              <a:t>Click to edit Master subtitle style</a:t>
-            </a:r>
-            <a:endParaRPr lang="ru-RU"/>
-          </a:p>
-        </p:txBody>
-      </p:sp>
-      <p:sp>
-        <p:nvSpPr>
-          <p:cNvPr id="4" name="Date Placeholder 3"/>
-          <p:cNvSpPr>
-            <a:spLocks noGrp="1"/>
-          </p:cNvSpPr>
-          <p:nvPr>
-            <p:ph type="dt" sz="half" idx="10"/>
-          </p:nvPr>
-        </p:nvSpPr>
-        <p:spPr/>
-        <p:txBody>
-          <a:bodyPr/>
-          <a:lstStyle/>
-          <a:p>
-            <a:fld id="{8E6E6A2A-E9D3-4A0D-B04A-ABDD367A1E08}" type="datetimeFigureOut">
-              <a:rPr lang="ru-RU" smtClean="0"/>
-              <a:t>21.02.2019</a:t>
-            </a:fld>
-            <a:endParaRPr lang="ru-RU"/>
-          </a:p>
-        </p:txBody>
-      </p:sp>
-      <p:sp>
-        <p:nvSpPr>
-          <p:cNvPr id="5" name="Footer Placeholder 4"/>
-          <p:cNvSpPr>
-            <a:spLocks noGrp="1"/>
-          </p:cNvSpPr>
-          <p:nvPr>
-            <p:ph type="ftr" sz="quarter" idx="11"/>
-          </p:nvPr>
-        </p:nvSpPr>
-        <p:spPr/>
-        <p:txBody>
-          <a:bodyPr/>
-          <a:lstStyle/>
-          <a:p>
-            <a:endParaRPr lang="ru-RU"/>
-          </a:p>
-        </p:txBody>
-      </p:sp>
-      <p:sp>
-        <p:nvSpPr>
-          <p:cNvPr id="6" name="Slide Number Placeholder 5"/>
-          <p:cNvSpPr>
-            <a:spLocks noGrp="1"/>
-          </p:cNvSpPr>
-          <p:nvPr>
-            <p:ph type="sldNum" sz="quarter" idx="12"/>
-          </p:nvPr>
-        </p:nvSpPr>
-        <p:spPr/>
-        <p:txBody>
-          <a:bodyPr/>
-          <a:lstStyle/>
-          <a:p>
-            <a:fld id="{BC0D3D34-2E8A-4A38-B864-C677BA056495}" type="slidenum">
-              <a:rPr lang="ru-RU" smtClean="0"/>
-              <a:t>‹#›</a:t>
-            </a:fld>
-            <a:endParaRPr lang="ru-RU"/>
-          </a:p>
-        </p:txBody>
-      </p:sp>
-    </p:spTree>
-    <p:extLst>
-      <p:ext uri="{BB962C8B-B14F-4D97-AF65-F5344CB8AC3E}">
-        <p14:creationId xmlns:p14="http://schemas.microsoft.com/office/powerpoint/2010/main" val="4222294974"/>
-      </p:ext>
-    </p:extLst>
-  </p:cSld>
-  <p:clrMapOvr>
-    <a:masterClrMapping/>
-  </p:clrMapOvr>
-</p:sldLayout>
-</file>
-
-<file path=ppt/slideLayouts/slideLayout2.xml><?xml version="1.0" encoding="utf-8"?>
-<p:sldLayout xmlns:a="http://schemas.openxmlformats.org/drawingml/2006/main" xmlns:r="http://schemas.openxmlformats.org/officeDocument/2006/relationships" xmlns:p="http://schemas.openxmlformats.org/presentationml/2006/main" preserve="1" userDrawn="1">
-  <p:cSld name="1_Title Slide">
-    <p:spTree>
-      <p:nvGrpSpPr>
-        <p:cNvPr id="1" name=""/>
-        <p:cNvGrpSpPr/>
-        <p:nvPr/>
-      </p:nvGrpSpPr>
-      <p:grpSpPr>
-        <a:xfrm>
-          <a:off x="0" y="0"/>
-          <a:ext cx="0" cy="0"/>
-          <a:chOff x="0" y="0"/>
-          <a:chExt cx="0" cy="0"/>
-        </a:xfrm>
-      </p:grpSpPr>
-      <p:sp>
-        <p:nvSpPr>
-          <p:cNvPr id="9" name="TextBox 8"/>
-          <p:cNvSpPr txBox="1"/>
-          <p:nvPr userDrawn="1"/>
-        </p:nvSpPr>
-        <p:spPr>
-          <a:xfrm>
-            <a:off x="2774873" y="2528900"/>
-            <a:ext cx="4240263" cy="461665"/>
-          </a:xfrm>
-          <a:prstGeom prst="rect">
-            <a:avLst/>
-          </a:prstGeom>
-          <a:noFill/>
-        </p:spPr>
-        <p:txBody>
-          <a:bodyPr wrap="none" rtlCol="0">
-            <a:spAutoFit/>
-          </a:bodyPr>
-          <a:lstStyle/>
-          <a:p>
-            <a:r>
-              <a:rPr lang="ru-RU" sz="2400" dirty="0">
-                <a:solidFill>
-                  <a:schemeClr val="bg1"/>
-                </a:solidFill>
-              </a:rPr>
-              <a:t>Занятие №</a:t>
-            </a:r>
-            <a:r>
-              <a:rPr lang="en-US" sz="2400" dirty="0">
-                <a:solidFill>
-                  <a:schemeClr val="bg1"/>
-                </a:solidFill>
-              </a:rPr>
-              <a:t>2</a:t>
-            </a:r>
-            <a:r>
-              <a:rPr lang="ru-RU" sz="2400" dirty="0">
-                <a:solidFill>
-                  <a:schemeClr val="bg1"/>
-                </a:solidFill>
-              </a:rPr>
-              <a:t>. Название занятия</a:t>
-            </a:r>
-            <a:endParaRPr lang="en-US" sz="2400" dirty="0">
-              <a:solidFill>
-                <a:schemeClr val="bg1"/>
-              </a:solidFill>
-            </a:endParaRPr>
-          </a:p>
-        </p:txBody>
-      </p:sp>
-      <p:sp>
-        <p:nvSpPr>
-          <p:cNvPr id="7" name="Rectangle 6"/>
-          <p:cNvSpPr/>
-          <p:nvPr userDrawn="1"/>
-        </p:nvSpPr>
-        <p:spPr>
-          <a:xfrm>
-            <a:off x="143508" y="1304764"/>
-            <a:ext cx="8856984" cy="646331"/>
-          </a:xfrm>
-          <a:prstGeom prst="rect">
-            <a:avLst/>
-          </a:prstGeom>
-        </p:spPr>
-        <p:txBody>
-          <a:bodyPr wrap="square">
-            <a:spAutoFit/>
-          </a:bodyPr>
-          <a:lstStyle/>
-          <a:p>
-            <a:pPr algn="ctr"/>
-            <a:r>
-              <a:rPr lang="ru-RU" sz="3600" b="1" i="1" dirty="0">
-                <a:solidFill>
-                  <a:schemeClr val="bg1"/>
-                </a:solidFill>
-              </a:rPr>
-              <a:t>Основы программирования на </a:t>
-            </a:r>
-            <a:r>
-              <a:rPr lang="en-US" sz="3600" b="1" i="1" dirty="0">
-                <a:solidFill>
-                  <a:schemeClr val="bg1"/>
-                </a:solidFill>
-              </a:rPr>
-              <a:t>C#</a:t>
-            </a:r>
-            <a:endParaRPr lang="ru-RU" sz="3600" b="1" i="1" dirty="0">
-              <a:solidFill>
-                <a:schemeClr val="bg1"/>
-              </a:solidFill>
-            </a:endParaRPr>
-          </a:p>
-        </p:txBody>
-      </p:sp>
-      <p:pic>
-        <p:nvPicPr>
-          <p:cNvPr id="8" name="Picture 5"/>
-          <p:cNvPicPr>
-            <a:picLocks noChangeAspect="1" noChangeArrowheads="1"/>
-          </p:cNvPicPr>
-          <p:nvPr userDrawn="1"/>
-        </p:nvPicPr>
-        <p:blipFill>
-          <a:blip r:embed="rId2">
-            <a:extLst>
-              <a:ext uri="{28A0092B-C50C-407E-A947-70E740481C1C}">
-                <a14:useLocalDpi xmlns:a14="http://schemas.microsoft.com/office/drawing/2010/main" val="0"/>
-              </a:ext>
-            </a:extLst>
-          </a:blip>
-          <a:srcRect/>
-          <a:stretch>
-            <a:fillRect/>
-          </a:stretch>
-        </p:blipFill>
-        <p:spPr bwMode="auto">
-          <a:xfrm>
-            <a:off x="1638300" y="3829211"/>
-            <a:ext cx="5867400" cy="1724025"/>
-          </a:xfrm>
-          <a:prstGeom prst="rect">
-            <a:avLst/>
-          </a:prstGeom>
-          <a:noFill/>
-          <a:ln>
-            <a:noFill/>
-          </a:ln>
-          <a:effectLst/>
-          <a:extLst>
-            <a:ext uri="{909E8E84-426E-40DD-AFC4-6F175D3DCCD1}">
-              <a14:hiddenFill xmlns:a14="http://schemas.microsoft.com/office/drawing/2010/main">
-                <a:solidFill>
-                  <a:schemeClr val="accent1"/>
-                </a:solidFill>
-              </a14:hiddenFill>
-            </a:ext>
-            <a:ext uri="{91240B29-F687-4F45-9708-019B960494DF}">
-              <a14:hiddenLine xmlns:a14="http://schemas.microsoft.com/office/drawing/2010/main" w="9525">
-                <a:solidFill>
-                  <a:schemeClr val="tx1"/>
-                </a:solidFill>
-                <a:miter lim="800000"/>
-                <a:headEnd/>
-                <a:tailEnd/>
-              </a14:hiddenLine>
-            </a:ext>
-            <a:ext uri="{AF507438-7753-43E0-B8FC-AC1667EBCBE1}">
-              <a14:hiddenEffects xmlns:a14="http://schemas.microsoft.com/office/drawing/2010/main">
-                <a:effectLst>
-                  <a:outerShdw dist="35921" dir="2700000" algn="ctr" rotWithShape="0">
-                    <a:schemeClr val="bg2"/>
-                  </a:outerShdw>
-                </a:effectLst>
-              </a14:hiddenEffects>
-            </a:ext>
-          </a:extLst>
-        </p:spPr>
-      </p:pic>
-    </p:spTree>
-    <p:extLst>
-      <p:ext uri="{BB962C8B-B14F-4D97-AF65-F5344CB8AC3E}">
-        <p14:creationId xmlns:p14="http://schemas.microsoft.com/office/powerpoint/2010/main" val="3296324981"/>
-      </p:ext>
-    </p:extLst>
-  </p:cSld>
-  <p:clrMapOvr>
-    <a:masterClrMapping/>
-  </p:clrMapOvr>
-</p:sldLayout>
-</file>
-
-<file path=ppt/slideLayouts/slideLayout3.xml><?xml version="1.0" encoding="utf-8"?>
-<p:sldLayout xmlns:a="http://schemas.openxmlformats.org/drawingml/2006/main" xmlns:r="http://schemas.openxmlformats.org/officeDocument/2006/relationships" xmlns:p="http://schemas.openxmlformats.org/presentationml/2006/main" type="obj" preserve="1">
-  <p:cSld name="Title and Content">
-    <p:spTree>
-      <p:nvGrpSpPr>
-        <p:cNvPr id="1" name=""/>
-        <p:cNvGrpSpPr/>
-        <p:nvPr/>
-      </p:nvGrpSpPr>
-      <p:grpSpPr>
-        <a:xfrm>
-          <a:off x="0" y="0"/>
-          <a:ext cx="0" cy="0"/>
-          <a:chOff x="0" y="0"/>
-          <a:chExt cx="0" cy="0"/>
-        </a:xfrm>
-      </p:grpSpPr>
-      <p:sp>
-        <p:nvSpPr>
-          <p:cNvPr id="2" name="Title 1"/>
-          <p:cNvSpPr>
-            <a:spLocks noGrp="1"/>
-          </p:cNvSpPr>
-          <p:nvPr>
-            <p:ph type="title"/>
-          </p:nvPr>
-        </p:nvSpPr>
-        <p:spPr/>
-        <p:txBody>
-          <a:bodyPr/>
-          <a:lstStyle/>
-          <a:p>
-            <a:r>
-              <a:rPr lang="en-US"/>
-              <a:t>Click to edit Master title style</a:t>
-            </a:r>
-            <a:endParaRPr lang="ru-RU" dirty="0"/>
-          </a:p>
-        </p:txBody>
-      </p:sp>
-      <p:sp>
-        <p:nvSpPr>
-          <p:cNvPr id="3" name="Content Placeholder 2"/>
-          <p:cNvSpPr>
-            <a:spLocks noGrp="1"/>
-          </p:cNvSpPr>
-          <p:nvPr>
-            <p:ph idx="1"/>
-          </p:nvPr>
-        </p:nvSpPr>
-        <p:spPr/>
-        <p:txBody>
-          <a:bodyPr/>
-          <a:lstStyle/>
-          <a:p>
-            <a:pPr lvl="0"/>
-            <a:r>
-              <a:rPr lang="en-US"/>
-              <a:t>Click to edit Master text styles</a:t>
-            </a:r>
-          </a:p>
-          <a:p>
-            <a:pPr lvl="1"/>
-            <a:r>
-              <a:rPr lang="en-US"/>
-              <a:t>Second level</a:t>
-            </a:r>
-          </a:p>
-          <a:p>
-            <a:pPr lvl="2"/>
-            <a:r>
-              <a:rPr lang="en-US"/>
-              <a:t>Third level</a:t>
-            </a:r>
-          </a:p>
-          <a:p>
-            <a:pPr lvl="3"/>
-            <a:r>
-              <a:rPr lang="en-US"/>
-              <a:t>Fourth level</a:t>
-            </a:r>
-          </a:p>
-          <a:p>
-            <a:pPr lvl="4"/>
-            <a:r>
-              <a:rPr lang="en-US"/>
-              <a:t>Fifth level</a:t>
-            </a:r>
-            <a:endParaRPr lang="ru-RU" dirty="0"/>
-          </a:p>
-        </p:txBody>
-      </p:sp>
-    </p:spTree>
-    <p:extLst>
-      <p:ext uri="{BB962C8B-B14F-4D97-AF65-F5344CB8AC3E}">
-        <p14:creationId xmlns:p14="http://schemas.microsoft.com/office/powerpoint/2010/main" val="3363467697"/>
-      </p:ext>
-    </p:extLst>
-  </p:cSld>
-  <p:clrMapOvr>
-    <a:masterClrMapping/>
-  </p:clrMapOvr>
-</p:sldLayout>
-</file>
-
-<file path=ppt/slideLayouts/slideLayout4.xml><?xml version="1.0" encoding="utf-8"?>
-<p:sldLayout xmlns:a="http://schemas.openxmlformats.org/drawingml/2006/main" xmlns:r="http://schemas.openxmlformats.org/officeDocument/2006/relationships" xmlns:p="http://schemas.openxmlformats.org/presentationml/2006/main" type="secHead" preserve="1">
-  <p:cSld name="Section Header">
-    <p:spTree>
-      <p:nvGrpSpPr>
-        <p:cNvPr id="1" name=""/>
-        <p:cNvGrpSpPr/>
-        <p:nvPr/>
-      </p:nvGrpSpPr>
-      <p:grpSpPr>
-        <a:xfrm>
-          <a:off x="0" y="0"/>
-          <a:ext cx="0" cy="0"/>
-          <a:chOff x="0" y="0"/>
-          <a:chExt cx="0" cy="0"/>
-        </a:xfrm>
-      </p:grpSpPr>
-      <p:sp>
-        <p:nvSpPr>
-          <p:cNvPr id="2" name="Title 1"/>
-          <p:cNvSpPr>
-            <a:spLocks noGrp="1"/>
-          </p:cNvSpPr>
-          <p:nvPr>
-            <p:ph type="title"/>
-          </p:nvPr>
-        </p:nvSpPr>
-        <p:spPr>
-          <a:xfrm>
-            <a:off x="722313" y="4406900"/>
-            <a:ext cx="7772400" cy="1362075"/>
-          </a:xfrm>
-        </p:spPr>
-        <p:txBody>
-          <a:bodyPr anchor="t"/>
-          <a:lstStyle>
-            <a:lvl1pPr algn="l">
-              <a:defRPr sz="4000" b="1" cap="all"/>
-            </a:lvl1pPr>
-          </a:lstStyle>
-          <a:p>
-            <a:r>
-              <a:rPr lang="en-US"/>
-              <a:t>Click to edit Master title style</a:t>
-            </a:r>
-            <a:endParaRPr lang="ru-RU" dirty="0"/>
-          </a:p>
-        </p:txBody>
-      </p:sp>
-      <p:sp>
-        <p:nvSpPr>
-          <p:cNvPr id="3" name="Text Placeholder 2"/>
-          <p:cNvSpPr>
-            <a:spLocks noGrp="1"/>
-          </p:cNvSpPr>
-          <p:nvPr>
-            <p:ph type="body" idx="1"/>
-          </p:nvPr>
-        </p:nvSpPr>
-        <p:spPr>
-          <a:xfrm>
-            <a:off x="722313" y="2906713"/>
-            <a:ext cx="7772400" cy="1500187"/>
-          </a:xfrm>
-        </p:spPr>
-        <p:txBody>
-          <a:bodyPr anchor="b"/>
-          <a:lstStyle>
-            <a:lvl1pPr marL="0" indent="0">
-              <a:buNone/>
-              <a:defRPr sz="2000">
-                <a:solidFill>
-                  <a:schemeClr val="tx1">
-                    <a:tint val="75000"/>
-                  </a:schemeClr>
-                </a:solidFill>
-              </a:defRPr>
-            </a:lvl1pPr>
-            <a:lvl2pPr marL="457200" indent="0">
-              <a:buNone/>
-              <a:defRPr sz="1800">
-                <a:solidFill>
-                  <a:schemeClr val="tx1">
-                    <a:tint val="75000"/>
-                  </a:schemeClr>
-                </a:solidFill>
-              </a:defRPr>
-            </a:lvl2pPr>
-            <a:lvl3pPr marL="914400" indent="0">
-              <a:buNone/>
-              <a:defRPr sz="1600">
-                <a:solidFill>
-                  <a:schemeClr val="tx1">
-                    <a:tint val="75000"/>
-                  </a:schemeClr>
-                </a:solidFill>
-              </a:defRPr>
-            </a:lvl3pPr>
-            <a:lvl4pPr marL="1371600" indent="0">
-              <a:buNone/>
-              <a:defRPr sz="1400">
-                <a:solidFill>
-                  <a:schemeClr val="tx1">
-                    <a:tint val="75000"/>
-                  </a:schemeClr>
-                </a:solidFill>
-              </a:defRPr>
-            </a:lvl4pPr>
-            <a:lvl5pPr marL="1828800" indent="0">
-              <a:buNone/>
-              <a:defRPr sz="1400">
-                <a:solidFill>
-                  <a:schemeClr val="tx1">
-                    <a:tint val="75000"/>
-                  </a:schemeClr>
-                </a:solidFill>
-              </a:defRPr>
-            </a:lvl5pPr>
-            <a:lvl6pPr marL="2286000" indent="0">
-              <a:buNone/>
-              <a:defRPr sz="1400">
-                <a:solidFill>
-                  <a:schemeClr val="tx1">
-                    <a:tint val="75000"/>
-                  </a:schemeClr>
-                </a:solidFill>
-              </a:defRPr>
-            </a:lvl6pPr>
-            <a:lvl7pPr marL="2743200" indent="0">
-              <a:buNone/>
-              <a:defRPr sz="1400">
-                <a:solidFill>
-                  <a:schemeClr val="tx1">
-                    <a:tint val="75000"/>
-                  </a:schemeClr>
-                </a:solidFill>
-              </a:defRPr>
-            </a:lvl7pPr>
-            <a:lvl8pPr marL="3200400" indent="0">
-              <a:buNone/>
-              <a:defRPr sz="1400">
-                <a:solidFill>
-                  <a:schemeClr val="tx1">
-                    <a:tint val="75000"/>
-                  </a:schemeClr>
-                </a:solidFill>
-              </a:defRPr>
-            </a:lvl8pPr>
-            <a:lvl9pPr marL="3657600" indent="0">
-              <a:buNone/>
-              <a:defRPr sz="1400">
-                <a:solidFill>
-                  <a:schemeClr val="tx1">
-                    <a:tint val="75000"/>
-                  </a:schemeClr>
-                </a:solidFill>
-              </a:defRPr>
-            </a:lvl9pPr>
-          </a:lstStyle>
-          <a:p>
-            <a:pPr lvl="0"/>
-            <a:r>
-              <a:rPr lang="en-US"/>
-              <a:t>Click to edit Master text styles</a:t>
-            </a:r>
-          </a:p>
-        </p:txBody>
-      </p:sp>
-    </p:spTree>
-    <p:extLst>
-      <p:ext uri="{BB962C8B-B14F-4D97-AF65-F5344CB8AC3E}">
-        <p14:creationId xmlns:p14="http://schemas.microsoft.com/office/powerpoint/2010/main" val="1627150216"/>
-      </p:ext>
-    </p:extLst>
-  </p:cSld>
-  <p:clrMapOvr>
-    <a:masterClrMapping/>
-  </p:clrMapOvr>
-</p:sldLayout>
-</file>
-
-<file path=ppt/slideLayouts/slideLayout5.xml><?xml version="1.0" encoding="utf-8"?>
-<p:sldLayout xmlns:a="http://schemas.openxmlformats.org/drawingml/2006/main" xmlns:r="http://schemas.openxmlformats.org/officeDocument/2006/relationships" xmlns:p="http://schemas.openxmlformats.org/presentationml/2006/main" type="twoObj" preserve="1">
-  <p:cSld name="Two Content">
-    <p:spTree>
-      <p:nvGrpSpPr>
-        <p:cNvPr id="1" name=""/>
-        <p:cNvGrpSpPr/>
-        <p:nvPr/>
-      </p:nvGrpSpPr>
-      <p:grpSpPr>
-        <a:xfrm>
-          <a:off x="0" y="0"/>
-          <a:ext cx="0" cy="0"/>
-          <a:chOff x="0" y="0"/>
-          <a:chExt cx="0" cy="0"/>
-        </a:xfrm>
-      </p:grpSpPr>
-      <p:sp>
-        <p:nvSpPr>
-          <p:cNvPr id="2" name="Title 1"/>
-          <p:cNvSpPr>
-            <a:spLocks noGrp="1"/>
-          </p:cNvSpPr>
-          <p:nvPr>
-            <p:ph type="title"/>
-          </p:nvPr>
-        </p:nvSpPr>
-        <p:spPr/>
-        <p:txBody>
-          <a:bodyPr/>
-          <a:lstStyle/>
-          <a:p>
-            <a:r>
-              <a:rPr lang="en-US"/>
-              <a:t>Click to edit Master title style</a:t>
-            </a:r>
-            <a:endParaRPr lang="ru-RU" dirty="0"/>
-          </a:p>
-        </p:txBody>
-      </p:sp>
-      <p:sp>
-        <p:nvSpPr>
-          <p:cNvPr id="3" name="Content Placeholder 2"/>
-          <p:cNvSpPr>
-            <a:spLocks noGrp="1"/>
-          </p:cNvSpPr>
-          <p:nvPr>
-            <p:ph sz="half" idx="1"/>
-          </p:nvPr>
-        </p:nvSpPr>
-        <p:spPr>
-          <a:xfrm>
-            <a:off x="457200" y="1600200"/>
-            <a:ext cx="4038600" cy="4525963"/>
-          </a:xfrm>
-        </p:spPr>
-        <p:txBody>
-          <a:bodyPr/>
-          <a:lstStyle>
-            <a:lvl1pPr>
-              <a:defRPr sz="2800"/>
-            </a:lvl1pPr>
-            <a:lvl2pPr>
-              <a:defRPr sz="2400"/>
-            </a:lvl2pPr>
-            <a:lvl3pPr>
-              <a:defRPr sz="2000"/>
-            </a:lvl3pPr>
-            <a:lvl4pPr>
-              <a:defRPr sz="1800"/>
-            </a:lvl4pPr>
-            <a:lvl5pPr>
-              <a:defRPr sz="1800"/>
-            </a:lvl5pPr>
-            <a:lvl6pPr>
-              <a:defRPr sz="1800"/>
-            </a:lvl6pPr>
-            <a:lvl7pPr>
-              <a:defRPr sz="1800"/>
-            </a:lvl7pPr>
-            <a:lvl8pPr>
-              <a:defRPr sz="1800"/>
-            </a:lvl8pPr>
-            <a:lvl9pPr>
-              <a:defRPr sz="1800"/>
-            </a:lvl9pPr>
-          </a:lstStyle>
-          <a:p>
-            <a:pPr lvl="0"/>
-            <a:r>
-              <a:rPr lang="en-US"/>
-              <a:t>Click to edit Master text styles</a:t>
-            </a:r>
-          </a:p>
-          <a:p>
-            <a:pPr lvl="1"/>
-            <a:r>
-              <a:rPr lang="en-US"/>
-              <a:t>Second level</a:t>
-            </a:r>
-          </a:p>
-          <a:p>
-            <a:pPr lvl="2"/>
-            <a:r>
-              <a:rPr lang="en-US"/>
-              <a:t>Third level</a:t>
-            </a:r>
-          </a:p>
-          <a:p>
-            <a:pPr lvl="3"/>
-            <a:r>
-              <a:rPr lang="en-US"/>
-              <a:t>Fourth level</a:t>
-            </a:r>
-          </a:p>
-          <a:p>
-            <a:pPr lvl="4"/>
-            <a:r>
-              <a:rPr lang="en-US"/>
-              <a:t>Fifth level</a:t>
-            </a:r>
-            <a:endParaRPr lang="ru-RU" dirty="0"/>
-          </a:p>
-        </p:txBody>
-      </p:sp>
-      <p:sp>
-        <p:nvSpPr>
-          <p:cNvPr id="4" name="Content Placeholder 3"/>
-          <p:cNvSpPr>
-            <a:spLocks noGrp="1"/>
-          </p:cNvSpPr>
-          <p:nvPr>
-            <p:ph sz="half" idx="2"/>
-          </p:nvPr>
-        </p:nvSpPr>
-        <p:spPr>
-          <a:xfrm>
-            <a:off x="4648200" y="1600200"/>
-            <a:ext cx="4038600" cy="4525963"/>
-          </a:xfrm>
-        </p:spPr>
-        <p:txBody>
-          <a:bodyPr/>
-          <a:lstStyle>
-            <a:lvl1pPr>
-              <a:defRPr sz="2800"/>
-            </a:lvl1pPr>
-            <a:lvl2pPr>
-              <a:defRPr sz="2400"/>
-            </a:lvl2pPr>
-            <a:lvl3pPr>
-              <a:defRPr sz="2000"/>
-            </a:lvl3pPr>
-            <a:lvl4pPr>
-              <a:defRPr sz="1800"/>
-            </a:lvl4pPr>
-            <a:lvl5pPr>
-              <a:defRPr sz="1800"/>
-            </a:lvl5pPr>
-            <a:lvl6pPr>
-              <a:defRPr sz="1800"/>
-            </a:lvl6pPr>
-            <a:lvl7pPr>
-              <a:defRPr sz="1800"/>
-            </a:lvl7pPr>
-            <a:lvl8pPr>
-              <a:defRPr sz="1800"/>
-            </a:lvl8pPr>
-            <a:lvl9pPr>
-              <a:defRPr sz="1800"/>
-            </a:lvl9pPr>
-          </a:lstStyle>
-          <a:p>
-            <a:pPr lvl="0"/>
-            <a:r>
-              <a:rPr lang="en-US"/>
-              <a:t>Click to edit Master text styles</a:t>
-            </a:r>
-          </a:p>
-          <a:p>
-            <a:pPr lvl="1"/>
-            <a:r>
-              <a:rPr lang="en-US"/>
-              <a:t>Second level</a:t>
-            </a:r>
-          </a:p>
-          <a:p>
-            <a:pPr lvl="2"/>
-            <a:r>
-              <a:rPr lang="en-US"/>
-              <a:t>Third level</a:t>
-            </a:r>
-          </a:p>
-          <a:p>
-            <a:pPr lvl="3"/>
-            <a:r>
-              <a:rPr lang="en-US"/>
-              <a:t>Fourth level</a:t>
-            </a:r>
-          </a:p>
-          <a:p>
-            <a:pPr lvl="4"/>
-            <a:r>
-              <a:rPr lang="en-US"/>
-              <a:t>Fifth level</a:t>
-            </a:r>
-            <a:endParaRPr lang="ru-RU" dirty="0"/>
-          </a:p>
-        </p:txBody>
-      </p:sp>
-    </p:spTree>
-    <p:extLst>
-      <p:ext uri="{BB962C8B-B14F-4D97-AF65-F5344CB8AC3E}">
-        <p14:creationId xmlns:p14="http://schemas.microsoft.com/office/powerpoint/2010/main" val="1026234569"/>
-      </p:ext>
-    </p:extLst>
-  </p:cSld>
-  <p:clrMapOvr>
-    <a:masterClrMapping/>
-  </p:clrMapOvr>
-</p:sldLayout>
-</file>
-
-<file path=ppt/slideLayouts/slideLayout6.xml><?xml version="1.0" encoding="utf-8"?>
-<p:sldLayout xmlns:a="http://schemas.openxmlformats.org/drawingml/2006/main" xmlns:r="http://schemas.openxmlformats.org/officeDocument/2006/relationships" xmlns:p="http://schemas.openxmlformats.org/presentationml/2006/main" type="twoTxTwoObj" preserve="1">
-  <p:cSld name="Comparison">
-    <p:spTree>
-      <p:nvGrpSpPr>
-        <p:cNvPr id="1" name=""/>
-        <p:cNvGrpSpPr/>
-        <p:nvPr/>
-      </p:nvGrpSpPr>
-      <p:grpSpPr>
-        <a:xfrm>
-          <a:off x="0" y="0"/>
-          <a:ext cx="0" cy="0"/>
-          <a:chOff x="0" y="0"/>
-          <a:chExt cx="0" cy="0"/>
-        </a:xfrm>
-      </p:grpSpPr>
-      <p:sp>
-        <p:nvSpPr>
-          <p:cNvPr id="2" name="Title 1"/>
-          <p:cNvSpPr>
-            <a:spLocks noGrp="1"/>
-          </p:cNvSpPr>
-          <p:nvPr>
-            <p:ph type="title"/>
-          </p:nvPr>
-        </p:nvSpPr>
-        <p:spPr/>
-        <p:txBody>
-          <a:bodyPr/>
-          <a:lstStyle>
-            <a:lvl1pPr>
-              <a:defRPr/>
-            </a:lvl1pPr>
-          </a:lstStyle>
-          <a:p>
-            <a:r>
-              <a:rPr lang="en-US"/>
-              <a:t>Click to edit Master title style</a:t>
-            </a:r>
-            <a:endParaRPr lang="ru-RU" dirty="0"/>
-          </a:p>
-        </p:txBody>
-      </p:sp>
-      <p:sp>
-        <p:nvSpPr>
-          <p:cNvPr id="3" name="Text Placeholder 2"/>
-          <p:cNvSpPr>
-            <a:spLocks noGrp="1"/>
-          </p:cNvSpPr>
-          <p:nvPr>
-            <p:ph type="body" idx="1"/>
-          </p:nvPr>
-        </p:nvSpPr>
-        <p:spPr>
-          <a:xfrm>
-            <a:off x="457200" y="1535113"/>
-            <a:ext cx="4040188" cy="639762"/>
-          </a:xfrm>
-        </p:spPr>
-        <p:txBody>
-          <a:bodyPr anchor="b"/>
-          <a:lstStyle>
-            <a:lvl1pPr marL="0" indent="0">
-              <a:buNone/>
-              <a:defRPr sz="2400" b="1"/>
-            </a:lvl1pPr>
-            <a:lvl2pPr marL="457200" indent="0">
-              <a:buNone/>
-              <a:defRPr sz="2000" b="1"/>
-            </a:lvl2pPr>
-            <a:lvl3pPr marL="914400" indent="0">
-              <a:buNone/>
-              <a:defRPr sz="1800" b="1"/>
-            </a:lvl3pPr>
-            <a:lvl4pPr marL="1371600" indent="0">
-              <a:buNone/>
-              <a:defRPr sz="1600" b="1"/>
-            </a:lvl4pPr>
-            <a:lvl5pPr marL="1828800" indent="0">
-              <a:buNone/>
-              <a:defRPr sz="1600" b="1"/>
-            </a:lvl5pPr>
-            <a:lvl6pPr marL="2286000" indent="0">
-              <a:buNone/>
-              <a:defRPr sz="1600" b="1"/>
-            </a:lvl6pPr>
-            <a:lvl7pPr marL="2743200" indent="0">
-              <a:buNone/>
-              <a:defRPr sz="1600" b="1"/>
-            </a:lvl7pPr>
-            <a:lvl8pPr marL="3200400" indent="0">
-              <a:buNone/>
-              <a:defRPr sz="1600" b="1"/>
-            </a:lvl8pPr>
-            <a:lvl9pPr marL="3657600" indent="0">
-              <a:buNone/>
-              <a:defRPr sz="1600" b="1"/>
-            </a:lvl9pPr>
-          </a:lstStyle>
-          <a:p>
-            <a:pPr lvl="0"/>
-            <a:r>
-              <a:rPr lang="en-US"/>
-              <a:t>Click to edit Master text styles</a:t>
-            </a:r>
-          </a:p>
-        </p:txBody>
-      </p:sp>
-      <p:sp>
-        <p:nvSpPr>
-          <p:cNvPr id="4" name="Content Placeholder 3"/>
-          <p:cNvSpPr>
-            <a:spLocks noGrp="1"/>
-          </p:cNvSpPr>
-          <p:nvPr>
-            <p:ph sz="half" idx="2"/>
-          </p:nvPr>
-        </p:nvSpPr>
-        <p:spPr>
-          <a:xfrm>
-            <a:off x="457200" y="2174875"/>
-            <a:ext cx="4040188" cy="3951288"/>
-          </a:xfrm>
-        </p:spPr>
-        <p:txBody>
-          <a:bodyPr/>
-          <a:lstStyle>
-            <a:lvl1pPr>
-              <a:defRPr sz="2400"/>
-            </a:lvl1pPr>
-            <a:lvl2pPr>
-              <a:defRPr sz="2000"/>
-            </a:lvl2pPr>
-            <a:lvl3pPr>
-              <a:defRPr sz="1800"/>
-            </a:lvl3pPr>
-            <a:lvl4pPr>
-              <a:defRPr sz="1600"/>
-            </a:lvl4pPr>
-            <a:lvl5pPr>
-              <a:defRPr sz="1600"/>
-            </a:lvl5pPr>
-            <a:lvl6pPr>
-              <a:defRPr sz="1600"/>
-            </a:lvl6pPr>
-            <a:lvl7pPr>
-              <a:defRPr sz="1600"/>
-            </a:lvl7pPr>
-            <a:lvl8pPr>
-              <a:defRPr sz="1600"/>
-            </a:lvl8pPr>
-            <a:lvl9pPr>
-              <a:defRPr sz="1600"/>
-            </a:lvl9pPr>
-          </a:lstStyle>
-          <a:p>
-            <a:pPr lvl="0"/>
-            <a:r>
-              <a:rPr lang="en-US"/>
-              <a:t>Click to edit Master text styles</a:t>
-            </a:r>
-          </a:p>
-          <a:p>
-            <a:pPr lvl="1"/>
-            <a:r>
-              <a:rPr lang="en-US"/>
-              <a:t>Second level</a:t>
-            </a:r>
-          </a:p>
-          <a:p>
-            <a:pPr lvl="2"/>
-            <a:r>
-              <a:rPr lang="en-US"/>
-              <a:t>Third level</a:t>
-            </a:r>
-          </a:p>
-          <a:p>
-            <a:pPr lvl="3"/>
-            <a:r>
-              <a:rPr lang="en-US"/>
-              <a:t>Fourth level</a:t>
-            </a:r>
-          </a:p>
-          <a:p>
-            <a:pPr lvl="4"/>
-            <a:r>
-              <a:rPr lang="en-US"/>
-              <a:t>Fifth level</a:t>
-            </a:r>
-            <a:endParaRPr lang="ru-RU" dirty="0"/>
-          </a:p>
-        </p:txBody>
-      </p:sp>
-      <p:sp>
-        <p:nvSpPr>
-          <p:cNvPr id="5" name="Text Placeholder 4"/>
-          <p:cNvSpPr>
-            <a:spLocks noGrp="1"/>
-          </p:cNvSpPr>
-          <p:nvPr>
-            <p:ph type="body" sz="quarter" idx="3"/>
-          </p:nvPr>
-        </p:nvSpPr>
-        <p:spPr>
-          <a:xfrm>
-            <a:off x="4645025" y="1535113"/>
-            <a:ext cx="4041775" cy="639762"/>
-          </a:xfrm>
-        </p:spPr>
-        <p:txBody>
-          <a:bodyPr anchor="b"/>
-          <a:lstStyle>
-            <a:lvl1pPr marL="0" indent="0">
-              <a:buNone/>
-              <a:defRPr sz="2400" b="1"/>
-            </a:lvl1pPr>
-            <a:lvl2pPr marL="457200" indent="0">
-              <a:buNone/>
-              <a:defRPr sz="2000" b="1"/>
-            </a:lvl2pPr>
-            <a:lvl3pPr marL="914400" indent="0">
-              <a:buNone/>
-              <a:defRPr sz="1800" b="1"/>
-            </a:lvl3pPr>
-            <a:lvl4pPr marL="1371600" indent="0">
-              <a:buNone/>
-              <a:defRPr sz="1600" b="1"/>
-            </a:lvl4pPr>
-            <a:lvl5pPr marL="1828800" indent="0">
-              <a:buNone/>
-              <a:defRPr sz="1600" b="1"/>
-            </a:lvl5pPr>
-            <a:lvl6pPr marL="2286000" indent="0">
-              <a:buNone/>
-              <a:defRPr sz="1600" b="1"/>
-            </a:lvl6pPr>
-            <a:lvl7pPr marL="2743200" indent="0">
-              <a:buNone/>
-              <a:defRPr sz="1600" b="1"/>
-            </a:lvl7pPr>
-            <a:lvl8pPr marL="3200400" indent="0">
-              <a:buNone/>
-              <a:defRPr sz="1600" b="1"/>
-            </a:lvl8pPr>
-            <a:lvl9pPr marL="3657600" indent="0">
-              <a:buNone/>
-              <a:defRPr sz="1600" b="1"/>
-            </a:lvl9pPr>
-          </a:lstStyle>
-          <a:p>
-            <a:pPr lvl="0"/>
-            <a:r>
-              <a:rPr lang="en-US"/>
-              <a:t>Click to edit Master text styles</a:t>
-            </a:r>
-          </a:p>
-        </p:txBody>
-      </p:sp>
-      <p:sp>
-        <p:nvSpPr>
-          <p:cNvPr id="6" name="Content Placeholder 5"/>
-          <p:cNvSpPr>
-            <a:spLocks noGrp="1"/>
-          </p:cNvSpPr>
-          <p:nvPr>
-            <p:ph sz="quarter" idx="4"/>
-          </p:nvPr>
-        </p:nvSpPr>
-        <p:spPr>
-          <a:xfrm>
-            <a:off x="4645025" y="2174875"/>
-            <a:ext cx="4041775" cy="3951288"/>
-          </a:xfrm>
-        </p:spPr>
-        <p:txBody>
-          <a:bodyPr/>
-          <a:lstStyle>
-            <a:lvl1pPr>
-              <a:defRPr sz="2400"/>
-            </a:lvl1pPr>
-            <a:lvl2pPr>
-              <a:defRPr sz="2000"/>
-            </a:lvl2pPr>
-            <a:lvl3pPr>
-              <a:defRPr sz="1800"/>
-            </a:lvl3pPr>
-            <a:lvl4pPr>
-              <a:defRPr sz="1600"/>
-            </a:lvl4pPr>
-            <a:lvl5pPr>
-              <a:defRPr sz="1600"/>
-            </a:lvl5pPr>
-            <a:lvl6pPr>
-              <a:defRPr sz="1600"/>
-            </a:lvl6pPr>
-            <a:lvl7pPr>
-              <a:defRPr sz="1600"/>
-            </a:lvl7pPr>
-            <a:lvl8pPr>
-              <a:defRPr sz="1600"/>
-            </a:lvl8pPr>
-            <a:lvl9pPr>
-              <a:defRPr sz="1600"/>
-            </a:lvl9pPr>
-          </a:lstStyle>
-          <a:p>
-            <a:pPr lvl="0"/>
-            <a:r>
-              <a:rPr lang="en-US"/>
-              <a:t>Click to edit Master text styles</a:t>
-            </a:r>
-          </a:p>
-          <a:p>
-            <a:pPr lvl="1"/>
-            <a:r>
-              <a:rPr lang="en-US"/>
-              <a:t>Second level</a:t>
-            </a:r>
-          </a:p>
-          <a:p>
-            <a:pPr lvl="2"/>
-            <a:r>
-              <a:rPr lang="en-US"/>
-              <a:t>Third level</a:t>
-            </a:r>
-          </a:p>
-          <a:p>
-            <a:pPr lvl="3"/>
-            <a:r>
-              <a:rPr lang="en-US"/>
-              <a:t>Fourth level</a:t>
-            </a:r>
-          </a:p>
-          <a:p>
-            <a:pPr lvl="4"/>
-            <a:r>
-              <a:rPr lang="en-US"/>
-              <a:t>Fifth level</a:t>
-            </a:r>
-            <a:endParaRPr lang="ru-RU" dirty="0"/>
-          </a:p>
-        </p:txBody>
-      </p:sp>
-    </p:spTree>
-    <p:extLst>
-      <p:ext uri="{BB962C8B-B14F-4D97-AF65-F5344CB8AC3E}">
-        <p14:creationId xmlns:p14="http://schemas.microsoft.com/office/powerpoint/2010/main" val="4044979405"/>
-      </p:ext>
-    </p:extLst>
-  </p:cSld>
-  <p:clrMapOvr>
-    <a:masterClrMapping/>
-  </p:clrMapOvr>
-</p:sldLayout>
-</file>
-
-<file path=ppt/slideLayouts/slideLayout7.xml><?xml version="1.0" encoding="utf-8"?>
-<p:sldLayout xmlns:a="http://schemas.openxmlformats.org/drawingml/2006/main" xmlns:r="http://schemas.openxmlformats.org/officeDocument/2006/relationships" xmlns:p="http://schemas.openxmlformats.org/presentationml/2006/main" type="titleOnly" preserve="1">
-  <p:cSld name="Title Only">
-    <p:spTree>
-      <p:nvGrpSpPr>
-        <p:cNvPr id="1" name=""/>
-        <p:cNvGrpSpPr/>
-        <p:nvPr/>
-      </p:nvGrpSpPr>
-      <p:grpSpPr>
-        <a:xfrm>
-          <a:off x="0" y="0"/>
-          <a:ext cx="0" cy="0"/>
-          <a:chOff x="0" y="0"/>
-          <a:chExt cx="0" cy="0"/>
-        </a:xfrm>
-      </p:grpSpPr>
-      <p:sp>
-        <p:nvSpPr>
-          <p:cNvPr id="2" name="Title 1"/>
-          <p:cNvSpPr>
-            <a:spLocks noGrp="1"/>
-          </p:cNvSpPr>
-          <p:nvPr>
-            <p:ph type="title"/>
-          </p:nvPr>
-        </p:nvSpPr>
-        <p:spPr/>
-        <p:txBody>
-          <a:bodyPr/>
-          <a:lstStyle/>
-          <a:p>
-            <a:r>
-              <a:rPr lang="en-US"/>
-              <a:t>Click to edit Master title style</a:t>
-            </a:r>
-            <a:endParaRPr lang="ru-RU" dirty="0"/>
-          </a:p>
-        </p:txBody>
-      </p:sp>
-    </p:spTree>
-    <p:extLst>
-      <p:ext uri="{BB962C8B-B14F-4D97-AF65-F5344CB8AC3E}">
-        <p14:creationId xmlns:p14="http://schemas.microsoft.com/office/powerpoint/2010/main" val="125202666"/>
-      </p:ext>
-    </p:extLst>
-  </p:cSld>
-  <p:clrMapOvr>
-    <a:masterClrMapping/>
-  </p:clrMapOvr>
-</p:sldLayout>
-</file>
-
-<file path=ppt/slideLayouts/slideLayout8.xml><?xml version="1.0" encoding="utf-8"?>
-<p:sldLayout xmlns:a="http://schemas.openxmlformats.org/drawingml/2006/main" xmlns:r="http://schemas.openxmlformats.org/officeDocument/2006/relationships" xmlns:p="http://schemas.openxmlformats.org/presentationml/2006/main" preserve="1" userDrawn="1">
-  <p:cSld name="Demo">
-    <p:spTree>
-      <p:nvGrpSpPr>
-        <p:cNvPr id="1" name=""/>
-        <p:cNvGrpSpPr/>
-        <p:nvPr/>
-      </p:nvGrpSpPr>
-      <p:grpSpPr>
-        <a:xfrm>
-          <a:off x="0" y="0"/>
-          <a:ext cx="0" cy="0"/>
-          <a:chOff x="0" y="0"/>
-          <a:chExt cx="0" cy="0"/>
-        </a:xfrm>
-      </p:grpSpPr>
-      <p:sp>
-        <p:nvSpPr>
-          <p:cNvPr id="10" name="TextBox 9"/>
-          <p:cNvSpPr txBox="1"/>
-          <p:nvPr userDrawn="1"/>
-        </p:nvSpPr>
-        <p:spPr>
-          <a:xfrm>
-            <a:off x="359532" y="3136613"/>
-            <a:ext cx="8424936" cy="584775"/>
-          </a:xfrm>
-          <a:prstGeom prst="rect">
-            <a:avLst/>
-          </a:prstGeom>
-          <a:noFill/>
-        </p:spPr>
-        <p:txBody>
-          <a:bodyPr wrap="square" rtlCol="0" anchor="ctr">
-            <a:spAutoFit/>
-          </a:bodyPr>
-          <a:lstStyle/>
-          <a:p>
-            <a:pPr algn="ctr"/>
-            <a:r>
-              <a:rPr lang="ru-RU" sz="3200" dirty="0"/>
-              <a:t>Название.</a:t>
-            </a:r>
-            <a:r>
-              <a:rPr lang="ru-RU" sz="3200" baseline="0" dirty="0"/>
-              <a:t> Демонстрация.</a:t>
-            </a:r>
-            <a:endParaRPr lang="ru-RU" sz="3200" dirty="0"/>
-          </a:p>
-        </p:txBody>
-      </p:sp>
-    </p:spTree>
-    <p:extLst>
-      <p:ext uri="{BB962C8B-B14F-4D97-AF65-F5344CB8AC3E}">
-        <p14:creationId xmlns:p14="http://schemas.microsoft.com/office/powerpoint/2010/main" val="3308008441"/>
-      </p:ext>
-    </p:extLst>
-  </p:cSld>
-  <p:clrMapOvr>
-    <a:masterClrMapping/>
-  </p:clrMapOvr>
-</p:sldLayout>
-</file>
-
-<file path=ppt/slideLayouts/slideLayout9.xml><?xml version="1.0" encoding="utf-8"?>
-<p:sldLayout xmlns:a="http://schemas.openxmlformats.org/drawingml/2006/main" xmlns:r="http://schemas.openxmlformats.org/officeDocument/2006/relationships" xmlns:p="http://schemas.openxmlformats.org/presentationml/2006/main" type="blank" preserve="1">
-  <p:cSld name="1_Blank">
-    <p:spTree>
-      <p:nvGrpSpPr>
-        <p:cNvPr id="1" name=""/>
-        <p:cNvGrpSpPr/>
-        <p:nvPr/>
-      </p:nvGrpSpPr>
-      <p:grpSpPr>
-        <a:xfrm>
-          <a:off x="0" y="0"/>
-          <a:ext cx="0" cy="0"/>
-          <a:chOff x="0" y="0"/>
-          <a:chExt cx="0" cy="0"/>
-        </a:xfrm>
-      </p:grpSpPr>
-    </p:spTree>
-    <p:extLst>
-      <p:ext uri="{BB962C8B-B14F-4D97-AF65-F5344CB8AC3E}">
-        <p14:creationId xmlns:p14="http://schemas.microsoft.com/office/powerpoint/2010/main" val="2618453949"/>
-      </p:ext>
-    </p:extLst>
-  </p:cSld>
-  <p:clrMapOvr>
-    <a:masterClrMapping/>
-  </p:clrMapOvr>
-</p:sldLayout>
-</file>
-
 <file path=ppt/slideMasters/slideMaster1.xml><?xml version="1.0" encoding="utf-8"?>
 <p:sldMaster xmlns:a="http://schemas.openxmlformats.org/drawingml/2006/main" xmlns:r="http://schemas.openxmlformats.org/officeDocument/2006/relationships" xmlns:p="http://schemas.openxmlformats.org/presentationml/2006/main">
   <p:cSld>
     <p:bg>
       <p:bgPr>
         <a:blipFill dpi="0" rotWithShape="1">
-          <a:blip r:embed="rId16">
+          <a:blip r:embed="rId13">
             <a:lum/>
           </a:blip>
           <a:srcRect/>
@@ -2936,7 +2485,7 @@
           <a:p>
             <a:fld id="{AC3D3127-B7C4-45E3-9797-C527EC9FDD78}" type="datetimeFigureOut">
               <a:rPr lang="ru-RU" smtClean="0"/>
-              <a:t>21.02.2019</a:t>
+              <a:t>22.02.2019</a:t>
             </a:fld>
             <a:endParaRPr lang="ru-RU"/>
           </a:p>
@@ -3029,20 +2578,17 @@
   </p:cSld>
   <p:clrMap bg1="lt1" tx1="dk1" bg2="lt2" tx2="dk2" accent1="accent1" accent2="accent2" accent3="accent3" accent4="accent4" accent5="accent5" accent6="accent6" hlink="hlink" folHlink="folHlink"/>
   <p:sldLayoutIdLst>
-    <p:sldLayoutId id="2147483649" r:id="rId1"/>
-    <p:sldLayoutId id="2147483661" r:id="rId2"/>
-    <p:sldLayoutId id="2147483650" r:id="rId3"/>
-    <p:sldLayoutId id="2147483651" r:id="rId4"/>
-    <p:sldLayoutId id="2147483652" r:id="rId5"/>
-    <p:sldLayoutId id="2147483653" r:id="rId6"/>
-    <p:sldLayoutId id="2147483654" r:id="rId7"/>
-    <p:sldLayoutId id="2147483655" r:id="rId8"/>
-    <p:sldLayoutId id="2147483660" r:id="rId9"/>
-    <p:sldLayoutId id="2147483656" r:id="rId10"/>
-    <p:sldLayoutId id="2147483657" r:id="rId11"/>
-    <p:sldLayoutId id="2147483658" r:id="rId12"/>
-    <p:sldLayoutId id="2147483659" r:id="rId13"/>
-    <p:sldLayoutId id="2147483662" r:id="rId14"/>
+    <p:sldLayoutId id="2147483650" r:id="rId1"/>
+    <p:sldLayoutId id="2147483651" r:id="rId2"/>
+    <p:sldLayoutId id="2147483652" r:id="rId3"/>
+    <p:sldLayoutId id="2147483653" r:id="rId4"/>
+    <p:sldLayoutId id="2147483654" r:id="rId5"/>
+    <p:sldLayoutId id="2147483660" r:id="rId6"/>
+    <p:sldLayoutId id="2147483656" r:id="rId7"/>
+    <p:sldLayoutId id="2147483657" r:id="rId8"/>
+    <p:sldLayoutId id="2147483658" r:id="rId9"/>
+    <p:sldLayoutId id="2147483659" r:id="rId10"/>
+    <p:sldLayoutId id="2147483662" r:id="rId11"/>
   </p:sldLayoutIdLst>
   <p:txStyles>
     <p:titleStyle>
@@ -3424,7 +2970,7 @@
           <p:cNvPr id="8" name="TextBox 7">
             <a:extLst>
               <a:ext uri="{FF2B5EF4-FFF2-40B4-BE49-F238E27FC236}">
-                <a16:creationId xmlns:a16="http://schemas.microsoft.com/office/drawing/2014/main" xmlns="" id="{BC23FA65-1963-9C48-AEBB-8E324B2BBC79}"/>
+                <a16:creationId xmlns="" xmlns:a16="http://schemas.microsoft.com/office/drawing/2014/main" id="{BC23FA65-1963-9C48-AEBB-8E324B2BBC79}"/>
               </a:ext>
             </a:extLst>
           </p:cNvPr>
@@ -3575,22 +3121,16 @@
         </p:nvSpPr>
         <p:spPr/>
         <p:txBody>
-          <a:bodyPr>
-            <a:normAutofit fontScale="90000"/>
-          </a:bodyPr>
+          <a:bodyPr/>
           <a:lstStyle/>
           <a:p>
             <a:r>
-              <a:rPr lang="ru-RU" dirty="0" smtClean="0"/>
-              <a:t>Способы подключения </a:t>
-            </a:r>
-            <a:r>
               <a:rPr lang="en-US" dirty="0" smtClean="0"/>
               <a:t>CSS </a:t>
             </a:r>
             <a:r>
               <a:rPr lang="ru-RU" dirty="0" smtClean="0"/>
-              <a:t>к странице</a:t>
+              <a:t>селекторы</a:t>
             </a:r>
             <a:endParaRPr lang="ru-RU" dirty="0"/>
           </a:p>
@@ -3608,118 +3148,45 @@
         </p:nvSpPr>
         <p:spPr/>
         <p:txBody>
-          <a:bodyPr>
-            <a:normAutofit/>
-          </a:bodyPr>
+          <a:bodyPr/>
           <a:lstStyle/>
           <a:p>
-            <a:r>
-              <a:rPr lang="ru-RU" dirty="0" smtClean="0"/>
-              <a:t>Внешние стили</a:t>
-            </a:r>
-          </a:p>
-          <a:p>
-            <a:pPr lvl="1"/>
-            <a:r>
-              <a:rPr lang="en-US" dirty="0"/>
-              <a:t>&lt;head</a:t>
-            </a:r>
-            <a:r>
-              <a:rPr lang="en-US" dirty="0" smtClean="0"/>
-              <a:t>&gt;&lt;</a:t>
-            </a:r>
-            <a:r>
-              <a:rPr lang="en-US" dirty="0"/>
-              <a:t>link </a:t>
-            </a:r>
-            <a:r>
-              <a:rPr lang="en-US" dirty="0" err="1"/>
-              <a:t>rel</a:t>
-            </a:r>
-            <a:r>
-              <a:rPr lang="en-US" dirty="0"/>
-              <a:t>="stylesheet" type="text/</a:t>
-            </a:r>
-            <a:r>
-              <a:rPr lang="en-US" dirty="0" err="1"/>
-              <a:t>css</a:t>
-            </a:r>
-            <a:r>
-              <a:rPr lang="en-US" dirty="0"/>
-              <a:t>" </a:t>
-            </a:r>
-            <a:r>
-              <a:rPr lang="en-US" dirty="0" err="1"/>
-              <a:t>href</a:t>
-            </a:r>
-            <a:r>
-              <a:rPr lang="en-US" dirty="0"/>
-              <a:t>="mystyle.css</a:t>
-            </a:r>
-            <a:r>
-              <a:rPr lang="en-US" dirty="0" smtClean="0"/>
-              <a:t>"&gt;&lt;/</a:t>
-            </a:r>
-            <a:r>
-              <a:rPr lang="en-US" dirty="0"/>
-              <a:t>head&gt;</a:t>
-            </a:r>
-            <a:endParaRPr lang="ru-RU" dirty="0" smtClean="0"/>
-          </a:p>
-          <a:p>
-            <a:r>
-              <a:rPr lang="ru-RU" dirty="0" smtClean="0"/>
-              <a:t>Стили встроенные в страницу</a:t>
-            </a:r>
-          </a:p>
-          <a:p>
-            <a:pPr lvl="1"/>
-            <a:r>
-              <a:rPr lang="en-US" dirty="0" smtClean="0"/>
-              <a:t>&lt;head&gt;&lt;style&gt;...&lt;/style&gt;&lt;/head&gt;</a:t>
-            </a:r>
-            <a:endParaRPr lang="ru-RU" dirty="0" smtClean="0"/>
-          </a:p>
-          <a:p>
-            <a:r>
-              <a:rPr lang="ru-RU" dirty="0" smtClean="0"/>
-              <a:t>Стили элемента (</a:t>
-            </a:r>
-            <a:r>
-              <a:rPr lang="en-US" dirty="0" smtClean="0"/>
-              <a:t>inline style</a:t>
-            </a:r>
-            <a:r>
-              <a:rPr lang="ru-RU" dirty="0" smtClean="0"/>
-              <a:t>)</a:t>
+            <a:pPr marL="0" indent="0">
+              <a:buNone/>
+            </a:pPr>
+            <a:r>
+              <a:rPr lang="en-US" dirty="0" smtClean="0"/>
+              <a:t>#id</a:t>
+            </a:r>
+          </a:p>
+          <a:p>
+            <a:pPr marL="0" indent="0">
+              <a:buNone/>
+            </a:pPr>
+            <a:r>
+              <a:rPr lang="en-US" dirty="0" smtClean="0"/>
+              <a:t>.</a:t>
+            </a:r>
+            <a:r>
+              <a:rPr lang="en-US" dirty="0" err="1" smtClean="0"/>
+              <a:t>className</a:t>
             </a:r>
             <a:endParaRPr lang="en-US" dirty="0" smtClean="0"/>
           </a:p>
           <a:p>
-            <a:pPr lvl="1"/>
-            <a:r>
-              <a:rPr lang="en-US" dirty="0" smtClean="0"/>
-              <a:t>&lt;</a:t>
-            </a:r>
+            <a:pPr marL="0" indent="0">
+              <a:buNone/>
+            </a:pPr>
             <a:r>
               <a:rPr lang="en-US" dirty="0" err="1" smtClean="0"/>
-              <a:t>tagName</a:t>
-            </a:r>
-            <a:r>
-              <a:rPr lang="en-US" dirty="0" smtClean="0"/>
-              <a:t> style="..."&gt;&lt;/</a:t>
-            </a:r>
-            <a:r>
-              <a:rPr lang="en-US" dirty="0" err="1" smtClean="0"/>
-              <a:t>tagName</a:t>
-            </a:r>
-            <a:r>
-              <a:rPr lang="en-US" dirty="0" smtClean="0"/>
-              <a:t>&gt;</a:t>
-            </a:r>
-            <a:endParaRPr lang="ru-RU" dirty="0" smtClean="0"/>
-          </a:p>
-          <a:p>
+              <a:t>elementName</a:t>
+            </a:r>
+            <a:endParaRPr lang="en-US" dirty="0" smtClean="0"/>
+          </a:p>
+          <a:p>
+            <a:pPr marL="0" indent="0">
+              <a:buNone/>
+            </a:pPr>
             <a:endParaRPr lang="ru-RU" dirty="0"/>
           </a:p>
         </p:txBody>
@@ -3727,7 +3194,602 @@
     </p:spTree>
     <p:extLst>
       <p:ext uri="{BB962C8B-B14F-4D97-AF65-F5344CB8AC3E}">
-        <p14:creationId xmlns:p14="http://schemas.microsoft.com/office/powerpoint/2010/main" val="1915553829"/>
+        <p14:creationId xmlns:p14="http://schemas.microsoft.com/office/powerpoint/2010/main" val="370374908"/>
+      </p:ext>
+    </p:extLst>
+  </p:cSld>
+  <p:clrMapOvr>
+    <a:masterClrMapping/>
+  </p:clrMapOvr>
+</p:sld>
+</file>
+
+<file path=ppt/slides/slide11.xml><?xml version="1.0" encoding="utf-8"?>
+<p:sld xmlns:a="http://schemas.openxmlformats.org/drawingml/2006/main" xmlns:r="http://schemas.openxmlformats.org/officeDocument/2006/relationships" xmlns:p="http://schemas.openxmlformats.org/presentationml/2006/main">
+  <p:cSld>
+    <p:spTree>
+      <p:nvGrpSpPr>
+        <p:cNvPr id="1" name=""/>
+        <p:cNvGrpSpPr/>
+        <p:nvPr/>
+      </p:nvGrpSpPr>
+      <p:grpSpPr>
+        <a:xfrm>
+          <a:off x="0" y="0"/>
+          <a:ext cx="0" cy="0"/>
+          <a:chOff x="0" y="0"/>
+          <a:chExt cx="0" cy="0"/>
+        </a:xfrm>
+      </p:grpSpPr>
+      <p:sp>
+        <p:nvSpPr>
+          <p:cNvPr id="2" name="Title 1"/>
+          <p:cNvSpPr>
+            <a:spLocks noGrp="1"/>
+          </p:cNvSpPr>
+          <p:nvPr>
+            <p:ph type="title"/>
+          </p:nvPr>
+        </p:nvSpPr>
+        <p:spPr/>
+        <p:txBody>
+          <a:bodyPr/>
+          <a:lstStyle/>
+          <a:p>
+            <a:r>
+              <a:rPr lang="en-US" dirty="0" smtClean="0"/>
+              <a:t>CSS </a:t>
+            </a:r>
+            <a:r>
+              <a:rPr lang="ru-RU" dirty="0" smtClean="0"/>
+              <a:t>селекторы по атрибутам</a:t>
+            </a:r>
+            <a:endParaRPr lang="ru-RU" dirty="0"/>
+          </a:p>
+        </p:txBody>
+      </p:sp>
+      <p:sp>
+        <p:nvSpPr>
+          <p:cNvPr id="3" name="Content Placeholder 2"/>
+          <p:cNvSpPr>
+            <a:spLocks noGrp="1"/>
+          </p:cNvSpPr>
+          <p:nvPr>
+            <p:ph idx="1"/>
+          </p:nvPr>
+        </p:nvSpPr>
+        <p:spPr/>
+        <p:txBody>
+          <a:bodyPr>
+            <a:normAutofit fontScale="55000" lnSpcReduction="20000"/>
+          </a:bodyPr>
+          <a:lstStyle/>
+          <a:p>
+            <a:r>
+              <a:rPr lang="en-US" dirty="0">
+                <a:solidFill>
+                  <a:srgbClr val="FFFF00"/>
+                </a:solidFill>
+              </a:rPr>
+              <a:t>[</a:t>
+            </a:r>
+            <a:r>
+              <a:rPr lang="en-US" dirty="0" err="1" smtClean="0">
+                <a:solidFill>
+                  <a:srgbClr val="FFFF00"/>
+                </a:solidFill>
+              </a:rPr>
+              <a:t>attr</a:t>
+            </a:r>
+            <a:r>
+              <a:rPr lang="en-US" dirty="0" smtClean="0">
+                <a:solidFill>
+                  <a:srgbClr val="FFFF00"/>
+                </a:solidFill>
+              </a:rPr>
+              <a:t>]</a:t>
+            </a:r>
+            <a:r>
+              <a:rPr lang="en-US" dirty="0" smtClean="0"/>
+              <a:t> </a:t>
+            </a:r>
+            <a:r>
+              <a:rPr lang="ru-RU" dirty="0" smtClean="0"/>
+              <a:t>Элемент с атрибутом по имени </a:t>
+            </a:r>
+            <a:r>
+              <a:rPr lang="en-US" dirty="0" err="1" smtClean="0"/>
+              <a:t>attr</a:t>
+            </a:r>
+            <a:r>
+              <a:rPr lang="en-US" dirty="0"/>
+              <a:t>.</a:t>
+            </a:r>
+          </a:p>
+          <a:p>
+            <a:r>
+              <a:rPr lang="en-US" dirty="0">
+                <a:solidFill>
+                  <a:srgbClr val="FFFF00"/>
+                </a:solidFill>
+              </a:rPr>
+              <a:t>[</a:t>
+            </a:r>
+            <a:r>
+              <a:rPr lang="en-US" dirty="0" err="1">
+                <a:solidFill>
+                  <a:srgbClr val="FFFF00"/>
+                </a:solidFill>
+              </a:rPr>
+              <a:t>attr</a:t>
+            </a:r>
+            <a:r>
+              <a:rPr lang="en-US" dirty="0">
+                <a:solidFill>
+                  <a:srgbClr val="FFFF00"/>
+                </a:solidFill>
+              </a:rPr>
+              <a:t>=value]</a:t>
+            </a:r>
+            <a:r>
+              <a:rPr lang="en-US" dirty="0"/>
+              <a:t> </a:t>
+            </a:r>
+            <a:r>
+              <a:rPr lang="ru-RU" dirty="0"/>
+              <a:t>Элемент с атрибутом по имени </a:t>
+            </a:r>
+            <a:r>
+              <a:rPr lang="en-US" dirty="0" err="1" smtClean="0"/>
+              <a:t>attr</a:t>
+            </a:r>
+            <a:r>
+              <a:rPr lang="en-US" dirty="0" smtClean="0"/>
+              <a:t> </a:t>
+            </a:r>
+            <a:r>
+              <a:rPr lang="ru-RU" dirty="0" smtClean="0"/>
+              <a:t>значение которого в точности равно </a:t>
+            </a:r>
+            <a:r>
+              <a:rPr lang="en-US" dirty="0" smtClean="0"/>
+              <a:t>value.</a:t>
+            </a:r>
+            <a:endParaRPr lang="en-US" dirty="0"/>
+          </a:p>
+          <a:p>
+            <a:r>
+              <a:rPr lang="en-US" dirty="0">
+                <a:solidFill>
+                  <a:srgbClr val="FFFF00"/>
+                </a:solidFill>
+              </a:rPr>
+              <a:t>[</a:t>
+            </a:r>
+            <a:r>
+              <a:rPr lang="en-US" dirty="0" err="1">
+                <a:solidFill>
+                  <a:srgbClr val="FFFF00"/>
+                </a:solidFill>
+              </a:rPr>
+              <a:t>attr</a:t>
+            </a:r>
+            <a:r>
+              <a:rPr lang="en-US" dirty="0">
+                <a:solidFill>
+                  <a:srgbClr val="FFFF00"/>
+                </a:solidFill>
+              </a:rPr>
+              <a:t>~=value]</a:t>
+            </a:r>
+            <a:r>
+              <a:rPr lang="en-US" dirty="0"/>
+              <a:t> </a:t>
+            </a:r>
+            <a:r>
+              <a:rPr lang="ru-RU" dirty="0"/>
+              <a:t>Элемент с атрибутом по имени </a:t>
+            </a:r>
+            <a:r>
+              <a:rPr lang="en-US" dirty="0" err="1"/>
+              <a:t>attr</a:t>
+            </a:r>
+            <a:r>
+              <a:rPr lang="en-US" dirty="0"/>
+              <a:t> </a:t>
+            </a:r>
+            <a:r>
+              <a:rPr lang="ru-RU" dirty="0"/>
+              <a:t>значение которого в точности равно </a:t>
+            </a:r>
+            <a:r>
+              <a:rPr lang="en-US" dirty="0"/>
+              <a:t>value</a:t>
+            </a:r>
+            <a:r>
+              <a:rPr lang="en-US" dirty="0" smtClean="0"/>
+              <a:t>. </a:t>
+            </a:r>
+            <a:r>
+              <a:rPr lang="ru-RU" dirty="0" smtClean="0"/>
+              <a:t>Может включать несколько значений разделенных пробелами.</a:t>
+            </a:r>
+            <a:endParaRPr lang="en-US" dirty="0"/>
+          </a:p>
+          <a:p>
+            <a:r>
+              <a:rPr lang="en-US" dirty="0">
+                <a:solidFill>
+                  <a:srgbClr val="FFFF00"/>
+                </a:solidFill>
+              </a:rPr>
+              <a:t>[</a:t>
+            </a:r>
+            <a:r>
+              <a:rPr lang="en-US" dirty="0" err="1">
+                <a:solidFill>
+                  <a:srgbClr val="FFFF00"/>
+                </a:solidFill>
+              </a:rPr>
+              <a:t>attr</a:t>
+            </a:r>
+            <a:r>
+              <a:rPr lang="en-US" dirty="0">
+                <a:solidFill>
+                  <a:srgbClr val="FFFF00"/>
+                </a:solidFill>
+              </a:rPr>
+              <a:t>|=</a:t>
+            </a:r>
+            <a:r>
+              <a:rPr lang="en-US" dirty="0" smtClean="0">
+                <a:solidFill>
+                  <a:srgbClr val="FFFF00"/>
+                </a:solidFill>
+              </a:rPr>
+              <a:t>value]</a:t>
+            </a:r>
+            <a:r>
+              <a:rPr lang="ru-RU" dirty="0" smtClean="0"/>
+              <a:t> </a:t>
+            </a:r>
+            <a:r>
+              <a:rPr lang="ru-RU" dirty="0"/>
+              <a:t>Элемент с атрибутом по имени </a:t>
+            </a:r>
+            <a:r>
+              <a:rPr lang="en-US" dirty="0" err="1"/>
+              <a:t>attr</a:t>
+            </a:r>
+            <a:r>
+              <a:rPr lang="en-US" dirty="0"/>
+              <a:t> </a:t>
+            </a:r>
+            <a:r>
+              <a:rPr lang="ru-RU" dirty="0"/>
+              <a:t>значение которого </a:t>
+            </a:r>
+            <a:r>
+              <a:rPr lang="ru-RU" dirty="0" smtClean="0"/>
+              <a:t>может в </a:t>
+            </a:r>
+            <a:r>
+              <a:rPr lang="ru-RU" dirty="0"/>
+              <a:t>точности равно </a:t>
+            </a:r>
+            <a:r>
+              <a:rPr lang="en-US" dirty="0" smtClean="0"/>
+              <a:t>value</a:t>
+            </a:r>
+            <a:r>
+              <a:rPr lang="ru-RU" dirty="0" smtClean="0"/>
+              <a:t> или начинаться с него со знаком минус </a:t>
+            </a:r>
+            <a:r>
+              <a:rPr lang="en-US" dirty="0"/>
+              <a:t>(</a:t>
+            </a:r>
+            <a:r>
+              <a:rPr lang="en-US" dirty="0" smtClean="0"/>
+              <a:t>U+002D</a:t>
+            </a:r>
+            <a:r>
+              <a:rPr lang="ru-RU" dirty="0" smtClean="0"/>
+              <a:t>). Часто используется для поиска по коду языка.</a:t>
+            </a:r>
+            <a:endParaRPr lang="en-US" dirty="0"/>
+          </a:p>
+          <a:p>
+            <a:r>
+              <a:rPr lang="en-US" dirty="0">
+                <a:solidFill>
+                  <a:srgbClr val="FFFF00"/>
+                </a:solidFill>
+              </a:rPr>
+              <a:t>[</a:t>
+            </a:r>
+            <a:r>
+              <a:rPr lang="en-US" dirty="0" err="1">
+                <a:solidFill>
+                  <a:srgbClr val="FFFF00"/>
+                </a:solidFill>
+              </a:rPr>
+              <a:t>attr</a:t>
+            </a:r>
+            <a:r>
+              <a:rPr lang="en-US" dirty="0">
+                <a:solidFill>
+                  <a:srgbClr val="FFFF00"/>
+                </a:solidFill>
+              </a:rPr>
+              <a:t>^=value</a:t>
+            </a:r>
+            <a:r>
+              <a:rPr lang="en-US" dirty="0" smtClean="0">
+                <a:solidFill>
+                  <a:srgbClr val="FFFF00"/>
+                </a:solidFill>
+              </a:rPr>
+              <a:t>]</a:t>
+            </a:r>
+            <a:r>
+              <a:rPr lang="en-US" dirty="0"/>
+              <a:t> </a:t>
+            </a:r>
+            <a:r>
+              <a:rPr lang="ru-RU" dirty="0"/>
+              <a:t>Элемент с атрибутом по имени </a:t>
+            </a:r>
+            <a:r>
+              <a:rPr lang="en-US" dirty="0" err="1"/>
+              <a:t>attr</a:t>
+            </a:r>
+            <a:r>
+              <a:rPr lang="en-US" dirty="0"/>
+              <a:t> </a:t>
+            </a:r>
+            <a:r>
+              <a:rPr lang="ru-RU" dirty="0"/>
+              <a:t>значение которого </a:t>
+            </a:r>
+            <a:r>
+              <a:rPr lang="ru-RU" dirty="0" smtClean="0"/>
+              <a:t>начинается с </a:t>
+            </a:r>
+            <a:r>
+              <a:rPr lang="en-US" dirty="0" smtClean="0"/>
+              <a:t>value</a:t>
+            </a:r>
+            <a:r>
+              <a:rPr lang="en-US" dirty="0"/>
+              <a:t>.</a:t>
+            </a:r>
+          </a:p>
+          <a:p>
+            <a:r>
+              <a:rPr lang="en-US" dirty="0">
+                <a:solidFill>
+                  <a:srgbClr val="FFFF00"/>
+                </a:solidFill>
+              </a:rPr>
+              <a:t>[</a:t>
+            </a:r>
+            <a:r>
+              <a:rPr lang="en-US" dirty="0" err="1">
+                <a:solidFill>
+                  <a:srgbClr val="FFFF00"/>
+                </a:solidFill>
+              </a:rPr>
+              <a:t>attr</a:t>
+            </a:r>
+            <a:r>
+              <a:rPr lang="en-US" dirty="0">
+                <a:solidFill>
+                  <a:srgbClr val="FFFF00"/>
+                </a:solidFill>
+              </a:rPr>
+              <a:t>$=value</a:t>
+            </a:r>
+            <a:r>
+              <a:rPr lang="en-US" dirty="0" smtClean="0">
+                <a:solidFill>
+                  <a:srgbClr val="FFFF00"/>
+                </a:solidFill>
+              </a:rPr>
+              <a:t>]</a:t>
+            </a:r>
+            <a:r>
+              <a:rPr lang="en-US" dirty="0"/>
+              <a:t> </a:t>
+            </a:r>
+            <a:r>
+              <a:rPr lang="ru-RU" dirty="0"/>
+              <a:t>Элемент с атрибутом по имени </a:t>
+            </a:r>
+            <a:r>
+              <a:rPr lang="en-US" dirty="0" err="1"/>
+              <a:t>attr</a:t>
+            </a:r>
+            <a:r>
+              <a:rPr lang="en-US" dirty="0"/>
+              <a:t> </a:t>
+            </a:r>
+            <a:r>
+              <a:rPr lang="ru-RU" dirty="0"/>
+              <a:t>значение которого </a:t>
+            </a:r>
+            <a:r>
+              <a:rPr lang="ru-RU" dirty="0" smtClean="0"/>
+              <a:t>заканчивается на </a:t>
+            </a:r>
+            <a:r>
+              <a:rPr lang="en-US" dirty="0"/>
+              <a:t>value.</a:t>
+            </a:r>
+          </a:p>
+          <a:p>
+            <a:r>
+              <a:rPr lang="en-US" dirty="0">
+                <a:solidFill>
+                  <a:srgbClr val="FFFF00"/>
+                </a:solidFill>
+              </a:rPr>
+              <a:t>[</a:t>
+            </a:r>
+            <a:r>
+              <a:rPr lang="en-US" dirty="0" err="1">
+                <a:solidFill>
+                  <a:srgbClr val="FFFF00"/>
+                </a:solidFill>
+              </a:rPr>
+              <a:t>attr</a:t>
+            </a:r>
+            <a:r>
+              <a:rPr lang="en-US" dirty="0">
+                <a:solidFill>
+                  <a:srgbClr val="FFFF00"/>
+                </a:solidFill>
+              </a:rPr>
+              <a:t>*=value]</a:t>
+            </a:r>
+            <a:r>
+              <a:rPr lang="en-US" dirty="0"/>
+              <a:t> </a:t>
+            </a:r>
+            <a:r>
+              <a:rPr lang="ru-RU" dirty="0"/>
+              <a:t>Элемент с атрибутом по имени </a:t>
+            </a:r>
+            <a:r>
+              <a:rPr lang="en-US" dirty="0" err="1"/>
+              <a:t>attr</a:t>
+            </a:r>
+            <a:r>
+              <a:rPr lang="en-US" dirty="0"/>
+              <a:t> </a:t>
+            </a:r>
+            <a:r>
+              <a:rPr lang="ru-RU" dirty="0" smtClean="0"/>
+              <a:t>в значении </a:t>
+            </a:r>
+            <a:r>
+              <a:rPr lang="ru-RU" dirty="0"/>
+              <a:t>которого </a:t>
+            </a:r>
+            <a:r>
+              <a:rPr lang="en-US" dirty="0" smtClean="0"/>
+              <a:t>value</a:t>
+            </a:r>
+            <a:r>
+              <a:rPr lang="ru-RU" dirty="0" smtClean="0"/>
+              <a:t> </a:t>
+            </a:r>
+            <a:r>
+              <a:rPr lang="ru-RU" dirty="0"/>
+              <a:t>встречается </a:t>
+            </a:r>
+            <a:r>
+              <a:rPr lang="ru-RU" dirty="0" smtClean="0"/>
+              <a:t>хотя бы один раз</a:t>
+            </a:r>
+            <a:r>
+              <a:rPr lang="en-US" dirty="0" smtClean="0"/>
+              <a:t>.</a:t>
+            </a:r>
+            <a:endParaRPr lang="en-US" dirty="0"/>
+          </a:p>
+          <a:p>
+            <a:r>
+              <a:rPr lang="en-US" dirty="0">
+                <a:solidFill>
+                  <a:srgbClr val="FFFF00"/>
+                </a:solidFill>
+              </a:rPr>
+              <a:t>[</a:t>
+            </a:r>
+            <a:r>
+              <a:rPr lang="en-US" dirty="0" err="1">
+                <a:solidFill>
+                  <a:srgbClr val="FFFF00"/>
+                </a:solidFill>
+              </a:rPr>
+              <a:t>attr</a:t>
+            </a:r>
+            <a:r>
+              <a:rPr lang="en-US" dirty="0">
+                <a:solidFill>
+                  <a:srgbClr val="FFFF00"/>
+                </a:solidFill>
+              </a:rPr>
+              <a:t> operator value </a:t>
+            </a:r>
+            <a:r>
+              <a:rPr lang="en-US" dirty="0" err="1">
+                <a:solidFill>
+                  <a:srgbClr val="FFFF00"/>
+                </a:solidFill>
+              </a:rPr>
+              <a:t>i</a:t>
+            </a:r>
+            <a:r>
+              <a:rPr lang="en-US" dirty="0" smtClean="0">
+                <a:solidFill>
+                  <a:srgbClr val="FFFF00"/>
+                </a:solidFill>
+              </a:rPr>
+              <a:t>]</a:t>
+            </a:r>
+            <a:r>
+              <a:rPr lang="en-US" dirty="0" smtClean="0"/>
+              <a:t> ...</a:t>
+            </a:r>
+            <a:endParaRPr lang="en-US" dirty="0"/>
+          </a:p>
+          <a:p>
+            <a:r>
+              <a:rPr lang="en-US" dirty="0">
+                <a:solidFill>
+                  <a:srgbClr val="FFFF00"/>
+                </a:solidFill>
+              </a:rPr>
+              <a:t>[</a:t>
+            </a:r>
+            <a:r>
+              <a:rPr lang="en-US" dirty="0" err="1">
+                <a:solidFill>
+                  <a:srgbClr val="FFFF00"/>
+                </a:solidFill>
+              </a:rPr>
+              <a:t>attr</a:t>
+            </a:r>
+            <a:r>
+              <a:rPr lang="en-US" dirty="0">
+                <a:solidFill>
+                  <a:srgbClr val="FFFF00"/>
+                </a:solidFill>
+              </a:rPr>
+              <a:t> operator value s</a:t>
+            </a:r>
+            <a:r>
+              <a:rPr lang="en-US" dirty="0" smtClean="0">
+                <a:solidFill>
+                  <a:srgbClr val="FFFF00"/>
+                </a:solidFill>
+              </a:rPr>
+              <a:t>]</a:t>
+            </a:r>
+            <a:r>
+              <a:rPr lang="en-US" dirty="0" smtClean="0"/>
+              <a:t> ...</a:t>
+            </a:r>
+            <a:endParaRPr lang="ru-RU" dirty="0"/>
+          </a:p>
+        </p:txBody>
+      </p:sp>
+    </p:spTree>
+    <p:extLst>
+      <p:ext uri="{BB962C8B-B14F-4D97-AF65-F5344CB8AC3E}">
+        <p14:creationId xmlns:p14="http://schemas.microsoft.com/office/powerpoint/2010/main" val="3701388858"/>
       </p:ext>
     </p:extLst>
   </p:cSld>
@@ -4975,20 +5037,22 @@
         </p:nvSpPr>
         <p:spPr/>
         <p:txBody>
-          <a:bodyPr/>
+          <a:bodyPr>
+            <a:normAutofit fontScale="90000"/>
+          </a:bodyPr>
           <a:lstStyle/>
           <a:p>
             <a:r>
               <a:rPr lang="ru-RU" dirty="0" smtClean="0"/>
-              <a:t>Некоторые </a:t>
-            </a:r>
-            <a:r>
-              <a:rPr lang="en-US" dirty="0" smtClean="0"/>
-              <a:t>CSS-</a:t>
-            </a:r>
-            <a:r>
-              <a:rPr lang="ru-RU" dirty="0" smtClean="0"/>
-              <a:t>правила</a:t>
+              <a:t>Способы подключения </a:t>
+            </a:r>
+            <a:r>
+              <a:rPr lang="en-US" dirty="0" smtClean="0"/>
+              <a:t>CSS </a:t>
+            </a:r>
+            <a:r>
+              <a:rPr lang="ru-RU" dirty="0" smtClean="0"/>
+              <a:t>к странице</a:t>
             </a:r>
             <a:endParaRPr lang="ru-RU" dirty="0"/>
           </a:p>
@@ -4996,7 +5060,7 @@
       </p:sp>
       <p:sp>
         <p:nvSpPr>
-          <p:cNvPr id="4" name="Content Placeholder 3"/>
+          <p:cNvPr id="3" name="Content Placeholder 2"/>
           <p:cNvSpPr>
             <a:spLocks noGrp="1"/>
           </p:cNvSpPr>
@@ -5006,24 +5070,114 @@
         </p:nvSpPr>
         <p:spPr/>
         <p:txBody>
-          <a:bodyPr/>
+          <a:bodyPr>
+            <a:normAutofit/>
+          </a:bodyPr>
           <a:lstStyle/>
           <a:p>
             <a:r>
               <a:rPr lang="ru-RU" dirty="0" smtClean="0"/>
-              <a:t>цвет - </a:t>
-            </a:r>
-            <a:r>
-              <a:rPr lang="en-US" dirty="0" smtClean="0"/>
-              <a:t>color</a:t>
-            </a:r>
+              <a:t>Внешние стили</a:t>
+            </a:r>
+          </a:p>
+          <a:p>
+            <a:pPr lvl="1"/>
             <a:r>
               <a:rPr lang="en-US" dirty="0"/>
-              <a:t>: </a:t>
-            </a:r>
-            <a:r>
-              <a:rPr lang="en-US" dirty="0" smtClean="0"/>
-              <a:t>red</a:t>
+              <a:t>&lt;head</a:t>
+            </a:r>
+            <a:r>
+              <a:rPr lang="en-US" dirty="0" smtClean="0"/>
+              <a:t>&gt;&lt;</a:t>
+            </a:r>
+            <a:r>
+              <a:rPr lang="en-US" dirty="0"/>
+              <a:t>link </a:t>
+            </a:r>
+            <a:r>
+              <a:rPr lang="en-US" dirty="0" err="1"/>
+              <a:t>rel</a:t>
+            </a:r>
+            <a:r>
+              <a:rPr lang="en-US" dirty="0"/>
+              <a:t>="stylesheet" type="text/</a:t>
+            </a:r>
+            <a:r>
+              <a:rPr lang="en-US" dirty="0" err="1"/>
+              <a:t>css</a:t>
+            </a:r>
+            <a:r>
+              <a:rPr lang="en-US" dirty="0"/>
+              <a:t>" </a:t>
+            </a:r>
+            <a:r>
+              <a:rPr lang="en-US" dirty="0" err="1"/>
+              <a:t>href</a:t>
+            </a:r>
+            <a:r>
+              <a:rPr lang="en-US" dirty="0"/>
+              <a:t>="mystyle.css</a:t>
+            </a:r>
+            <a:r>
+              <a:rPr lang="en-US" dirty="0" smtClean="0"/>
+              <a:t>"&gt;&lt;/</a:t>
+            </a:r>
+            <a:r>
+              <a:rPr lang="en-US" dirty="0"/>
+              <a:t>head&gt;</a:t>
+            </a:r>
+            <a:endParaRPr lang="ru-RU" dirty="0" smtClean="0"/>
+          </a:p>
+          <a:p>
+            <a:r>
+              <a:rPr lang="ru-RU" dirty="0" smtClean="0"/>
+              <a:t>Стили встроенные в страницу</a:t>
+            </a:r>
+          </a:p>
+          <a:p>
+            <a:pPr lvl="1"/>
+            <a:r>
+              <a:rPr lang="en-US" dirty="0" smtClean="0"/>
+              <a:t>&lt;head&gt;&lt;style&gt;...&lt;/style&gt;&lt;/head&gt;</a:t>
+            </a:r>
+            <a:endParaRPr lang="ru-RU" dirty="0" smtClean="0"/>
+          </a:p>
+          <a:p>
+            <a:r>
+              <a:rPr lang="ru-RU" dirty="0" smtClean="0"/>
+              <a:t>Стили элемента (</a:t>
+            </a:r>
+            <a:r>
+              <a:rPr lang="en-US" dirty="0" smtClean="0"/>
+              <a:t>inline style</a:t>
+            </a:r>
+            <a:r>
+              <a:rPr lang="ru-RU" dirty="0" smtClean="0"/>
+              <a:t>)</a:t>
+            </a:r>
+            <a:endParaRPr lang="en-US" dirty="0" smtClean="0"/>
+          </a:p>
+          <a:p>
+            <a:pPr lvl="1"/>
+            <a:r>
+              <a:rPr lang="en-US" dirty="0" smtClean="0"/>
+              <a:t>&lt;</a:t>
+            </a:r>
+            <a:r>
+              <a:rPr lang="en-US" dirty="0" err="1" smtClean="0"/>
+              <a:t>tagName</a:t>
+            </a:r>
+            <a:r>
+              <a:rPr lang="en-US" dirty="0" smtClean="0"/>
+              <a:t> style="..."&gt;&lt;/</a:t>
+            </a:r>
+            <a:r>
+              <a:rPr lang="en-US" dirty="0" err="1" smtClean="0"/>
+              <a:t>tagName</a:t>
+            </a:r>
+            <a:r>
+              <a:rPr lang="en-US" dirty="0" smtClean="0"/>
+              <a:t>&gt;</a:t>
             </a:r>
             <a:endParaRPr lang="ru-RU" dirty="0" smtClean="0"/>
           </a:p>
@@ -5035,7 +5189,7 @@
     </p:spTree>
     <p:extLst>
       <p:ext uri="{BB962C8B-B14F-4D97-AF65-F5344CB8AC3E}">
-        <p14:creationId xmlns:p14="http://schemas.microsoft.com/office/powerpoint/2010/main" val="3116283129"/>
+        <p14:creationId xmlns:p14="http://schemas.microsoft.com/office/powerpoint/2010/main" val="1915553829"/>
       </p:ext>
     </p:extLst>
   </p:cSld>
@@ -5078,12 +5232,16 @@
           <a:lstStyle/>
           <a:p>
             <a:r>
-              <a:rPr lang="en-US" dirty="0" smtClean="0"/>
-              <a:t>CSS </a:t>
-            </a:r>
-            <a:r>
-              <a:rPr lang="ru-RU" dirty="0" smtClean="0"/>
-              <a:t>селекторы</a:t>
+              <a:rPr lang="ru-RU" dirty="0" smtClean="0"/>
+              <a:t>Некоторые </a:t>
+            </a:r>
+            <a:r>
+              <a:rPr lang="en-US" dirty="0" smtClean="0"/>
+              <a:t>CSS-</a:t>
+            </a:r>
+            <a:r>
+              <a:rPr lang="ru-RU" dirty="0" smtClean="0"/>
+              <a:t>правила</a:t>
             </a:r>
             <a:endParaRPr lang="ru-RU" dirty="0"/>
           </a:p>
@@ -5091,7 +5249,7 @@
       </p:sp>
       <p:sp>
         <p:nvSpPr>
-          <p:cNvPr id="3" name="Content Placeholder 2"/>
+          <p:cNvPr id="4" name="Content Placeholder 3"/>
           <p:cNvSpPr>
             <a:spLocks noGrp="1"/>
           </p:cNvSpPr>
@@ -5104,42 +5262,25 @@
           <a:bodyPr/>
           <a:lstStyle/>
           <a:p>
-            <a:pPr marL="0" indent="0">
-              <a:buNone/>
-            </a:pPr>
-            <a:r>
-              <a:rPr lang="en-US" dirty="0" smtClean="0"/>
-              <a:t>#id</a:t>
-            </a:r>
-          </a:p>
-          <a:p>
-            <a:pPr marL="0" indent="0">
-              <a:buNone/>
-            </a:pPr>
-            <a:r>
-              <a:rPr lang="en-US" dirty="0" smtClean="0"/>
-              <a:t>.</a:t>
-            </a:r>
-            <a:r>
-              <a:rPr lang="en-US" dirty="0" err="1" smtClean="0"/>
-              <a:t>className</a:t>
-            </a:r>
-            <a:endParaRPr lang="en-US" dirty="0" smtClean="0"/>
-          </a:p>
-          <a:p>
-            <a:pPr marL="0" indent="0">
-              <a:buNone/>
-            </a:pPr>
-            <a:r>
-              <a:rPr lang="en-US" dirty="0" err="1" smtClean="0"/>
-              <a:t>elementName</a:t>
-            </a:r>
-            <a:endParaRPr lang="en-US" dirty="0" smtClean="0"/>
-          </a:p>
-          <a:p>
-            <a:pPr marL="0" indent="0">
-              <a:buNone/>
-            </a:pPr>
+            <a:r>
+              <a:rPr lang="ru-RU" dirty="0" smtClean="0"/>
+              <a:t>цвет - </a:t>
+            </a:r>
+            <a:r>
+              <a:rPr lang="en-US" dirty="0" smtClean="0"/>
+              <a:t>color</a:t>
+            </a:r>
+            <a:r>
+              <a:rPr lang="en-US" dirty="0"/>
+              <a:t>: </a:t>
+            </a:r>
+            <a:r>
+              <a:rPr lang="en-US" dirty="0" smtClean="0"/>
+              <a:t>red</a:t>
+            </a:r>
+            <a:endParaRPr lang="ru-RU" dirty="0" smtClean="0"/>
+          </a:p>
+          <a:p>
             <a:endParaRPr lang="ru-RU" dirty="0"/>
           </a:p>
         </p:txBody>
@@ -5147,7 +5288,7 @@
     </p:spTree>
     <p:extLst>
       <p:ext uri="{BB962C8B-B14F-4D97-AF65-F5344CB8AC3E}">
-        <p14:creationId xmlns:p14="http://schemas.microsoft.com/office/powerpoint/2010/main" val="370374908"/>
+        <p14:creationId xmlns:p14="http://schemas.microsoft.com/office/powerpoint/2010/main" val="3116283129"/>
       </p:ext>
     </p:extLst>
   </p:cSld>
